--- a/tkinter.pptx
+++ b/tkinter.pptx
@@ -5,20 +5,23 @@
     <p:sldMasterId id="2147483725" r:id="rId1"/>
   </p:sldMasterIdLst>
   <p:notesMasterIdLst>
-    <p:notesMasterId r:id="rId13"/>
+    <p:notesMasterId r:id="rId16"/>
   </p:notesMasterIdLst>
   <p:sldIdLst>
     <p:sldId id="256" r:id="rId2"/>
-    <p:sldId id="263" r:id="rId3"/>
-    <p:sldId id="258" r:id="rId4"/>
-    <p:sldId id="267" r:id="rId5"/>
-    <p:sldId id="259" r:id="rId6"/>
-    <p:sldId id="260" r:id="rId7"/>
-    <p:sldId id="261" r:id="rId8"/>
-    <p:sldId id="264" r:id="rId9"/>
-    <p:sldId id="266" r:id="rId10"/>
-    <p:sldId id="265" r:id="rId11"/>
-    <p:sldId id="268" r:id="rId12"/>
+    <p:sldId id="270" r:id="rId3"/>
+    <p:sldId id="263" r:id="rId4"/>
+    <p:sldId id="258" r:id="rId5"/>
+    <p:sldId id="267" r:id="rId6"/>
+    <p:sldId id="259" r:id="rId7"/>
+    <p:sldId id="260" r:id="rId8"/>
+    <p:sldId id="261" r:id="rId9"/>
+    <p:sldId id="264" r:id="rId10"/>
+    <p:sldId id="266" r:id="rId11"/>
+    <p:sldId id="265" r:id="rId12"/>
+    <p:sldId id="268" r:id="rId13"/>
+    <p:sldId id="269" r:id="rId14"/>
+    <p:sldId id="271" r:id="rId15"/>
   </p:sldIdLst>
   <p:sldSz cx="12192000" cy="6858000"/>
   <p:notesSz cx="6858000" cy="9144000"/>
@@ -933,42 +936,42 @@
 </file>
 
 <file path=ppt/diagrams/colors2.xml><?xml version="1.0" encoding="utf-8"?>
-<dgm:colorsDef xmlns:dgm="http://schemas.openxmlformats.org/drawingml/2006/diagram" xmlns:a="http://schemas.openxmlformats.org/drawingml/2006/main" uniqueId="urn:microsoft.com/office/officeart/2005/8/colors/accent0_3">
+<dgm:colorsDef xmlns:dgm="http://schemas.openxmlformats.org/drawingml/2006/diagram" xmlns:a="http://schemas.openxmlformats.org/drawingml/2006/main" uniqueId="urn:microsoft.com/office/officeart/2005/8/colors/accent6_2">
   <dgm:title val=""/>
   <dgm:desc val=""/>
   <dgm:catLst>
-    <dgm:cat type="mainScheme" pri="10300"/>
+    <dgm:cat type="accent6" pri="11200"/>
   </dgm:catLst>
   <dgm:styleLbl name="node0">
     <dgm:fillClrLst meth="repeat">
-      <a:schemeClr val="dk2"/>
+      <a:schemeClr val="accent6"/>
     </dgm:fillClrLst>
     <dgm:linClrLst meth="repeat">
-      <a:schemeClr val="lt2"/>
+      <a:schemeClr val="lt1"/>
     </dgm:linClrLst>
     <dgm:effectClrLst/>
     <dgm:txLinClrLst/>
     <dgm:txFillClrLst/>
     <dgm:txEffectClrLst/>
   </dgm:styleLbl>
-  <dgm:styleLbl name="alignNode1">
+  <dgm:styleLbl name="node1">
     <dgm:fillClrLst meth="repeat">
-      <a:schemeClr val="dk2"/>
+      <a:schemeClr val="accent6"/>
     </dgm:fillClrLst>
     <dgm:linClrLst meth="repeat">
-      <a:schemeClr val="dk2"/>
+      <a:schemeClr val="lt1"/>
     </dgm:linClrLst>
     <dgm:effectClrLst/>
     <dgm:txLinClrLst/>
     <dgm:txFillClrLst/>
     <dgm:txEffectClrLst/>
   </dgm:styleLbl>
-  <dgm:styleLbl name="node1">
+  <dgm:styleLbl name="alignNode1">
     <dgm:fillClrLst meth="repeat">
-      <a:schemeClr val="dk2"/>
+      <a:schemeClr val="accent6"/>
     </dgm:fillClrLst>
     <dgm:linClrLst meth="repeat">
-      <a:schemeClr val="lt2"/>
+      <a:schemeClr val="accent6"/>
     </dgm:linClrLst>
     <dgm:effectClrLst/>
     <dgm:txLinClrLst/>
@@ -977,10 +980,10 @@
   </dgm:styleLbl>
   <dgm:styleLbl name="lnNode1">
     <dgm:fillClrLst meth="repeat">
-      <a:schemeClr val="dk2"/>
+      <a:schemeClr val="accent6"/>
     </dgm:fillClrLst>
     <dgm:linClrLst meth="repeat">
-      <a:schemeClr val="lt2"/>
+      <a:schemeClr val="lt1"/>
     </dgm:linClrLst>
     <dgm:effectClrLst/>
     <dgm:txLinClrLst/>
@@ -989,12 +992,12 @@
   </dgm:styleLbl>
   <dgm:styleLbl name="vennNode1">
     <dgm:fillClrLst meth="repeat">
-      <a:schemeClr val="dk2">
+      <a:schemeClr val="accent6">
         <a:alpha val="50000"/>
       </a:schemeClr>
     </dgm:fillClrLst>
     <dgm:linClrLst meth="repeat">
-      <a:schemeClr val="lt2"/>
+      <a:schemeClr val="lt1"/>
     </dgm:linClrLst>
     <dgm:effectClrLst/>
     <dgm:txLinClrLst/>
@@ -1003,10 +1006,10 @@
   </dgm:styleLbl>
   <dgm:styleLbl name="node2">
     <dgm:fillClrLst meth="repeat">
-      <a:schemeClr val="dk2"/>
+      <a:schemeClr val="accent6"/>
     </dgm:fillClrLst>
     <dgm:linClrLst meth="repeat">
-      <a:schemeClr val="lt2"/>
+      <a:schemeClr val="lt1"/>
     </dgm:linClrLst>
     <dgm:effectClrLst/>
     <dgm:txLinClrLst/>
@@ -1015,10 +1018,10 @@
   </dgm:styleLbl>
   <dgm:styleLbl name="node3">
     <dgm:fillClrLst meth="repeat">
-      <a:schemeClr val="dk2"/>
+      <a:schemeClr val="accent6"/>
     </dgm:fillClrLst>
     <dgm:linClrLst meth="repeat">
-      <a:schemeClr val="lt2"/>
+      <a:schemeClr val="lt1"/>
     </dgm:linClrLst>
     <dgm:effectClrLst/>
     <dgm:txLinClrLst/>
@@ -1027,10 +1030,10 @@
   </dgm:styleLbl>
   <dgm:styleLbl name="node4">
     <dgm:fillClrLst meth="repeat">
-      <a:schemeClr val="dk2"/>
+      <a:schemeClr val="accent6"/>
     </dgm:fillClrLst>
     <dgm:linClrLst meth="repeat">
-      <a:schemeClr val="lt2"/>
+      <a:schemeClr val="lt1"/>
     </dgm:linClrLst>
     <dgm:effectClrLst/>
     <dgm:txLinClrLst/>
@@ -1039,64 +1042,60 @@
   </dgm:styleLbl>
   <dgm:styleLbl name="fgImgPlace1">
     <dgm:fillClrLst meth="repeat">
-      <a:schemeClr val="dk2">
+      <a:schemeClr val="accent6">
         <a:tint val="50000"/>
       </a:schemeClr>
     </dgm:fillClrLst>
     <dgm:linClrLst meth="repeat">
-      <a:schemeClr val="lt2"/>
+      <a:schemeClr val="lt1"/>
     </dgm:linClrLst>
     <dgm:effectClrLst/>
     <dgm:txLinClrLst/>
     <dgm:txFillClrLst meth="repeat">
-      <a:schemeClr val="lt2"/>
+      <a:schemeClr val="lt1"/>
     </dgm:txFillClrLst>
     <dgm:txEffectClrLst/>
   </dgm:styleLbl>
   <dgm:styleLbl name="alignImgPlace1">
     <dgm:fillClrLst meth="repeat">
-      <a:schemeClr val="dk2">
+      <a:schemeClr val="accent6">
         <a:tint val="50000"/>
       </a:schemeClr>
     </dgm:fillClrLst>
     <dgm:linClrLst meth="repeat">
-      <a:schemeClr val="dk2">
-        <a:shade val="80000"/>
-      </a:schemeClr>
+      <a:schemeClr val="lt1"/>
     </dgm:linClrLst>
     <dgm:effectClrLst/>
     <dgm:txLinClrLst/>
     <dgm:txFillClrLst meth="repeat">
-      <a:schemeClr val="lt2"/>
+      <a:schemeClr val="lt1"/>
     </dgm:txFillClrLst>
     <dgm:txEffectClrLst/>
   </dgm:styleLbl>
   <dgm:styleLbl name="bgImgPlace1">
     <dgm:fillClrLst meth="repeat">
-      <a:schemeClr val="dk2">
+      <a:schemeClr val="accent6">
         <a:tint val="50000"/>
       </a:schemeClr>
     </dgm:fillClrLst>
     <dgm:linClrLst meth="repeat">
-      <a:schemeClr val="dk2">
-        <a:shade val="80000"/>
-      </a:schemeClr>
+      <a:schemeClr val="lt1"/>
     </dgm:linClrLst>
     <dgm:effectClrLst/>
     <dgm:txLinClrLst/>
     <dgm:txFillClrLst meth="repeat">
-      <a:schemeClr val="lt2"/>
+      <a:schemeClr val="lt1"/>
     </dgm:txFillClrLst>
     <dgm:txEffectClrLst/>
   </dgm:styleLbl>
   <dgm:styleLbl name="sibTrans2D1">
     <dgm:fillClrLst meth="repeat">
-      <a:schemeClr val="dk2">
+      <a:schemeClr val="accent6">
         <a:tint val="60000"/>
       </a:schemeClr>
     </dgm:fillClrLst>
     <dgm:linClrLst meth="repeat">
-      <a:schemeClr val="dk2">
+      <a:schemeClr val="accent6">
         <a:tint val="60000"/>
       </a:schemeClr>
     </dgm:linClrLst>
@@ -1107,12 +1106,12 @@
   </dgm:styleLbl>
   <dgm:styleLbl name="fgSibTrans2D1">
     <dgm:fillClrLst meth="repeat">
-      <a:schemeClr val="dk2">
+      <a:schemeClr val="accent6">
         <a:tint val="60000"/>
       </a:schemeClr>
     </dgm:fillClrLst>
     <dgm:linClrLst meth="repeat">
-      <a:schemeClr val="dk2">
+      <a:schemeClr val="accent6">
         <a:tint val="60000"/>
       </a:schemeClr>
     </dgm:linClrLst>
@@ -1123,12 +1122,12 @@
   </dgm:styleLbl>
   <dgm:styleLbl name="bgSibTrans2D1">
     <dgm:fillClrLst meth="repeat">
-      <a:schemeClr val="dk2">
+      <a:schemeClr val="accent6">
         <a:tint val="60000"/>
       </a:schemeClr>
     </dgm:fillClrLst>
     <dgm:linClrLst meth="repeat">
-      <a:schemeClr val="dk2">
+      <a:schemeClr val="accent6">
         <a:tint val="60000"/>
       </a:schemeClr>
     </dgm:linClrLst>
@@ -1139,40 +1138,40 @@
   </dgm:styleLbl>
   <dgm:styleLbl name="sibTrans1D1">
     <dgm:fillClrLst meth="repeat">
-      <a:schemeClr val="dk2"/>
+      <a:schemeClr val="accent6"/>
     </dgm:fillClrLst>
     <dgm:linClrLst meth="repeat">
-      <a:schemeClr val="dk2"/>
+      <a:schemeClr val="accent6"/>
     </dgm:linClrLst>
     <dgm:effectClrLst/>
     <dgm:txLinClrLst/>
     <dgm:txFillClrLst meth="repeat">
-      <a:schemeClr val="lt2"/>
+      <a:schemeClr val="tx1"/>
     </dgm:txFillClrLst>
     <dgm:txEffectClrLst/>
   </dgm:styleLbl>
   <dgm:styleLbl name="callout">
     <dgm:fillClrLst meth="repeat">
-      <a:schemeClr val="dk2"/>
+      <a:schemeClr val="accent6"/>
     </dgm:fillClrLst>
     <dgm:linClrLst meth="repeat">
-      <a:schemeClr val="dk2">
+      <a:schemeClr val="accent6">
         <a:tint val="50000"/>
       </a:schemeClr>
     </dgm:linClrLst>
     <dgm:effectClrLst/>
     <dgm:txLinClrLst/>
     <dgm:txFillClrLst meth="repeat">
-      <a:schemeClr val="lt2"/>
+      <a:schemeClr val="tx1"/>
     </dgm:txFillClrLst>
     <dgm:txEffectClrLst/>
   </dgm:styleLbl>
   <dgm:styleLbl name="asst0">
     <dgm:fillClrLst meth="repeat">
-      <a:schemeClr val="dk2"/>
+      <a:schemeClr val="accent6"/>
     </dgm:fillClrLst>
     <dgm:linClrLst meth="repeat">
-      <a:schemeClr val="lt2"/>
+      <a:schemeClr val="lt1"/>
     </dgm:linClrLst>
     <dgm:effectClrLst/>
     <dgm:txLinClrLst/>
@@ -1181,10 +1180,10 @@
   </dgm:styleLbl>
   <dgm:styleLbl name="asst1">
     <dgm:fillClrLst meth="repeat">
-      <a:schemeClr val="dk2"/>
+      <a:schemeClr val="accent6"/>
     </dgm:fillClrLst>
     <dgm:linClrLst meth="repeat">
-      <a:schemeClr val="lt2"/>
+      <a:schemeClr val="lt1"/>
     </dgm:linClrLst>
     <dgm:effectClrLst/>
     <dgm:txLinClrLst/>
@@ -1193,10 +1192,10 @@
   </dgm:styleLbl>
   <dgm:styleLbl name="asst2">
     <dgm:fillClrLst meth="repeat">
-      <a:schemeClr val="dk2"/>
+      <a:schemeClr val="accent6"/>
     </dgm:fillClrLst>
     <dgm:linClrLst meth="repeat">
-      <a:schemeClr val="lt2"/>
+      <a:schemeClr val="lt1"/>
     </dgm:linClrLst>
     <dgm:effectClrLst/>
     <dgm:txLinClrLst/>
@@ -1205,10 +1204,10 @@
   </dgm:styleLbl>
   <dgm:styleLbl name="asst3">
     <dgm:fillClrLst meth="repeat">
-      <a:schemeClr val="dk2"/>
+      <a:schemeClr val="accent6"/>
     </dgm:fillClrLst>
     <dgm:linClrLst meth="repeat">
-      <a:schemeClr val="lt2"/>
+      <a:schemeClr val="lt1"/>
     </dgm:linClrLst>
     <dgm:effectClrLst/>
     <dgm:txLinClrLst/>
@@ -1217,10 +1216,10 @@
   </dgm:styleLbl>
   <dgm:styleLbl name="asst4">
     <dgm:fillClrLst meth="repeat">
-      <a:schemeClr val="dk2"/>
+      <a:schemeClr val="accent6"/>
     </dgm:fillClrLst>
     <dgm:linClrLst meth="repeat">
-      <a:schemeClr val="lt2"/>
+      <a:schemeClr val="lt1"/>
     </dgm:linClrLst>
     <dgm:effectClrLst/>
     <dgm:txLinClrLst/>
@@ -1229,70 +1228,70 @@
   </dgm:styleLbl>
   <dgm:styleLbl name="parChTrans2D1">
     <dgm:fillClrLst meth="repeat">
-      <a:schemeClr val="dk2">
+      <a:schemeClr val="accent6">
         <a:tint val="60000"/>
       </a:schemeClr>
     </dgm:fillClrLst>
     <dgm:linClrLst meth="repeat">
-      <a:schemeClr val="dk2">
+      <a:schemeClr val="accent6">
         <a:tint val="60000"/>
       </a:schemeClr>
     </dgm:linClrLst>
     <dgm:effectClrLst/>
     <dgm:txLinClrLst/>
     <dgm:txFillClrLst meth="repeat">
-      <a:schemeClr val="lt2"/>
+      <a:schemeClr val="lt1"/>
     </dgm:txFillClrLst>
     <dgm:txEffectClrLst/>
   </dgm:styleLbl>
   <dgm:styleLbl name="parChTrans2D2">
     <dgm:fillClrLst meth="repeat">
-      <a:schemeClr val="dk2"/>
+      <a:schemeClr val="accent6"/>
     </dgm:fillClrLst>
     <dgm:linClrLst meth="repeat">
-      <a:schemeClr val="dk2"/>
+      <a:schemeClr val="accent6"/>
     </dgm:linClrLst>
     <dgm:effectClrLst/>
     <dgm:txLinClrLst/>
     <dgm:txFillClrLst meth="repeat">
-      <a:schemeClr val="lt2"/>
+      <a:schemeClr val="lt1"/>
     </dgm:txFillClrLst>
     <dgm:txEffectClrLst/>
   </dgm:styleLbl>
   <dgm:styleLbl name="parChTrans2D3">
     <dgm:fillClrLst meth="repeat">
-      <a:schemeClr val="dk2"/>
+      <a:schemeClr val="accent6"/>
     </dgm:fillClrLst>
     <dgm:linClrLst meth="repeat">
-      <a:schemeClr val="dk2"/>
+      <a:schemeClr val="accent6"/>
     </dgm:linClrLst>
     <dgm:effectClrLst/>
     <dgm:txLinClrLst/>
     <dgm:txFillClrLst meth="repeat">
-      <a:schemeClr val="lt2"/>
+      <a:schemeClr val="lt1"/>
     </dgm:txFillClrLst>
     <dgm:txEffectClrLst/>
   </dgm:styleLbl>
   <dgm:styleLbl name="parChTrans2D4">
     <dgm:fillClrLst meth="repeat">
-      <a:schemeClr val="dk2"/>
+      <a:schemeClr val="accent6"/>
     </dgm:fillClrLst>
     <dgm:linClrLst meth="repeat">
-      <a:schemeClr val="dk2"/>
+      <a:schemeClr val="accent6"/>
     </dgm:linClrLst>
     <dgm:effectClrLst/>
     <dgm:txLinClrLst/>
     <dgm:txFillClrLst meth="repeat">
-      <a:schemeClr val="lt2"/>
+      <a:schemeClr val="lt1"/>
     </dgm:txFillClrLst>
     <dgm:txEffectClrLst/>
   </dgm:styleLbl>
   <dgm:styleLbl name="parChTrans1D1">
     <dgm:fillClrLst meth="repeat">
-      <a:schemeClr val="dk2"/>
+      <a:schemeClr val="accent6"/>
     </dgm:fillClrLst>
     <dgm:linClrLst meth="repeat">
-      <a:schemeClr val="dk2">
+      <a:schemeClr val="accent6">
         <a:shade val="60000"/>
       </a:schemeClr>
     </dgm:linClrLst>
@@ -1305,10 +1304,10 @@
   </dgm:styleLbl>
   <dgm:styleLbl name="parChTrans1D2">
     <dgm:fillClrLst meth="repeat">
-      <a:schemeClr val="dk2"/>
+      <a:schemeClr val="accent6"/>
     </dgm:fillClrLst>
     <dgm:linClrLst meth="repeat">
-      <a:schemeClr val="dk2">
+      <a:schemeClr val="accent6">
         <a:shade val="60000"/>
       </a:schemeClr>
     </dgm:linClrLst>
@@ -1321,10 +1320,10 @@
   </dgm:styleLbl>
   <dgm:styleLbl name="parChTrans1D3">
     <dgm:fillClrLst meth="repeat">
-      <a:schemeClr val="dk2"/>
+      <a:schemeClr val="accent6"/>
     </dgm:fillClrLst>
     <dgm:linClrLst meth="repeat">
-      <a:schemeClr val="dk2">
+      <a:schemeClr val="accent6">
         <a:shade val="80000"/>
       </a:schemeClr>
     </dgm:linClrLst>
@@ -1337,10 +1336,10 @@
   </dgm:styleLbl>
   <dgm:styleLbl name="parChTrans1D4">
     <dgm:fillClrLst meth="repeat">
-      <a:schemeClr val="dk2"/>
+      <a:schemeClr val="accent6"/>
     </dgm:fillClrLst>
     <dgm:linClrLst meth="repeat">
-      <a:schemeClr val="dk2">
+      <a:schemeClr val="accent6">
         <a:shade val="80000"/>
       </a:schemeClr>
     </dgm:linClrLst>
@@ -1353,12 +1352,12 @@
   </dgm:styleLbl>
   <dgm:styleLbl name="fgAcc1">
     <dgm:fillClrLst meth="repeat">
-      <a:schemeClr val="lt2">
+      <a:schemeClr val="lt1">
         <a:alpha val="90000"/>
       </a:schemeClr>
     </dgm:fillClrLst>
     <dgm:linClrLst meth="repeat">
-      <a:schemeClr val="dk2"/>
+      <a:schemeClr val="accent6"/>
     </dgm:linClrLst>
     <dgm:effectClrLst/>
     <dgm:txLinClrLst/>
@@ -1369,12 +1368,12 @@
   </dgm:styleLbl>
   <dgm:styleLbl name="conFgAcc1">
     <dgm:fillClrLst meth="repeat">
-      <a:schemeClr val="lt2">
+      <a:schemeClr val="lt1">
         <a:alpha val="90000"/>
       </a:schemeClr>
     </dgm:fillClrLst>
     <dgm:linClrLst meth="repeat">
-      <a:schemeClr val="dk2"/>
+      <a:schemeClr val="accent6"/>
     </dgm:linClrLst>
     <dgm:effectClrLst/>
     <dgm:txLinClrLst/>
@@ -1385,12 +1384,12 @@
   </dgm:styleLbl>
   <dgm:styleLbl name="alignAcc1">
     <dgm:fillClrLst meth="repeat">
-      <a:schemeClr val="lt2">
+      <a:schemeClr val="lt1">
         <a:alpha val="90000"/>
       </a:schemeClr>
     </dgm:fillClrLst>
     <dgm:linClrLst meth="repeat">
-      <a:schemeClr val="dk2"/>
+      <a:schemeClr val="accent6"/>
     </dgm:linClrLst>
     <dgm:effectClrLst/>
     <dgm:txLinClrLst/>
@@ -1401,12 +1400,12 @@
   </dgm:styleLbl>
   <dgm:styleLbl name="trAlignAcc1">
     <dgm:fillClrLst meth="repeat">
-      <a:schemeClr val="lt2">
+      <a:schemeClr val="lt1">
         <a:alpha val="40000"/>
       </a:schemeClr>
     </dgm:fillClrLst>
     <dgm:linClrLst meth="repeat">
-      <a:schemeClr val="dk2"/>
+      <a:schemeClr val="accent6"/>
     </dgm:linClrLst>
     <dgm:effectClrLst/>
     <dgm:txLinClrLst/>
@@ -1417,12 +1416,12 @@
   </dgm:styleLbl>
   <dgm:styleLbl name="bgAcc1">
     <dgm:fillClrLst meth="repeat">
-      <a:schemeClr val="lt2">
+      <a:schemeClr val="lt1">
         <a:alpha val="90000"/>
       </a:schemeClr>
     </dgm:fillClrLst>
     <dgm:linClrLst meth="repeat">
-      <a:schemeClr val="dk2"/>
+      <a:schemeClr val="accent6"/>
     </dgm:linClrLst>
     <dgm:effectClrLst/>
     <dgm:txLinClrLst/>
@@ -1433,10 +1432,10 @@
   </dgm:styleLbl>
   <dgm:styleLbl name="solidFgAcc1">
     <dgm:fillClrLst meth="repeat">
-      <a:schemeClr val="lt2"/>
+      <a:schemeClr val="lt1"/>
     </dgm:fillClrLst>
     <dgm:linClrLst meth="repeat">
-      <a:schemeClr val="dk2"/>
+      <a:schemeClr val="accent6"/>
     </dgm:linClrLst>
     <dgm:effectClrLst/>
     <dgm:txLinClrLst/>
@@ -1447,10 +1446,10 @@
   </dgm:styleLbl>
   <dgm:styleLbl name="solidAlignAcc1">
     <dgm:fillClrLst meth="repeat">
-      <a:schemeClr val="lt2"/>
+      <a:schemeClr val="lt1"/>
     </dgm:fillClrLst>
     <dgm:linClrLst meth="repeat">
-      <a:schemeClr val="dk2"/>
+      <a:schemeClr val="accent6"/>
     </dgm:linClrLst>
     <dgm:effectClrLst/>
     <dgm:txLinClrLst/>
@@ -1461,10 +1460,10 @@
   </dgm:styleLbl>
   <dgm:styleLbl name="solidBgAcc1">
     <dgm:fillClrLst meth="repeat">
-      <a:schemeClr val="lt2"/>
+      <a:schemeClr val="lt1"/>
     </dgm:fillClrLst>
     <dgm:linClrLst meth="repeat">
-      <a:schemeClr val="dk2"/>
+      <a:schemeClr val="accent6"/>
     </dgm:linClrLst>
     <dgm:effectClrLst/>
     <dgm:txLinClrLst/>
@@ -1475,13 +1474,13 @@
   </dgm:styleLbl>
   <dgm:styleLbl name="fgAccFollowNode1">
     <dgm:fillClrLst meth="repeat">
-      <a:schemeClr val="dk2">
+      <a:schemeClr val="accent6">
         <a:alpha val="90000"/>
         <a:tint val="40000"/>
       </a:schemeClr>
     </dgm:fillClrLst>
     <dgm:linClrLst meth="repeat">
-      <a:schemeClr val="dk2">
+      <a:schemeClr val="accent6">
         <a:alpha val="90000"/>
         <a:tint val="40000"/>
       </a:schemeClr>
@@ -1495,13 +1494,13 @@
   </dgm:styleLbl>
   <dgm:styleLbl name="alignAccFollowNode1">
     <dgm:fillClrLst meth="repeat">
-      <a:schemeClr val="dk2">
+      <a:schemeClr val="accent6">
         <a:alpha val="90000"/>
         <a:tint val="40000"/>
       </a:schemeClr>
     </dgm:fillClrLst>
     <dgm:linClrLst meth="repeat">
-      <a:schemeClr val="dk2">
+      <a:schemeClr val="accent6">
         <a:alpha val="90000"/>
         <a:tint val="40000"/>
       </a:schemeClr>
@@ -1515,13 +1514,13 @@
   </dgm:styleLbl>
   <dgm:styleLbl name="bgAccFollowNode1">
     <dgm:fillClrLst meth="repeat">
-      <a:schemeClr val="dk2">
+      <a:schemeClr val="accent6">
         <a:alpha val="90000"/>
         <a:tint val="40000"/>
       </a:schemeClr>
     </dgm:fillClrLst>
     <dgm:linClrLst meth="repeat">
-      <a:schemeClr val="dk2">
+      <a:schemeClr val="accent6">
         <a:alpha val="90000"/>
         <a:tint val="40000"/>
       </a:schemeClr>
@@ -1535,12 +1534,12 @@
   </dgm:styleLbl>
   <dgm:styleLbl name="fgAcc0">
     <dgm:fillClrLst meth="repeat">
-      <a:schemeClr val="lt2">
+      <a:schemeClr val="lt1">
         <a:alpha val="90000"/>
       </a:schemeClr>
     </dgm:fillClrLst>
     <dgm:linClrLst meth="repeat">
-      <a:schemeClr val="dk2"/>
+      <a:schemeClr val="accent6"/>
     </dgm:linClrLst>
     <dgm:effectClrLst/>
     <dgm:txLinClrLst/>
@@ -1551,12 +1550,12 @@
   </dgm:styleLbl>
   <dgm:styleLbl name="fgAcc2">
     <dgm:fillClrLst meth="repeat">
-      <a:schemeClr val="lt2">
+      <a:schemeClr val="lt1">
         <a:alpha val="90000"/>
       </a:schemeClr>
     </dgm:fillClrLst>
     <dgm:linClrLst meth="repeat">
-      <a:schemeClr val="dk2"/>
+      <a:schemeClr val="accent6"/>
     </dgm:linClrLst>
     <dgm:effectClrLst/>
     <dgm:txLinClrLst/>
@@ -1567,12 +1566,12 @@
   </dgm:styleLbl>
   <dgm:styleLbl name="fgAcc3">
     <dgm:fillClrLst meth="repeat">
-      <a:schemeClr val="lt2">
+      <a:schemeClr val="lt1">
         <a:alpha val="90000"/>
       </a:schemeClr>
     </dgm:fillClrLst>
     <dgm:linClrLst meth="repeat">
-      <a:schemeClr val="dk2"/>
+      <a:schemeClr val="accent6"/>
     </dgm:linClrLst>
     <dgm:effectClrLst/>
     <dgm:txLinClrLst/>
@@ -1583,12 +1582,12 @@
   </dgm:styleLbl>
   <dgm:styleLbl name="fgAcc4">
     <dgm:fillClrLst meth="repeat">
-      <a:schemeClr val="lt2">
+      <a:schemeClr val="lt1">
         <a:alpha val="90000"/>
       </a:schemeClr>
     </dgm:fillClrLst>
     <dgm:linClrLst meth="repeat">
-      <a:schemeClr val="dk2"/>
+      <a:schemeClr val="accent6"/>
     </dgm:linClrLst>
     <dgm:effectClrLst/>
     <dgm:txLinClrLst/>
@@ -1599,12 +1598,12 @@
   </dgm:styleLbl>
   <dgm:styleLbl name="bgShp">
     <dgm:fillClrLst meth="repeat">
-      <a:schemeClr val="dk2">
+      <a:schemeClr val="accent6">
         <a:tint val="40000"/>
       </a:schemeClr>
     </dgm:fillClrLst>
     <dgm:linClrLst meth="repeat">
-      <a:schemeClr val="dk2"/>
+      <a:schemeClr val="accent6"/>
     </dgm:linClrLst>
     <dgm:effectClrLst/>
     <dgm:txLinClrLst/>
@@ -1615,12 +1614,12 @@
   </dgm:styleLbl>
   <dgm:styleLbl name="dkBgShp">
     <dgm:fillClrLst meth="repeat">
-      <a:schemeClr val="dk2">
+      <a:schemeClr val="accent6">
         <a:shade val="80000"/>
       </a:schemeClr>
     </dgm:fillClrLst>
     <dgm:linClrLst meth="repeat">
-      <a:schemeClr val="dk2"/>
+      <a:schemeClr val="accent6"/>
     </dgm:linClrLst>
     <dgm:effectClrLst/>
     <dgm:txLinClrLst/>
@@ -1631,13 +1630,13 @@
   </dgm:styleLbl>
   <dgm:styleLbl name="trBgShp">
     <dgm:fillClrLst meth="repeat">
-      <a:schemeClr val="dk2">
+      <a:schemeClr val="accent6">
         <a:tint val="50000"/>
         <a:alpha val="40000"/>
       </a:schemeClr>
     </dgm:fillClrLst>
     <dgm:linClrLst meth="repeat">
-      <a:schemeClr val="dk2"/>
+      <a:schemeClr val="accent6"/>
     </dgm:linClrLst>
     <dgm:effectClrLst/>
     <dgm:txLinClrLst/>
@@ -1648,12 +1647,12 @@
   </dgm:styleLbl>
   <dgm:styleLbl name="fgShp">
     <dgm:fillClrLst meth="repeat">
-      <a:schemeClr val="dk2">
+      <a:schemeClr val="accent6">
         <a:tint val="60000"/>
       </a:schemeClr>
     </dgm:fillClrLst>
     <dgm:linClrLst meth="repeat">
-      <a:schemeClr val="lt2"/>
+      <a:schemeClr val="lt1"/>
     </dgm:linClrLst>
     <dgm:effectClrLst/>
     <dgm:txLinClrLst/>
@@ -1664,7 +1663,7 @@
   </dgm:styleLbl>
   <dgm:styleLbl name="revTx">
     <dgm:fillClrLst meth="repeat">
-      <a:schemeClr val="lt2">
+      <a:schemeClr val="lt1">
         <a:alpha val="0"/>
       </a:schemeClr>
     </dgm:fillClrLst>
@@ -1867,6 +1866,52 @@
         </a:p>
       </dgm:t>
     </dgm:pt>
+    <dgm:pt modelId="{E2F759F7-B38A-44C7-94C7-C246F0695B94}">
+      <dgm:prSet/>
+      <dgm:spPr/>
+      <dgm:t>
+        <a:bodyPr/>
+        <a:lstStyle/>
+        <a:p>
+          <a:r>
+            <a:rPr lang="en-US" dirty="0">
+              <a:hlinkClick xmlns:r="http://schemas.openxmlformats.org/officeDocument/2006/relationships" r:id="rId5" action="ppaction://hlinksldjump"/>
+            </a:rPr>
+            <a:t>The End</a:t>
+          </a:r>
+          <a:endParaRPr lang="en-US" dirty="0"/>
+        </a:p>
+      </dgm:t>
+      <dgm:extLst>
+        <a:ext uri="{E40237B7-FDA0-4F09-8148-C483321AD2D9}">
+          <dgm14:cNvPr xmlns:dgm14="http://schemas.microsoft.com/office/drawing/2010/diagram" id="0" name="">
+            <a:hlinkClick xmlns:r="http://schemas.openxmlformats.org/officeDocument/2006/relationships" r:id="rId3" action="ppaction://hlinksldjump"/>
+          </dgm14:cNvPr>
+        </a:ext>
+      </dgm:extLst>
+    </dgm:pt>
+    <dgm:pt modelId="{20DFF3B6-A89C-49BA-A556-20C7DF14A916}" type="parTrans" cxnId="{95EA2AD7-2151-4B9D-A458-8C8E87045F07}">
+      <dgm:prSet/>
+      <dgm:spPr/>
+      <dgm:t>
+        <a:bodyPr/>
+        <a:lstStyle/>
+        <a:p>
+          <a:endParaRPr lang="en-US"/>
+        </a:p>
+      </dgm:t>
+    </dgm:pt>
+    <dgm:pt modelId="{1257DFFB-D3BD-4838-B666-B4338237BD02}" type="sibTrans" cxnId="{95EA2AD7-2151-4B9D-A458-8C8E87045F07}">
+      <dgm:prSet/>
+      <dgm:spPr/>
+      <dgm:t>
+        <a:bodyPr/>
+        <a:lstStyle/>
+        <a:p>
+          <a:endParaRPr lang="en-US"/>
+        </a:p>
+      </dgm:t>
+    </dgm:pt>
     <dgm:pt modelId="{6780949A-DF6F-4C5A-89AB-C4B8C10D1D1B}" type="pres">
       <dgm:prSet presAssocID="{1A670DD9-32F6-48D5-BFA2-520CBDB50244}" presName="linear" presStyleCnt="0">
         <dgm:presLayoutVars>
@@ -1877,7 +1922,7 @@
       <dgm:spPr/>
     </dgm:pt>
     <dgm:pt modelId="{DC99F1C6-F731-4DAA-98EC-D662E5C4AD5C}" type="pres">
-      <dgm:prSet presAssocID="{51F0A8B3-6ADB-4DC7-9DE0-EAC56789F7A6}" presName="parentText" presStyleLbl="node1" presStyleIdx="0" presStyleCnt="4">
+      <dgm:prSet presAssocID="{51F0A8B3-6ADB-4DC7-9DE0-EAC56789F7A6}" presName="parentText" presStyleLbl="node1" presStyleIdx="0" presStyleCnt="5">
         <dgm:presLayoutVars>
           <dgm:chMax val="0"/>
           <dgm:bulletEnabled val="1"/>
@@ -1890,7 +1935,7 @@
       <dgm:spPr/>
     </dgm:pt>
     <dgm:pt modelId="{1F4DAA4E-C6F3-4F7D-B65B-4975A15D4799}" type="pres">
-      <dgm:prSet presAssocID="{2AE402FC-0B90-4E53-8A0A-566C05A4A12D}" presName="parentText" presStyleLbl="node1" presStyleIdx="1" presStyleCnt="4">
+      <dgm:prSet presAssocID="{2AE402FC-0B90-4E53-8A0A-566C05A4A12D}" presName="parentText" presStyleLbl="node1" presStyleIdx="1" presStyleCnt="5">
         <dgm:presLayoutVars>
           <dgm:chMax val="0"/>
           <dgm:bulletEnabled val="1"/>
@@ -1903,7 +1948,7 @@
       <dgm:spPr/>
     </dgm:pt>
     <dgm:pt modelId="{42CC7156-DD9B-4F10-8E1F-37777CBEE279}" type="pres">
-      <dgm:prSet presAssocID="{6CD65B20-2A6D-4167-9ECD-836806C5748A}" presName="parentText" presStyleLbl="node1" presStyleIdx="2" presStyleCnt="4">
+      <dgm:prSet presAssocID="{6CD65B20-2A6D-4167-9ECD-836806C5748A}" presName="parentText" presStyleLbl="node1" presStyleIdx="2" presStyleCnt="5">
         <dgm:presLayoutVars>
           <dgm:chMax val="0"/>
           <dgm:bulletEnabled val="1"/>
@@ -1916,7 +1961,20 @@
       <dgm:spPr/>
     </dgm:pt>
     <dgm:pt modelId="{CF47DC6D-6253-48A2-AD4D-D20E2E292CFA}" type="pres">
-      <dgm:prSet presAssocID="{65DF6D19-5811-4EED-829B-B94841758B3B}" presName="parentText" presStyleLbl="node1" presStyleIdx="3" presStyleCnt="4">
+      <dgm:prSet presAssocID="{65DF6D19-5811-4EED-829B-B94841758B3B}" presName="parentText" presStyleLbl="node1" presStyleIdx="3" presStyleCnt="5">
+        <dgm:presLayoutVars>
+          <dgm:chMax val="0"/>
+          <dgm:bulletEnabled val="1"/>
+        </dgm:presLayoutVars>
+      </dgm:prSet>
+      <dgm:spPr/>
+    </dgm:pt>
+    <dgm:pt modelId="{7967BFC0-15A9-4EDD-9330-606E883D7D26}" type="pres">
+      <dgm:prSet presAssocID="{80A63A4B-3490-40C5-92D5-892824777AE2}" presName="spacer" presStyleCnt="0"/>
+      <dgm:spPr/>
+    </dgm:pt>
+    <dgm:pt modelId="{4094FBA8-ACED-432D-8853-14D79619FD3B}" type="pres">
+      <dgm:prSet presAssocID="{E2F759F7-B38A-44C7-94C7-C246F0695B94}" presName="parentText" presStyleLbl="node1" presStyleIdx="4" presStyleCnt="5">
         <dgm:presLayoutVars>
           <dgm:chMax val="0"/>
           <dgm:bulletEnabled val="1"/>
@@ -1935,6 +1993,8 @@
     <dgm:cxn modelId="{F2A4FD6A-CFFE-4C97-9C9F-570922370681}" type="presOf" srcId="{6CD65B20-2A6D-4167-9ECD-836806C5748A}" destId="{42CC7156-DD9B-4F10-8E1F-37777CBEE279}" srcOrd="0" destOrd="0" presId="urn:microsoft.com/office/officeart/2005/8/layout/vList2"/>
     <dgm:cxn modelId="{311D4077-BBF3-49D8-A453-D13F55968CA6}" srcId="{1A670DD9-32F6-48D5-BFA2-520CBDB50244}" destId="{2AE402FC-0B90-4E53-8A0A-566C05A4A12D}" srcOrd="1" destOrd="0" parTransId="{36191A08-724E-4707-AF4B-672C465C46A6}" sibTransId="{FF2E04EA-A277-4315-807D-D941A414651E}"/>
     <dgm:cxn modelId="{EA2E6ECB-FE49-46E4-B743-D6A48E6A4F20}" type="presOf" srcId="{51F0A8B3-6ADB-4DC7-9DE0-EAC56789F7A6}" destId="{DC99F1C6-F731-4DAA-98EC-D662E5C4AD5C}" srcOrd="0" destOrd="0" presId="urn:microsoft.com/office/officeart/2005/8/layout/vList2"/>
+    <dgm:cxn modelId="{95EA2AD7-2151-4B9D-A458-8C8E87045F07}" srcId="{1A670DD9-32F6-48D5-BFA2-520CBDB50244}" destId="{E2F759F7-B38A-44C7-94C7-C246F0695B94}" srcOrd="4" destOrd="0" parTransId="{20DFF3B6-A89C-49BA-A556-20C7DF14A916}" sibTransId="{1257DFFB-D3BD-4838-B666-B4338237BD02}"/>
+    <dgm:cxn modelId="{065F9BE9-998D-40E0-BAE4-9F60AEEF8F30}" type="presOf" srcId="{E2F759F7-B38A-44C7-94C7-C246F0695B94}" destId="{4094FBA8-ACED-432D-8853-14D79619FD3B}" srcOrd="0" destOrd="0" presId="urn:microsoft.com/office/officeart/2005/8/layout/vList2"/>
     <dgm:cxn modelId="{B09A6B6B-62E5-4ABC-82F7-8929A40CEEF9}" type="presParOf" srcId="{6780949A-DF6F-4C5A-89AB-C4B8C10D1D1B}" destId="{DC99F1C6-F731-4DAA-98EC-D662E5C4AD5C}" srcOrd="0" destOrd="0" presId="urn:microsoft.com/office/officeart/2005/8/layout/vList2"/>
     <dgm:cxn modelId="{7821B9ED-B6C2-4AE3-9D4C-855C247E3E1F}" type="presParOf" srcId="{6780949A-DF6F-4C5A-89AB-C4B8C10D1D1B}" destId="{3FE1790F-7B20-4C43-8F7A-0BB95ED34871}" srcOrd="1" destOrd="0" presId="urn:microsoft.com/office/officeart/2005/8/layout/vList2"/>
     <dgm:cxn modelId="{EAC9C2D1-B938-452B-B81B-DC57F43688CC}" type="presParOf" srcId="{6780949A-DF6F-4C5A-89AB-C4B8C10D1D1B}" destId="{1F4DAA4E-C6F3-4F7D-B65B-4975A15D4799}" srcOrd="2" destOrd="0" presId="urn:microsoft.com/office/officeart/2005/8/layout/vList2"/>
@@ -1942,6 +2002,8 @@
     <dgm:cxn modelId="{F8300618-E6D5-421A-97CB-9B805F2E2086}" type="presParOf" srcId="{6780949A-DF6F-4C5A-89AB-C4B8C10D1D1B}" destId="{42CC7156-DD9B-4F10-8E1F-37777CBEE279}" srcOrd="4" destOrd="0" presId="urn:microsoft.com/office/officeart/2005/8/layout/vList2"/>
     <dgm:cxn modelId="{0F75FA71-D9F3-4349-9A91-37D0902311DD}" type="presParOf" srcId="{6780949A-DF6F-4C5A-89AB-C4B8C10D1D1B}" destId="{29FA9ED7-CCEF-40D8-9F90-BDC5639DDF5F}" srcOrd="5" destOrd="0" presId="urn:microsoft.com/office/officeart/2005/8/layout/vList2"/>
     <dgm:cxn modelId="{5E1D7D35-DAD8-4603-A8AA-766A7139FDD2}" type="presParOf" srcId="{6780949A-DF6F-4C5A-89AB-C4B8C10D1D1B}" destId="{CF47DC6D-6253-48A2-AD4D-D20E2E292CFA}" srcOrd="6" destOrd="0" presId="urn:microsoft.com/office/officeart/2005/8/layout/vList2"/>
+    <dgm:cxn modelId="{7FC0B48C-9224-4814-8006-5192D6CC38BC}" type="presParOf" srcId="{6780949A-DF6F-4C5A-89AB-C4B8C10D1D1B}" destId="{7967BFC0-15A9-4EDD-9330-606E883D7D26}" srcOrd="7" destOrd="0" presId="urn:microsoft.com/office/officeart/2005/8/layout/vList2"/>
+    <dgm:cxn modelId="{A49DA119-00D6-4569-809E-536901AE812D}" type="presParOf" srcId="{6780949A-DF6F-4C5A-89AB-C4B8C10D1D1B}" destId="{4094FBA8-ACED-432D-8853-14D79619FD3B}" srcOrd="8" destOrd="0" presId="urn:microsoft.com/office/officeart/2005/8/layout/vList2"/>
   </dgm:cxnLst>
   <dgm:bg/>
   <dgm:whole/>
@@ -1957,7 +2019,7 @@
 <dgm:dataModel xmlns:dgm="http://schemas.openxmlformats.org/drawingml/2006/diagram" xmlns:a="http://schemas.openxmlformats.org/drawingml/2006/main">
   <dgm:ptLst>
     <dgm:pt modelId="{EADAF74A-7ED6-43F2-BD77-9494D92F89EB}" type="doc">
-      <dgm:prSet loTypeId="urn:microsoft.com/office/officeart/2008/layout/LinedList" loCatId="list" qsTypeId="urn:microsoft.com/office/officeart/2005/8/quickstyle/simple1" qsCatId="simple" csTypeId="urn:microsoft.com/office/officeart/2005/8/colors/accent0_3" csCatId="mainScheme" phldr="1"/>
+      <dgm:prSet loTypeId="urn:microsoft.com/office/officeart/2008/layout/LinedList" loCatId="list" qsTypeId="urn:microsoft.com/office/officeart/2005/8/quickstyle/simple1" qsCatId="simple" csTypeId="urn:microsoft.com/office/officeart/2005/8/colors/accent6_2" csCatId="accent6" phldr="1"/>
       <dgm:spPr/>
       <dgm:t>
         <a:bodyPr/>
@@ -1968,14 +2030,14 @@
       </dgm:t>
     </dgm:pt>
     <dgm:pt modelId="{2B85094C-3E13-4DB4-82F9-93D0ABFAE805}">
-      <dgm:prSet/>
+      <dgm:prSet custT="1"/>
       <dgm:spPr/>
       <dgm:t>
         <a:bodyPr/>
         <a:lstStyle/>
         <a:p>
           <a:r>
-            <a:rPr lang="en-US" dirty="0"/>
+            <a:rPr lang="en-US" sz="2800" dirty="0"/>
             <a:t>Tk is a library of basic GUI elements</a:t>
           </a:r>
         </a:p>
@@ -2004,14 +2066,14 @@
       </dgm:t>
     </dgm:pt>
     <dgm:pt modelId="{B3442729-A000-4B08-A0F2-D11A0D48156A}">
-      <dgm:prSet/>
+      <dgm:prSet custT="1"/>
       <dgm:spPr/>
       <dgm:t>
         <a:bodyPr/>
         <a:lstStyle/>
         <a:p>
           <a:r>
-            <a:rPr lang="en-US"/>
+            <a:rPr lang="en-US" sz="2800" dirty="0"/>
             <a:t>Another library that is commonly used is Qt</a:t>
           </a:r>
         </a:p>
@@ -2040,14 +2102,14 @@
       </dgm:t>
     </dgm:pt>
     <dgm:pt modelId="{0AF64F3D-1377-4436-AB4E-797878E78334}">
-      <dgm:prSet/>
+      <dgm:prSet custT="1"/>
       <dgm:spPr/>
       <dgm:t>
         <a:bodyPr/>
         <a:lstStyle/>
         <a:p>
           <a:r>
-            <a:rPr lang="en-US" dirty="0"/>
+            <a:rPr lang="en-US" sz="2800" dirty="0"/>
             <a:t>TkInter is just the name for Pythons version of Tk</a:t>
           </a:r>
         </a:p>
@@ -2076,14 +2138,14 @@
       </dgm:t>
     </dgm:pt>
     <dgm:pt modelId="{C79B211E-58B2-4FBC-85E5-F92E4ACF2686}">
-      <dgm:prSet/>
+      <dgm:prSet custT="1"/>
       <dgm:spPr/>
       <dgm:t>
         <a:bodyPr/>
         <a:lstStyle/>
         <a:p>
           <a:r>
-            <a:rPr lang="en-US"/>
+            <a:rPr lang="en-US" sz="2800" dirty="0"/>
             <a:t>It is built into Python</a:t>
           </a:r>
         </a:p>
@@ -2112,14 +2174,14 @@
       </dgm:t>
     </dgm:pt>
     <dgm:pt modelId="{57AD2A55-312C-4B13-A7CF-54015232E1C1}">
-      <dgm:prSet/>
+      <dgm:prSet custT="1"/>
       <dgm:spPr/>
       <dgm:t>
         <a:bodyPr/>
         <a:lstStyle/>
         <a:p>
           <a:r>
-            <a:rPr lang="en-US" dirty="0"/>
+            <a:rPr lang="en-US" sz="2800" dirty="0"/>
             <a:t>You can use it to build forms like in Visual Basic, or you can use it to make images</a:t>
           </a:r>
         </a:p>
@@ -2147,7 +2209,7 @@
         </a:p>
       </dgm:t>
     </dgm:pt>
-    <dgm:pt modelId="{1D143043-7A34-4472-9765-983DDC0A9292}" type="pres">
+    <dgm:pt modelId="{78880D69-C479-4D58-AA00-A5A77D49CF9B}" type="pres">
       <dgm:prSet presAssocID="{EADAF74A-7ED6-43F2-BD77-9494D92F89EB}" presName="vert0" presStyleCnt="0">
         <dgm:presLayoutVars>
           <dgm:dir/>
@@ -2157,119 +2219,119 @@
       </dgm:prSet>
       <dgm:spPr/>
     </dgm:pt>
-    <dgm:pt modelId="{47343133-AA89-4A40-B723-1003B429D3E0}" type="pres">
+    <dgm:pt modelId="{79DA5911-A596-4059-B9D8-01ABCA85F5B9}" type="pres">
       <dgm:prSet presAssocID="{2B85094C-3E13-4DB4-82F9-93D0ABFAE805}" presName="thickLine" presStyleLbl="alignNode1" presStyleIdx="0" presStyleCnt="5"/>
       <dgm:spPr/>
     </dgm:pt>
-    <dgm:pt modelId="{D95483D8-F33F-4886-B07F-01FA6DE040F4}" type="pres">
+    <dgm:pt modelId="{7BC1E1EC-6609-4D0B-BEF5-5A30FC74CFDC}" type="pres">
       <dgm:prSet presAssocID="{2B85094C-3E13-4DB4-82F9-93D0ABFAE805}" presName="horz1" presStyleCnt="0"/>
       <dgm:spPr/>
     </dgm:pt>
-    <dgm:pt modelId="{0A8873A7-5721-4982-BEC4-475149482679}" type="pres">
+    <dgm:pt modelId="{33097F44-0C51-4999-ADDF-ACE93FB30D97}" type="pres">
       <dgm:prSet presAssocID="{2B85094C-3E13-4DB4-82F9-93D0ABFAE805}" presName="tx1" presStyleLbl="revTx" presStyleIdx="0" presStyleCnt="5"/>
       <dgm:spPr/>
     </dgm:pt>
-    <dgm:pt modelId="{6E92D2CC-751C-40B3-8F41-A54EF61B956A}" type="pres">
+    <dgm:pt modelId="{ED9CF6F7-A6E8-44D4-AA5A-DC3BB18A87E5}" type="pres">
       <dgm:prSet presAssocID="{2B85094C-3E13-4DB4-82F9-93D0ABFAE805}" presName="vert1" presStyleCnt="0"/>
       <dgm:spPr/>
     </dgm:pt>
-    <dgm:pt modelId="{AEA99F4E-43D4-47A6-B0B1-B4F0C10158E5}" type="pres">
+    <dgm:pt modelId="{666DF06D-C767-4A43-8268-A176AA691FDC}" type="pres">
       <dgm:prSet presAssocID="{B3442729-A000-4B08-A0F2-D11A0D48156A}" presName="thickLine" presStyleLbl="alignNode1" presStyleIdx="1" presStyleCnt="5"/>
       <dgm:spPr/>
     </dgm:pt>
-    <dgm:pt modelId="{F125A386-51EF-489A-8BD7-9898F4EE8A69}" type="pres">
+    <dgm:pt modelId="{66752C75-A2C6-4085-9464-AA877F51F10E}" type="pres">
       <dgm:prSet presAssocID="{B3442729-A000-4B08-A0F2-D11A0D48156A}" presName="horz1" presStyleCnt="0"/>
       <dgm:spPr/>
     </dgm:pt>
-    <dgm:pt modelId="{950236DF-829F-431C-A1F0-893BAD6D4554}" type="pres">
+    <dgm:pt modelId="{4DC77B81-C329-410C-881E-56F2F361A485}" type="pres">
       <dgm:prSet presAssocID="{B3442729-A000-4B08-A0F2-D11A0D48156A}" presName="tx1" presStyleLbl="revTx" presStyleIdx="1" presStyleCnt="5"/>
       <dgm:spPr/>
     </dgm:pt>
-    <dgm:pt modelId="{67D4BA2A-78B6-4958-A94C-21E6FF91CBAD}" type="pres">
+    <dgm:pt modelId="{0A727399-D563-4AFB-953F-4F35B922D4A5}" type="pres">
       <dgm:prSet presAssocID="{B3442729-A000-4B08-A0F2-D11A0D48156A}" presName="vert1" presStyleCnt="0"/>
       <dgm:spPr/>
     </dgm:pt>
-    <dgm:pt modelId="{343F73C3-8BFD-4BFA-B1BC-A330F34DA76E}" type="pres">
+    <dgm:pt modelId="{229A08E7-0E14-4122-A300-412CF92C43C2}" type="pres">
       <dgm:prSet presAssocID="{0AF64F3D-1377-4436-AB4E-797878E78334}" presName="thickLine" presStyleLbl="alignNode1" presStyleIdx="2" presStyleCnt="5"/>
       <dgm:spPr/>
     </dgm:pt>
-    <dgm:pt modelId="{EC9DE735-F490-42FD-8CCE-56A097314647}" type="pres">
+    <dgm:pt modelId="{48DD03E1-A6A5-4B3C-B2CC-57A2C65030F0}" type="pres">
       <dgm:prSet presAssocID="{0AF64F3D-1377-4436-AB4E-797878E78334}" presName="horz1" presStyleCnt="0"/>
       <dgm:spPr/>
     </dgm:pt>
-    <dgm:pt modelId="{B431B98C-AB9D-4525-86D9-9E9BB729C560}" type="pres">
+    <dgm:pt modelId="{E4974EE6-A2E6-4A75-95C9-F9737519AD65}" type="pres">
       <dgm:prSet presAssocID="{0AF64F3D-1377-4436-AB4E-797878E78334}" presName="tx1" presStyleLbl="revTx" presStyleIdx="2" presStyleCnt="5"/>
       <dgm:spPr/>
     </dgm:pt>
-    <dgm:pt modelId="{66CD3A4C-39E4-4FAE-B931-A524532B62DC}" type="pres">
+    <dgm:pt modelId="{00A8D83B-1454-4225-BFA2-5C775DF9572B}" type="pres">
       <dgm:prSet presAssocID="{0AF64F3D-1377-4436-AB4E-797878E78334}" presName="vert1" presStyleCnt="0"/>
       <dgm:spPr/>
     </dgm:pt>
-    <dgm:pt modelId="{211BE429-2BC8-494B-991E-D87ED1DF2AA2}" type="pres">
+    <dgm:pt modelId="{1F05A176-A3DE-413C-8C03-7A62C9D33C49}" type="pres">
       <dgm:prSet presAssocID="{C79B211E-58B2-4FBC-85E5-F92E4ACF2686}" presName="thickLine" presStyleLbl="alignNode1" presStyleIdx="3" presStyleCnt="5"/>
       <dgm:spPr/>
     </dgm:pt>
-    <dgm:pt modelId="{EE895138-03D9-4624-B3AE-B5F8B0321BB4}" type="pres">
+    <dgm:pt modelId="{3261ADA2-78FD-4051-BB14-288A39DAC46B}" type="pres">
       <dgm:prSet presAssocID="{C79B211E-58B2-4FBC-85E5-F92E4ACF2686}" presName="horz1" presStyleCnt="0"/>
       <dgm:spPr/>
     </dgm:pt>
-    <dgm:pt modelId="{36D2F53E-DAED-4E97-9012-5A353FBB3C28}" type="pres">
+    <dgm:pt modelId="{FFB98F4E-5710-4965-8D34-297592D1591C}" type="pres">
       <dgm:prSet presAssocID="{C79B211E-58B2-4FBC-85E5-F92E4ACF2686}" presName="tx1" presStyleLbl="revTx" presStyleIdx="3" presStyleCnt="5"/>
       <dgm:spPr/>
     </dgm:pt>
-    <dgm:pt modelId="{53DB065B-9D08-4038-9415-AEECFA276510}" type="pres">
+    <dgm:pt modelId="{ECAEB6D3-51AD-4A1B-A76B-6A81E21507C6}" type="pres">
       <dgm:prSet presAssocID="{C79B211E-58B2-4FBC-85E5-F92E4ACF2686}" presName="vert1" presStyleCnt="0"/>
       <dgm:spPr/>
     </dgm:pt>
-    <dgm:pt modelId="{74745725-7C5C-487C-BB27-0E860313F90F}" type="pres">
+    <dgm:pt modelId="{83E55625-9C18-4970-A64E-F608477EA36D}" type="pres">
       <dgm:prSet presAssocID="{57AD2A55-312C-4B13-A7CF-54015232E1C1}" presName="thickLine" presStyleLbl="alignNode1" presStyleIdx="4" presStyleCnt="5"/>
       <dgm:spPr/>
     </dgm:pt>
-    <dgm:pt modelId="{2813BEC9-DCF1-4FC1-96DF-806DEAFEC486}" type="pres">
+    <dgm:pt modelId="{3A2CBFE4-6FF1-4AA8-B80E-24A6F4C989B1}" type="pres">
       <dgm:prSet presAssocID="{57AD2A55-312C-4B13-A7CF-54015232E1C1}" presName="horz1" presStyleCnt="0"/>
       <dgm:spPr/>
     </dgm:pt>
-    <dgm:pt modelId="{8FB14F7D-08B9-47EC-808F-A999F55FC175}" type="pres">
+    <dgm:pt modelId="{8D942FBA-3980-448B-B99A-157E3F686362}" type="pres">
       <dgm:prSet presAssocID="{57AD2A55-312C-4B13-A7CF-54015232E1C1}" presName="tx1" presStyleLbl="revTx" presStyleIdx="4" presStyleCnt="5"/>
       <dgm:spPr/>
     </dgm:pt>
-    <dgm:pt modelId="{015CCBCE-75CB-468F-9705-7551B6B92A50}" type="pres">
+    <dgm:pt modelId="{8FED81FD-C3B0-4F62-B88A-E7A0B82AD110}" type="pres">
       <dgm:prSet presAssocID="{57AD2A55-312C-4B13-A7CF-54015232E1C1}" presName="vert1" presStyleCnt="0"/>
       <dgm:spPr/>
     </dgm:pt>
   </dgm:ptLst>
   <dgm:cxnLst>
     <dgm:cxn modelId="{B6148123-DF03-4127-9397-91FEF4D79FA3}" srcId="{EADAF74A-7ED6-43F2-BD77-9494D92F89EB}" destId="{2B85094C-3E13-4DB4-82F9-93D0ABFAE805}" srcOrd="0" destOrd="0" parTransId="{7045CC52-6DD1-4B92-9F3C-AA80B98CC9F1}" sibTransId="{3EB68C67-9F1E-47F0-BA9F-6FA0AB345957}"/>
-    <dgm:cxn modelId="{8A01AA25-A84A-4BFB-B1CF-F8B2CBA37EB4}" type="presOf" srcId="{2B85094C-3E13-4DB4-82F9-93D0ABFAE805}" destId="{0A8873A7-5721-4982-BEC4-475149482679}" srcOrd="0" destOrd="0" presId="urn:microsoft.com/office/officeart/2008/layout/LinedList"/>
-    <dgm:cxn modelId="{7E32FF28-360C-4FE8-9152-530963757419}" type="presOf" srcId="{57AD2A55-312C-4B13-A7CF-54015232E1C1}" destId="{8FB14F7D-08B9-47EC-808F-A999F55FC175}" srcOrd="0" destOrd="0" presId="urn:microsoft.com/office/officeart/2008/layout/LinedList"/>
-    <dgm:cxn modelId="{2D661343-C7FD-433E-A315-EEE83AED5976}" type="presOf" srcId="{EADAF74A-7ED6-43F2-BD77-9494D92F89EB}" destId="{1D143043-7A34-4472-9765-983DDC0A9292}" srcOrd="0" destOrd="0" presId="urn:microsoft.com/office/officeart/2008/layout/LinedList"/>
+    <dgm:cxn modelId="{7B9E2130-337E-421A-B970-D2367608F569}" type="presOf" srcId="{EADAF74A-7ED6-43F2-BD77-9494D92F89EB}" destId="{78880D69-C479-4D58-AA00-A5A77D49CF9B}" srcOrd="0" destOrd="0" presId="urn:microsoft.com/office/officeart/2008/layout/LinedList"/>
+    <dgm:cxn modelId="{C6921E5E-0DB1-4849-8741-617F98E11769}" type="presOf" srcId="{57AD2A55-312C-4B13-A7CF-54015232E1C1}" destId="{8D942FBA-3980-448B-B99A-157E3F686362}" srcOrd="0" destOrd="0" presId="urn:microsoft.com/office/officeart/2008/layout/LinedList"/>
     <dgm:cxn modelId="{408CC067-594D-4FE6-8565-E01A4E31F3A7}" srcId="{EADAF74A-7ED6-43F2-BD77-9494D92F89EB}" destId="{B3442729-A000-4B08-A0F2-D11A0D48156A}" srcOrd="1" destOrd="0" parTransId="{43BDC443-4169-43AB-AF0B-3DEB9F0C634E}" sibTransId="{674C4D97-1172-4520-BF20-0AF4F36BC2E0}"/>
+    <dgm:cxn modelId="{69560753-B492-4E55-ABF9-1029F63ABAC9}" type="presOf" srcId="{B3442729-A000-4B08-A0F2-D11A0D48156A}" destId="{4DC77B81-C329-410C-881E-56F2F361A485}" srcOrd="0" destOrd="0" presId="urn:microsoft.com/office/officeart/2008/layout/LinedList"/>
+    <dgm:cxn modelId="{4DBB9855-07C0-4AEB-AA44-1C7262898317}" type="presOf" srcId="{C79B211E-58B2-4FBC-85E5-F92E4ACF2686}" destId="{FFB98F4E-5710-4965-8D34-297592D1591C}" srcOrd="0" destOrd="0" presId="urn:microsoft.com/office/officeart/2008/layout/LinedList"/>
     <dgm:cxn modelId="{4D6B9E59-FEF8-4130-B0D0-7FC5F167D791}" srcId="{EADAF74A-7ED6-43F2-BD77-9494D92F89EB}" destId="{C79B211E-58B2-4FBC-85E5-F92E4ACF2686}" srcOrd="3" destOrd="0" parTransId="{723D10E4-8170-4BE0-B624-80EBE2956A69}" sibTransId="{BC965365-6383-49E7-AC76-72B59CABE2FB}"/>
-    <dgm:cxn modelId="{F3C42594-ADF0-4982-A560-804CFFE99521}" type="presOf" srcId="{B3442729-A000-4B08-A0F2-D11A0D48156A}" destId="{950236DF-829F-431C-A1F0-893BAD6D4554}" srcOrd="0" destOrd="0" presId="urn:microsoft.com/office/officeart/2008/layout/LinedList"/>
     <dgm:cxn modelId="{6440C197-BA64-4ED9-9B3C-A78637DEE7A8}" srcId="{EADAF74A-7ED6-43F2-BD77-9494D92F89EB}" destId="{57AD2A55-312C-4B13-A7CF-54015232E1C1}" srcOrd="4" destOrd="0" parTransId="{52311D86-E700-4CB4-BACF-453D6F3404B6}" sibTransId="{46CF49AE-2F36-4E2C-926A-64437CE98F92}"/>
     <dgm:cxn modelId="{B249A599-E2D6-4C3E-A385-937793C007CE}" srcId="{EADAF74A-7ED6-43F2-BD77-9494D92F89EB}" destId="{0AF64F3D-1377-4436-AB4E-797878E78334}" srcOrd="2" destOrd="0" parTransId="{085FF510-8B23-4CFA-ADD3-471EC5177059}" sibTransId="{61F55475-FBED-49F6-8D01-0CDD0132BA7C}"/>
-    <dgm:cxn modelId="{61D6C8D9-4BB2-4636-94BA-E807F34A7C3F}" type="presOf" srcId="{C79B211E-58B2-4FBC-85E5-F92E4ACF2686}" destId="{36D2F53E-DAED-4E97-9012-5A353FBB3C28}" srcOrd="0" destOrd="0" presId="urn:microsoft.com/office/officeart/2008/layout/LinedList"/>
-    <dgm:cxn modelId="{8347EBD9-029B-4963-8C6A-239E5150260F}" type="presOf" srcId="{0AF64F3D-1377-4436-AB4E-797878E78334}" destId="{B431B98C-AB9D-4525-86D9-9E9BB729C560}" srcOrd="0" destOrd="0" presId="urn:microsoft.com/office/officeart/2008/layout/LinedList"/>
-    <dgm:cxn modelId="{34FFDD28-4A8A-461A-95AE-07133B3C5204}" type="presParOf" srcId="{1D143043-7A34-4472-9765-983DDC0A9292}" destId="{47343133-AA89-4A40-B723-1003B429D3E0}" srcOrd="0" destOrd="0" presId="urn:microsoft.com/office/officeart/2008/layout/LinedList"/>
-    <dgm:cxn modelId="{17DF9A58-96ED-4A2F-83BE-60C667B8E53E}" type="presParOf" srcId="{1D143043-7A34-4472-9765-983DDC0A9292}" destId="{D95483D8-F33F-4886-B07F-01FA6DE040F4}" srcOrd="1" destOrd="0" presId="urn:microsoft.com/office/officeart/2008/layout/LinedList"/>
-    <dgm:cxn modelId="{5D47795E-649C-45E6-997C-623ADFC4C19C}" type="presParOf" srcId="{D95483D8-F33F-4886-B07F-01FA6DE040F4}" destId="{0A8873A7-5721-4982-BEC4-475149482679}" srcOrd="0" destOrd="0" presId="urn:microsoft.com/office/officeart/2008/layout/LinedList"/>
-    <dgm:cxn modelId="{D48AB355-E010-4883-9667-94718AFE8302}" type="presParOf" srcId="{D95483D8-F33F-4886-B07F-01FA6DE040F4}" destId="{6E92D2CC-751C-40B3-8F41-A54EF61B956A}" srcOrd="1" destOrd="0" presId="urn:microsoft.com/office/officeart/2008/layout/LinedList"/>
-    <dgm:cxn modelId="{861CDF47-DFCB-489E-8EED-2BDA57E7E7B7}" type="presParOf" srcId="{1D143043-7A34-4472-9765-983DDC0A9292}" destId="{AEA99F4E-43D4-47A6-B0B1-B4F0C10158E5}" srcOrd="2" destOrd="0" presId="urn:microsoft.com/office/officeart/2008/layout/LinedList"/>
-    <dgm:cxn modelId="{47E40DE6-A62D-42E7-9B99-3174E5856CD4}" type="presParOf" srcId="{1D143043-7A34-4472-9765-983DDC0A9292}" destId="{F125A386-51EF-489A-8BD7-9898F4EE8A69}" srcOrd="3" destOrd="0" presId="urn:microsoft.com/office/officeart/2008/layout/LinedList"/>
-    <dgm:cxn modelId="{66FD31F9-BCD3-4A7B-BA5D-2C76F242CBED}" type="presParOf" srcId="{F125A386-51EF-489A-8BD7-9898F4EE8A69}" destId="{950236DF-829F-431C-A1F0-893BAD6D4554}" srcOrd="0" destOrd="0" presId="urn:microsoft.com/office/officeart/2008/layout/LinedList"/>
-    <dgm:cxn modelId="{B34A28EC-A324-469E-861C-3416A030219B}" type="presParOf" srcId="{F125A386-51EF-489A-8BD7-9898F4EE8A69}" destId="{67D4BA2A-78B6-4958-A94C-21E6FF91CBAD}" srcOrd="1" destOrd="0" presId="urn:microsoft.com/office/officeart/2008/layout/LinedList"/>
-    <dgm:cxn modelId="{8A61CC46-5CE0-4E2E-BA23-1CECECAD81F7}" type="presParOf" srcId="{1D143043-7A34-4472-9765-983DDC0A9292}" destId="{343F73C3-8BFD-4BFA-B1BC-A330F34DA76E}" srcOrd="4" destOrd="0" presId="urn:microsoft.com/office/officeart/2008/layout/LinedList"/>
-    <dgm:cxn modelId="{A988EFCB-5162-419D-858C-2508EC63F1E9}" type="presParOf" srcId="{1D143043-7A34-4472-9765-983DDC0A9292}" destId="{EC9DE735-F490-42FD-8CCE-56A097314647}" srcOrd="5" destOrd="0" presId="urn:microsoft.com/office/officeart/2008/layout/LinedList"/>
-    <dgm:cxn modelId="{84A13F8D-5DB0-4744-836F-1327D9A16018}" type="presParOf" srcId="{EC9DE735-F490-42FD-8CCE-56A097314647}" destId="{B431B98C-AB9D-4525-86D9-9E9BB729C560}" srcOrd="0" destOrd="0" presId="urn:microsoft.com/office/officeart/2008/layout/LinedList"/>
-    <dgm:cxn modelId="{53B1F740-EB71-4B68-B265-9CC87A1BE52B}" type="presParOf" srcId="{EC9DE735-F490-42FD-8CCE-56A097314647}" destId="{66CD3A4C-39E4-4FAE-B931-A524532B62DC}" srcOrd="1" destOrd="0" presId="urn:microsoft.com/office/officeart/2008/layout/LinedList"/>
-    <dgm:cxn modelId="{311061AA-AC53-4D59-82DF-208A11414011}" type="presParOf" srcId="{1D143043-7A34-4472-9765-983DDC0A9292}" destId="{211BE429-2BC8-494B-991E-D87ED1DF2AA2}" srcOrd="6" destOrd="0" presId="urn:microsoft.com/office/officeart/2008/layout/LinedList"/>
-    <dgm:cxn modelId="{255AEE77-0920-4739-A1B5-EA7A99A7B4E5}" type="presParOf" srcId="{1D143043-7A34-4472-9765-983DDC0A9292}" destId="{EE895138-03D9-4624-B3AE-B5F8B0321BB4}" srcOrd="7" destOrd="0" presId="urn:microsoft.com/office/officeart/2008/layout/LinedList"/>
-    <dgm:cxn modelId="{4B605BF5-9CB2-4934-B7EA-AB4D702EABE9}" type="presParOf" srcId="{EE895138-03D9-4624-B3AE-B5F8B0321BB4}" destId="{36D2F53E-DAED-4E97-9012-5A353FBB3C28}" srcOrd="0" destOrd="0" presId="urn:microsoft.com/office/officeart/2008/layout/LinedList"/>
-    <dgm:cxn modelId="{0303B473-548D-4DE3-8DE2-5B1F8EB3516D}" type="presParOf" srcId="{EE895138-03D9-4624-B3AE-B5F8B0321BB4}" destId="{53DB065B-9D08-4038-9415-AEECFA276510}" srcOrd="1" destOrd="0" presId="urn:microsoft.com/office/officeart/2008/layout/LinedList"/>
-    <dgm:cxn modelId="{A8BFA463-3E1F-478F-822A-D39348B4005C}" type="presParOf" srcId="{1D143043-7A34-4472-9765-983DDC0A9292}" destId="{74745725-7C5C-487C-BB27-0E860313F90F}" srcOrd="8" destOrd="0" presId="urn:microsoft.com/office/officeart/2008/layout/LinedList"/>
-    <dgm:cxn modelId="{D859ED75-6FCB-4532-A77B-36ED65A2FB68}" type="presParOf" srcId="{1D143043-7A34-4472-9765-983DDC0A9292}" destId="{2813BEC9-DCF1-4FC1-96DF-806DEAFEC486}" srcOrd="9" destOrd="0" presId="urn:microsoft.com/office/officeart/2008/layout/LinedList"/>
-    <dgm:cxn modelId="{FBB614D1-3680-49F0-BACC-95C7EF079516}" type="presParOf" srcId="{2813BEC9-DCF1-4FC1-96DF-806DEAFEC486}" destId="{8FB14F7D-08B9-47EC-808F-A999F55FC175}" srcOrd="0" destOrd="0" presId="urn:microsoft.com/office/officeart/2008/layout/LinedList"/>
-    <dgm:cxn modelId="{26CFF0D6-ECFD-4984-858A-BDF3E15A0B4B}" type="presParOf" srcId="{2813BEC9-DCF1-4FC1-96DF-806DEAFEC486}" destId="{015CCBCE-75CB-468F-9705-7551B6B92A50}" srcOrd="1" destOrd="0" presId="urn:microsoft.com/office/officeart/2008/layout/LinedList"/>
+    <dgm:cxn modelId="{73C067CD-A722-4148-A3AF-B31A46001E38}" type="presOf" srcId="{2B85094C-3E13-4DB4-82F9-93D0ABFAE805}" destId="{33097F44-0C51-4999-ADDF-ACE93FB30D97}" srcOrd="0" destOrd="0" presId="urn:microsoft.com/office/officeart/2008/layout/LinedList"/>
+    <dgm:cxn modelId="{08E2D9D2-C252-4F7B-BA90-F70B314F265F}" type="presOf" srcId="{0AF64F3D-1377-4436-AB4E-797878E78334}" destId="{E4974EE6-A2E6-4A75-95C9-F9737519AD65}" srcOrd="0" destOrd="0" presId="urn:microsoft.com/office/officeart/2008/layout/LinedList"/>
+    <dgm:cxn modelId="{93861B92-385A-429B-B090-989AF054954C}" type="presParOf" srcId="{78880D69-C479-4D58-AA00-A5A77D49CF9B}" destId="{79DA5911-A596-4059-B9D8-01ABCA85F5B9}" srcOrd="0" destOrd="0" presId="urn:microsoft.com/office/officeart/2008/layout/LinedList"/>
+    <dgm:cxn modelId="{C7416FE8-C3BD-42F1-A4E5-C5F220A0870A}" type="presParOf" srcId="{78880D69-C479-4D58-AA00-A5A77D49CF9B}" destId="{7BC1E1EC-6609-4D0B-BEF5-5A30FC74CFDC}" srcOrd="1" destOrd="0" presId="urn:microsoft.com/office/officeart/2008/layout/LinedList"/>
+    <dgm:cxn modelId="{C7FA7908-B7C7-44C7-A8E6-7D3EA24BC715}" type="presParOf" srcId="{7BC1E1EC-6609-4D0B-BEF5-5A30FC74CFDC}" destId="{33097F44-0C51-4999-ADDF-ACE93FB30D97}" srcOrd="0" destOrd="0" presId="urn:microsoft.com/office/officeart/2008/layout/LinedList"/>
+    <dgm:cxn modelId="{EDFB9C8E-4449-48FA-88D7-67305C8F561F}" type="presParOf" srcId="{7BC1E1EC-6609-4D0B-BEF5-5A30FC74CFDC}" destId="{ED9CF6F7-A6E8-44D4-AA5A-DC3BB18A87E5}" srcOrd="1" destOrd="0" presId="urn:microsoft.com/office/officeart/2008/layout/LinedList"/>
+    <dgm:cxn modelId="{6B43A298-651C-459C-9DF3-CE30EC963E3F}" type="presParOf" srcId="{78880D69-C479-4D58-AA00-A5A77D49CF9B}" destId="{666DF06D-C767-4A43-8268-A176AA691FDC}" srcOrd="2" destOrd="0" presId="urn:microsoft.com/office/officeart/2008/layout/LinedList"/>
+    <dgm:cxn modelId="{81EB510B-5214-40E0-81B5-0B7A18094A7B}" type="presParOf" srcId="{78880D69-C479-4D58-AA00-A5A77D49CF9B}" destId="{66752C75-A2C6-4085-9464-AA877F51F10E}" srcOrd="3" destOrd="0" presId="urn:microsoft.com/office/officeart/2008/layout/LinedList"/>
+    <dgm:cxn modelId="{5FE1BA01-C8D0-4C08-B116-113BE1439506}" type="presParOf" srcId="{66752C75-A2C6-4085-9464-AA877F51F10E}" destId="{4DC77B81-C329-410C-881E-56F2F361A485}" srcOrd="0" destOrd="0" presId="urn:microsoft.com/office/officeart/2008/layout/LinedList"/>
+    <dgm:cxn modelId="{E8F9D91A-C78E-4B96-A294-758D4289A918}" type="presParOf" srcId="{66752C75-A2C6-4085-9464-AA877F51F10E}" destId="{0A727399-D563-4AFB-953F-4F35B922D4A5}" srcOrd="1" destOrd="0" presId="urn:microsoft.com/office/officeart/2008/layout/LinedList"/>
+    <dgm:cxn modelId="{F4F6B730-AD54-4D32-9435-96EFD130CBF5}" type="presParOf" srcId="{78880D69-C479-4D58-AA00-A5A77D49CF9B}" destId="{229A08E7-0E14-4122-A300-412CF92C43C2}" srcOrd="4" destOrd="0" presId="urn:microsoft.com/office/officeart/2008/layout/LinedList"/>
+    <dgm:cxn modelId="{8C9CFB86-1821-4508-9232-5BE2FD509AC3}" type="presParOf" srcId="{78880D69-C479-4D58-AA00-A5A77D49CF9B}" destId="{48DD03E1-A6A5-4B3C-B2CC-57A2C65030F0}" srcOrd="5" destOrd="0" presId="urn:microsoft.com/office/officeart/2008/layout/LinedList"/>
+    <dgm:cxn modelId="{EC461C77-DD65-422C-8F98-31683B36ECEA}" type="presParOf" srcId="{48DD03E1-A6A5-4B3C-B2CC-57A2C65030F0}" destId="{E4974EE6-A2E6-4A75-95C9-F9737519AD65}" srcOrd="0" destOrd="0" presId="urn:microsoft.com/office/officeart/2008/layout/LinedList"/>
+    <dgm:cxn modelId="{F3C10B76-016F-4B3D-A551-175D2BE726FF}" type="presParOf" srcId="{48DD03E1-A6A5-4B3C-B2CC-57A2C65030F0}" destId="{00A8D83B-1454-4225-BFA2-5C775DF9572B}" srcOrd="1" destOrd="0" presId="urn:microsoft.com/office/officeart/2008/layout/LinedList"/>
+    <dgm:cxn modelId="{20A1F987-311F-4FE6-AA56-63426D98D638}" type="presParOf" srcId="{78880D69-C479-4D58-AA00-A5A77D49CF9B}" destId="{1F05A176-A3DE-413C-8C03-7A62C9D33C49}" srcOrd="6" destOrd="0" presId="urn:microsoft.com/office/officeart/2008/layout/LinedList"/>
+    <dgm:cxn modelId="{AA4D7A02-BE88-495A-AD97-23EF8C0DAB78}" type="presParOf" srcId="{78880D69-C479-4D58-AA00-A5A77D49CF9B}" destId="{3261ADA2-78FD-4051-BB14-288A39DAC46B}" srcOrd="7" destOrd="0" presId="urn:microsoft.com/office/officeart/2008/layout/LinedList"/>
+    <dgm:cxn modelId="{1E6F7D17-0FBC-4680-A64B-33EB1A89D17D}" type="presParOf" srcId="{3261ADA2-78FD-4051-BB14-288A39DAC46B}" destId="{FFB98F4E-5710-4965-8D34-297592D1591C}" srcOrd="0" destOrd="0" presId="urn:microsoft.com/office/officeart/2008/layout/LinedList"/>
+    <dgm:cxn modelId="{0140DCAA-E99A-4B5D-A363-9BCF9942EE08}" type="presParOf" srcId="{3261ADA2-78FD-4051-BB14-288A39DAC46B}" destId="{ECAEB6D3-51AD-4A1B-A76B-6A81E21507C6}" srcOrd="1" destOrd="0" presId="urn:microsoft.com/office/officeart/2008/layout/LinedList"/>
+    <dgm:cxn modelId="{1E376398-17BF-423C-A0CF-2F15CF28C661}" type="presParOf" srcId="{78880D69-C479-4D58-AA00-A5A77D49CF9B}" destId="{83E55625-9C18-4970-A64E-F608477EA36D}" srcOrd="8" destOrd="0" presId="urn:microsoft.com/office/officeart/2008/layout/LinedList"/>
+    <dgm:cxn modelId="{2C51075A-9691-412A-BECD-27BFDCB33FF1}" type="presParOf" srcId="{78880D69-C479-4D58-AA00-A5A77D49CF9B}" destId="{3A2CBFE4-6FF1-4AA8-B80E-24A6F4C989B1}" srcOrd="9" destOrd="0" presId="urn:microsoft.com/office/officeart/2008/layout/LinedList"/>
+    <dgm:cxn modelId="{FC6DB578-B51D-4D1D-A750-0508219BB8E2}" type="presParOf" srcId="{3A2CBFE4-6FF1-4AA8-B80E-24A6F4C989B1}" destId="{8D942FBA-3980-448B-B99A-157E3F686362}" srcOrd="0" destOrd="0" presId="urn:microsoft.com/office/officeart/2008/layout/LinedList"/>
+    <dgm:cxn modelId="{E47CFDF5-D887-47FB-A6C4-7B5EE3648E11}" type="presParOf" srcId="{3A2CBFE4-6FF1-4AA8-B80E-24A6F4C989B1}" destId="{8FED81FD-C3B0-4F62-B88A-E7A0B82AD110}" srcOrd="1" destOrd="0" presId="urn:microsoft.com/office/officeart/2008/layout/LinedList"/>
   </dgm:cxnLst>
   <dgm:bg/>
   <dgm:whole/>
@@ -2296,8 +2358,8 @@
       </dsp:nvSpPr>
       <dsp:spPr>
         <a:xfrm>
-          <a:off x="0" y="24342"/>
-          <a:ext cx="10058399" cy="911430"/>
+          <a:off x="0" y="39687"/>
+          <a:ext cx="10058399" cy="719549"/>
         </a:xfrm>
         <a:prstGeom prst="roundRect">
           <a:avLst/>
@@ -2388,12 +2450,12 @@
         </a:fontRef>
       </dsp:style>
       <dsp:txBody>
-        <a:bodyPr spcFirstLastPara="0" vert="horz" wrap="square" lIns="144780" tIns="144780" rIns="144780" bIns="144780" numCol="1" spcCol="1270" anchor="ctr" anchorCtr="0">
+        <a:bodyPr spcFirstLastPara="0" vert="horz" wrap="square" lIns="114300" tIns="114300" rIns="114300" bIns="114300" numCol="1" spcCol="1270" anchor="ctr" anchorCtr="0">
           <a:noAutofit/>
         </a:bodyPr>
         <a:lstStyle/>
         <a:p>
-          <a:pPr marL="0" lvl="0" indent="0" algn="l" defTabSz="1689100">
+          <a:pPr marL="0" lvl="0" indent="0" algn="l" defTabSz="1333500">
             <a:lnSpc>
               <a:spcPct val="90000"/>
             </a:lnSpc>
@@ -2406,17 +2468,17 @@
             <a:buNone/>
           </a:pPr>
           <a:r>
-            <a:rPr lang="en-US" sz="3800" kern="1200" dirty="0">
+            <a:rPr lang="en-US" sz="3000" kern="1200" dirty="0">
               <a:hlinkClick xmlns:r="http://schemas.openxmlformats.org/officeDocument/2006/relationships" r:id="" action="ppaction://hlinksldjump"/>
             </a:rPr>
             <a:t>What is TkInter</a:t>
           </a:r>
-          <a:endParaRPr lang="en-US" sz="3800" kern="1200" dirty="0"/>
+          <a:endParaRPr lang="en-US" sz="3000" kern="1200" dirty="0"/>
         </a:p>
       </dsp:txBody>
       <dsp:txXfrm>
-        <a:off x="44492" y="68834"/>
-        <a:ext cx="9969415" cy="822446"/>
+        <a:off x="35125" y="74812"/>
+        <a:ext cx="9988149" cy="649299"/>
       </dsp:txXfrm>
     </dsp:sp>
     <dsp:sp modelId="{1F4DAA4E-C6F3-4F7D-B65B-4975A15D4799}">
@@ -2426,8 +2488,8 @@
       </dsp:nvSpPr>
       <dsp:spPr>
         <a:xfrm>
-          <a:off x="0" y="1045212"/>
-          <a:ext cx="10058399" cy="911430"/>
+          <a:off x="0" y="845637"/>
+          <a:ext cx="10058399" cy="719549"/>
         </a:xfrm>
         <a:prstGeom prst="roundRect">
           <a:avLst/>
@@ -2518,12 +2580,12 @@
         </a:fontRef>
       </dsp:style>
       <dsp:txBody>
-        <a:bodyPr spcFirstLastPara="0" vert="horz" wrap="square" lIns="144780" tIns="144780" rIns="144780" bIns="144780" numCol="1" spcCol="1270" anchor="ctr" anchorCtr="0">
+        <a:bodyPr spcFirstLastPara="0" vert="horz" wrap="square" lIns="114300" tIns="114300" rIns="114300" bIns="114300" numCol="1" spcCol="1270" anchor="ctr" anchorCtr="0">
           <a:noAutofit/>
         </a:bodyPr>
         <a:lstStyle/>
         <a:p>
-          <a:pPr marL="0" lvl="0" indent="0" algn="l" defTabSz="1689100">
+          <a:pPr marL="0" lvl="0" indent="0" algn="l" defTabSz="1333500">
             <a:lnSpc>
               <a:spcPct val="90000"/>
             </a:lnSpc>
@@ -2536,17 +2598,17 @@
             <a:buNone/>
           </a:pPr>
           <a:r>
-            <a:rPr lang="en-US" sz="3800" kern="1200" dirty="0">
+            <a:rPr lang="en-US" sz="3000" kern="1200" dirty="0">
               <a:hlinkClick xmlns:r="http://schemas.openxmlformats.org/officeDocument/2006/relationships" r:id="" action="ppaction://hlinksldjump"/>
             </a:rPr>
             <a:t>Creating A Window and Canvas</a:t>
           </a:r>
-          <a:endParaRPr lang="en-US" sz="3800" kern="1200" dirty="0"/>
+          <a:endParaRPr lang="en-US" sz="3000" kern="1200" dirty="0"/>
         </a:p>
       </dsp:txBody>
       <dsp:txXfrm>
-        <a:off x="44492" y="1089704"/>
-        <a:ext cx="9969415" cy="822446"/>
+        <a:off x="35125" y="880762"/>
+        <a:ext cx="9988149" cy="649299"/>
       </dsp:txXfrm>
     </dsp:sp>
     <dsp:sp modelId="{42CC7156-DD9B-4F10-8E1F-37777CBEE279}">
@@ -2556,8 +2618,8 @@
       </dsp:nvSpPr>
       <dsp:spPr>
         <a:xfrm>
-          <a:off x="0" y="2066082"/>
-          <a:ext cx="10058399" cy="911430"/>
+          <a:off x="0" y="1651587"/>
+          <a:ext cx="10058399" cy="719549"/>
         </a:xfrm>
         <a:prstGeom prst="roundRect">
           <a:avLst/>
@@ -2648,12 +2710,12 @@
         </a:fontRef>
       </dsp:style>
       <dsp:txBody>
-        <a:bodyPr spcFirstLastPara="0" vert="horz" wrap="square" lIns="144780" tIns="144780" rIns="144780" bIns="144780" numCol="1" spcCol="1270" anchor="ctr" anchorCtr="0">
+        <a:bodyPr spcFirstLastPara="0" vert="horz" wrap="square" lIns="114300" tIns="114300" rIns="114300" bIns="114300" numCol="1" spcCol="1270" anchor="ctr" anchorCtr="0">
           <a:noAutofit/>
         </a:bodyPr>
         <a:lstStyle/>
         <a:p>
-          <a:pPr marL="0" lvl="0" indent="0" algn="l" defTabSz="1689100">
+          <a:pPr marL="0" lvl="0" indent="0" algn="l" defTabSz="1333500">
             <a:lnSpc>
               <a:spcPct val="90000"/>
             </a:lnSpc>
@@ -2666,17 +2728,17 @@
             <a:buNone/>
           </a:pPr>
           <a:r>
-            <a:rPr lang="en-US" sz="3800" kern="1200" dirty="0">
+            <a:rPr lang="en-US" sz="3000" kern="1200" dirty="0">
               <a:hlinkClick xmlns:r="http://schemas.openxmlformats.org/officeDocument/2006/relationships" r:id="" action="ppaction://hlinksldjump"/>
             </a:rPr>
             <a:t>Basic Shapes</a:t>
           </a:r>
-          <a:endParaRPr lang="en-US" sz="3800" kern="1200" dirty="0"/>
+          <a:endParaRPr lang="en-US" sz="3000" kern="1200" dirty="0"/>
         </a:p>
       </dsp:txBody>
       <dsp:txXfrm>
-        <a:off x="44492" y="2110574"/>
-        <a:ext cx="9969415" cy="822446"/>
+        <a:off x="35125" y="1686712"/>
+        <a:ext cx="9988149" cy="649299"/>
       </dsp:txXfrm>
     </dsp:sp>
     <dsp:sp modelId="{CF47DC6D-6253-48A2-AD4D-D20E2E292CFA}">
@@ -2686,8 +2748,8 @@
       </dsp:nvSpPr>
       <dsp:spPr>
         <a:xfrm>
-          <a:off x="0" y="3086952"/>
-          <a:ext cx="10058399" cy="911430"/>
+          <a:off x="0" y="2457537"/>
+          <a:ext cx="10058399" cy="719549"/>
         </a:xfrm>
         <a:prstGeom prst="roundRect">
           <a:avLst/>
@@ -2778,12 +2840,12 @@
         </a:fontRef>
       </dsp:style>
       <dsp:txBody>
-        <a:bodyPr spcFirstLastPara="0" vert="horz" wrap="square" lIns="144780" tIns="144780" rIns="144780" bIns="144780" numCol="1" spcCol="1270" anchor="ctr" anchorCtr="0">
+        <a:bodyPr spcFirstLastPara="0" vert="horz" wrap="square" lIns="114300" tIns="114300" rIns="114300" bIns="114300" numCol="1" spcCol="1270" anchor="ctr" anchorCtr="0">
           <a:noAutofit/>
         </a:bodyPr>
         <a:lstStyle/>
         <a:p>
-          <a:pPr marL="0" lvl="0" indent="0" algn="l" defTabSz="1689100">
+          <a:pPr marL="0" lvl="0" indent="0" algn="l" defTabSz="1333500">
             <a:lnSpc>
               <a:spcPct val="90000"/>
             </a:lnSpc>
@@ -2796,17 +2858,147 @@
             <a:buNone/>
           </a:pPr>
           <a:r>
-            <a:rPr lang="en-US" sz="3800" kern="1200" dirty="0">
+            <a:rPr lang="en-US" sz="3000" kern="1200" dirty="0">
               <a:hlinkClick xmlns:r="http://schemas.openxmlformats.org/officeDocument/2006/relationships" r:id="" action="ppaction://hlinksldjump"/>
             </a:rPr>
             <a:t>Colors</a:t>
           </a:r>
-          <a:endParaRPr lang="en-US" sz="3800" kern="1200" dirty="0"/>
+          <a:endParaRPr lang="en-US" sz="3000" kern="1200" dirty="0"/>
         </a:p>
       </dsp:txBody>
       <dsp:txXfrm>
-        <a:off x="44492" y="3131444"/>
-        <a:ext cx="9969415" cy="822446"/>
+        <a:off x="35125" y="2492662"/>
+        <a:ext cx="9988149" cy="649299"/>
+      </dsp:txXfrm>
+    </dsp:sp>
+    <dsp:sp modelId="{4094FBA8-ACED-432D-8853-14D79619FD3B}">
+      <dsp:nvSpPr>
+        <dsp:cNvPr id="0" name=""/>
+        <dsp:cNvSpPr/>
+      </dsp:nvSpPr>
+      <dsp:spPr>
+        <a:xfrm>
+          <a:off x="0" y="3263487"/>
+          <a:ext cx="10058399" cy="719549"/>
+        </a:xfrm>
+        <a:prstGeom prst="roundRect">
+          <a:avLst/>
+        </a:prstGeom>
+        <a:gradFill rotWithShape="0">
+          <a:gsLst>
+            <a:gs pos="0">
+              <a:schemeClr val="lt1">
+                <a:hueOff val="0"/>
+                <a:satOff val="0"/>
+                <a:lumOff val="0"/>
+                <a:alphaOff val="0"/>
+                <a:shade val="85000"/>
+                <a:satMod val="130000"/>
+              </a:schemeClr>
+            </a:gs>
+            <a:gs pos="34000">
+              <a:schemeClr val="lt1">
+                <a:hueOff val="0"/>
+                <a:satOff val="0"/>
+                <a:lumOff val="0"/>
+                <a:alphaOff val="0"/>
+                <a:shade val="87000"/>
+                <a:satMod val="125000"/>
+              </a:schemeClr>
+            </a:gs>
+            <a:gs pos="70000">
+              <a:schemeClr val="lt1">
+                <a:hueOff val="0"/>
+                <a:satOff val="0"/>
+                <a:lumOff val="0"/>
+                <a:alphaOff val="0"/>
+                <a:tint val="100000"/>
+                <a:shade val="90000"/>
+                <a:satMod val="130000"/>
+              </a:schemeClr>
+            </a:gs>
+            <a:gs pos="100000">
+              <a:schemeClr val="lt1">
+                <a:hueOff val="0"/>
+                <a:satOff val="0"/>
+                <a:lumOff val="0"/>
+                <a:alphaOff val="0"/>
+                <a:tint val="100000"/>
+                <a:shade val="100000"/>
+                <a:satMod val="110000"/>
+              </a:schemeClr>
+            </a:gs>
+          </a:gsLst>
+          <a:path path="circle">
+            <a:fillToRect l="100000" t="100000" r="100000" b="100000"/>
+          </a:path>
+        </a:gradFill>
+        <a:ln>
+          <a:noFill/>
+        </a:ln>
+        <a:effectLst>
+          <a:outerShdw blurRad="44450" dist="25400" dir="2700000" algn="br" rotWithShape="0">
+            <a:srgbClr val="000000">
+              <a:alpha val="60000"/>
+            </a:srgbClr>
+          </a:outerShdw>
+        </a:effectLst>
+        <a:scene3d>
+          <a:camera prst="orthographicFront">
+            <a:rot lat="0" lon="0" rev="0"/>
+          </a:camera>
+          <a:lightRig rig="threePt" dir="t">
+            <a:rot lat="0" lon="0" rev="19800000"/>
+          </a:lightRig>
+        </a:scene3d>
+        <a:sp3d prstMaterial="flat">
+          <a:bevelT w="25400" h="31750"/>
+        </a:sp3d>
+      </dsp:spPr>
+      <dsp:style>
+        <a:lnRef idx="0">
+          <a:scrgbClr r="0" g="0" b="0"/>
+        </a:lnRef>
+        <a:fillRef idx="3">
+          <a:scrgbClr r="0" g="0" b="0"/>
+        </a:fillRef>
+        <a:effectRef idx="3">
+          <a:scrgbClr r="0" g="0" b="0"/>
+        </a:effectRef>
+        <a:fontRef idx="minor">
+          <a:schemeClr val="lt1"/>
+        </a:fontRef>
+      </dsp:style>
+      <dsp:txBody>
+        <a:bodyPr spcFirstLastPara="0" vert="horz" wrap="square" lIns="114300" tIns="114300" rIns="114300" bIns="114300" numCol="1" spcCol="1270" anchor="ctr" anchorCtr="0">
+          <a:noAutofit/>
+        </a:bodyPr>
+        <a:lstStyle/>
+        <a:p>
+          <a:pPr marL="0" lvl="0" indent="0" algn="l" defTabSz="1333500">
+            <a:lnSpc>
+              <a:spcPct val="90000"/>
+            </a:lnSpc>
+            <a:spcBef>
+              <a:spcPct val="0"/>
+            </a:spcBef>
+            <a:spcAft>
+              <a:spcPct val="35000"/>
+            </a:spcAft>
+            <a:buNone/>
+          </a:pPr>
+          <a:r>
+            <a:rPr lang="en-US" sz="3000" kern="1200" dirty="0">
+              <a:hlinkClick xmlns:r="http://schemas.openxmlformats.org/officeDocument/2006/relationships" r:id="" action="ppaction://hlinksldjump"/>
+            </a:rPr>
+            <a:t>The End</a:t>
+          </a:r>
+          <a:endParaRPr lang="en-US" sz="3000" kern="1200" dirty="0"/>
+        </a:p>
+      </dsp:txBody>
+      <dsp:txXfrm>
+        <a:off x="35125" y="3298612"/>
+        <a:ext cx="9988149" cy="649299"/>
       </dsp:txXfrm>
     </dsp:sp>
   </dsp:spTree>
@@ -2821,21 +3013,21 @@
       <dsp:cNvGrpSpPr/>
     </dsp:nvGrpSpPr>
     <dsp:grpSpPr/>
-    <dsp:sp modelId="{47343133-AA89-4A40-B723-1003B429D3E0}">
+    <dsp:sp modelId="{79DA5911-A596-4059-B9D8-01ABCA85F5B9}">
       <dsp:nvSpPr>
         <dsp:cNvPr id="0" name=""/>
         <dsp:cNvSpPr/>
       </dsp:nvSpPr>
       <dsp:spPr>
         <a:xfrm>
-          <a:off x="0" y="675"/>
-          <a:ext cx="6291714" cy="0"/>
+          <a:off x="0" y="462"/>
+          <a:ext cx="10058399" cy="0"/>
         </a:xfrm>
         <a:prstGeom prst="line">
           <a:avLst/>
         </a:prstGeom>
         <a:solidFill>
-          <a:schemeClr val="dk2">
+          <a:schemeClr val="accent6">
             <a:hueOff val="0"/>
             <a:satOff val="0"/>
             <a:lumOff val="0"/>
@@ -2844,7 +3036,7 @@
         </a:solidFill>
         <a:ln w="15875" cap="flat" cmpd="sng" algn="ctr">
           <a:solidFill>
-            <a:schemeClr val="dk2">
+            <a:schemeClr val="accent6">
               <a:hueOff val="0"/>
               <a:satOff val="0"/>
               <a:lumOff val="0"/>
@@ -2870,15 +3062,15 @@
         </a:fontRef>
       </dsp:style>
     </dsp:sp>
-    <dsp:sp modelId="{0A8873A7-5721-4982-BEC4-475149482679}">
+    <dsp:sp modelId="{33097F44-0C51-4999-ADDF-ACE93FB30D97}">
       <dsp:nvSpPr>
         <dsp:cNvPr id="0" name=""/>
         <dsp:cNvSpPr/>
       </dsp:nvSpPr>
       <dsp:spPr>
         <a:xfrm>
-          <a:off x="0" y="675"/>
-          <a:ext cx="6291714" cy="1105876"/>
+          <a:off x="0" y="462"/>
+          <a:ext cx="10058399" cy="757031"/>
         </a:xfrm>
         <a:prstGeom prst="rect">
           <a:avLst/>
@@ -2926,25 +3118,25 @@
         </a:p>
       </dsp:txBody>
       <dsp:txXfrm>
-        <a:off x="0" y="675"/>
-        <a:ext cx="6291714" cy="1105876"/>
+        <a:off x="0" y="462"/>
+        <a:ext cx="10058399" cy="757031"/>
       </dsp:txXfrm>
     </dsp:sp>
-    <dsp:sp modelId="{AEA99F4E-43D4-47A6-B0B1-B4F0C10158E5}">
+    <dsp:sp modelId="{666DF06D-C767-4A43-8268-A176AA691FDC}">
       <dsp:nvSpPr>
         <dsp:cNvPr id="0" name=""/>
         <dsp:cNvSpPr/>
       </dsp:nvSpPr>
       <dsp:spPr>
         <a:xfrm>
-          <a:off x="0" y="1106552"/>
-          <a:ext cx="6291714" cy="0"/>
+          <a:off x="0" y="757493"/>
+          <a:ext cx="10058399" cy="0"/>
         </a:xfrm>
         <a:prstGeom prst="line">
           <a:avLst/>
         </a:prstGeom>
         <a:solidFill>
-          <a:schemeClr val="dk2">
+          <a:schemeClr val="accent6">
             <a:hueOff val="0"/>
             <a:satOff val="0"/>
             <a:lumOff val="0"/>
@@ -2953,7 +3145,7 @@
         </a:solidFill>
         <a:ln w="15875" cap="flat" cmpd="sng" algn="ctr">
           <a:solidFill>
-            <a:schemeClr val="dk2">
+            <a:schemeClr val="accent6">
               <a:hueOff val="0"/>
               <a:satOff val="0"/>
               <a:lumOff val="0"/>
@@ -2979,15 +3171,15 @@
         </a:fontRef>
       </dsp:style>
     </dsp:sp>
-    <dsp:sp modelId="{950236DF-829F-431C-A1F0-893BAD6D4554}">
+    <dsp:sp modelId="{4DC77B81-C329-410C-881E-56F2F361A485}">
       <dsp:nvSpPr>
         <dsp:cNvPr id="0" name=""/>
         <dsp:cNvSpPr/>
       </dsp:nvSpPr>
       <dsp:spPr>
         <a:xfrm>
-          <a:off x="0" y="1106552"/>
-          <a:ext cx="6291714" cy="1105876"/>
+          <a:off x="0" y="757493"/>
+          <a:ext cx="10058399" cy="757031"/>
         </a:xfrm>
         <a:prstGeom prst="rect">
           <a:avLst/>
@@ -3029,31 +3221,31 @@
             <a:buNone/>
           </a:pPr>
           <a:r>
-            <a:rPr lang="en-US" sz="2800" kern="1200"/>
+            <a:rPr lang="en-US" sz="2800" kern="1200" dirty="0"/>
             <a:t>Another library that is commonly used is Qt</a:t>
           </a:r>
         </a:p>
       </dsp:txBody>
       <dsp:txXfrm>
-        <a:off x="0" y="1106552"/>
-        <a:ext cx="6291714" cy="1105876"/>
+        <a:off x="0" y="757493"/>
+        <a:ext cx="10058399" cy="757031"/>
       </dsp:txXfrm>
     </dsp:sp>
-    <dsp:sp modelId="{343F73C3-8BFD-4BFA-B1BC-A330F34DA76E}">
+    <dsp:sp modelId="{229A08E7-0E14-4122-A300-412CF92C43C2}">
       <dsp:nvSpPr>
         <dsp:cNvPr id="0" name=""/>
         <dsp:cNvSpPr/>
       </dsp:nvSpPr>
       <dsp:spPr>
         <a:xfrm>
-          <a:off x="0" y="2212429"/>
-          <a:ext cx="6291714" cy="0"/>
+          <a:off x="0" y="1514524"/>
+          <a:ext cx="10058399" cy="0"/>
         </a:xfrm>
         <a:prstGeom prst="line">
           <a:avLst/>
         </a:prstGeom>
         <a:solidFill>
-          <a:schemeClr val="dk2">
+          <a:schemeClr val="accent6">
             <a:hueOff val="0"/>
             <a:satOff val="0"/>
             <a:lumOff val="0"/>
@@ -3062,7 +3254,7 @@
         </a:solidFill>
         <a:ln w="15875" cap="flat" cmpd="sng" algn="ctr">
           <a:solidFill>
-            <a:schemeClr val="dk2">
+            <a:schemeClr val="accent6">
               <a:hueOff val="0"/>
               <a:satOff val="0"/>
               <a:lumOff val="0"/>
@@ -3088,15 +3280,15 @@
         </a:fontRef>
       </dsp:style>
     </dsp:sp>
-    <dsp:sp modelId="{B431B98C-AB9D-4525-86D9-9E9BB729C560}">
+    <dsp:sp modelId="{E4974EE6-A2E6-4A75-95C9-F9737519AD65}">
       <dsp:nvSpPr>
         <dsp:cNvPr id="0" name=""/>
         <dsp:cNvSpPr/>
       </dsp:nvSpPr>
       <dsp:spPr>
         <a:xfrm>
-          <a:off x="0" y="2212429"/>
-          <a:ext cx="6291714" cy="1105876"/>
+          <a:off x="0" y="1514524"/>
+          <a:ext cx="10058399" cy="757031"/>
         </a:xfrm>
         <a:prstGeom prst="rect">
           <a:avLst/>
@@ -3144,25 +3336,25 @@
         </a:p>
       </dsp:txBody>
       <dsp:txXfrm>
-        <a:off x="0" y="2212429"/>
-        <a:ext cx="6291714" cy="1105876"/>
+        <a:off x="0" y="1514524"/>
+        <a:ext cx="10058399" cy="757031"/>
       </dsp:txXfrm>
     </dsp:sp>
-    <dsp:sp modelId="{211BE429-2BC8-494B-991E-D87ED1DF2AA2}">
+    <dsp:sp modelId="{1F05A176-A3DE-413C-8C03-7A62C9D33C49}">
       <dsp:nvSpPr>
         <dsp:cNvPr id="0" name=""/>
         <dsp:cNvSpPr/>
       </dsp:nvSpPr>
       <dsp:spPr>
         <a:xfrm>
-          <a:off x="0" y="3318305"/>
-          <a:ext cx="6291714" cy="0"/>
+          <a:off x="0" y="2271555"/>
+          <a:ext cx="10058399" cy="0"/>
         </a:xfrm>
         <a:prstGeom prst="line">
           <a:avLst/>
         </a:prstGeom>
         <a:solidFill>
-          <a:schemeClr val="dk2">
+          <a:schemeClr val="accent6">
             <a:hueOff val="0"/>
             <a:satOff val="0"/>
             <a:lumOff val="0"/>
@@ -3171,7 +3363,7 @@
         </a:solidFill>
         <a:ln w="15875" cap="flat" cmpd="sng" algn="ctr">
           <a:solidFill>
-            <a:schemeClr val="dk2">
+            <a:schemeClr val="accent6">
               <a:hueOff val="0"/>
               <a:satOff val="0"/>
               <a:lumOff val="0"/>
@@ -3197,15 +3389,15 @@
         </a:fontRef>
       </dsp:style>
     </dsp:sp>
-    <dsp:sp modelId="{36D2F53E-DAED-4E97-9012-5A353FBB3C28}">
+    <dsp:sp modelId="{FFB98F4E-5710-4965-8D34-297592D1591C}">
       <dsp:nvSpPr>
         <dsp:cNvPr id="0" name=""/>
         <dsp:cNvSpPr/>
       </dsp:nvSpPr>
       <dsp:spPr>
         <a:xfrm>
-          <a:off x="0" y="3318305"/>
-          <a:ext cx="6291714" cy="1105876"/>
+          <a:off x="0" y="2271555"/>
+          <a:ext cx="10058399" cy="757031"/>
         </a:xfrm>
         <a:prstGeom prst="rect">
           <a:avLst/>
@@ -3247,31 +3439,31 @@
             <a:buNone/>
           </a:pPr>
           <a:r>
-            <a:rPr lang="en-US" sz="2800" kern="1200"/>
+            <a:rPr lang="en-US" sz="2800" kern="1200" dirty="0"/>
             <a:t>It is built into Python</a:t>
           </a:r>
         </a:p>
       </dsp:txBody>
       <dsp:txXfrm>
-        <a:off x="0" y="3318305"/>
-        <a:ext cx="6291714" cy="1105876"/>
+        <a:off x="0" y="2271555"/>
+        <a:ext cx="10058399" cy="757031"/>
       </dsp:txXfrm>
     </dsp:sp>
-    <dsp:sp modelId="{74745725-7C5C-487C-BB27-0E860313F90F}">
+    <dsp:sp modelId="{83E55625-9C18-4970-A64E-F608477EA36D}">
       <dsp:nvSpPr>
         <dsp:cNvPr id="0" name=""/>
         <dsp:cNvSpPr/>
       </dsp:nvSpPr>
       <dsp:spPr>
         <a:xfrm>
-          <a:off x="0" y="4424182"/>
-          <a:ext cx="6291714" cy="0"/>
+          <a:off x="0" y="3028586"/>
+          <a:ext cx="10058399" cy="0"/>
         </a:xfrm>
         <a:prstGeom prst="line">
           <a:avLst/>
         </a:prstGeom>
         <a:solidFill>
-          <a:schemeClr val="dk2">
+          <a:schemeClr val="accent6">
             <a:hueOff val="0"/>
             <a:satOff val="0"/>
             <a:lumOff val="0"/>
@@ -3280,7 +3472,7 @@
         </a:solidFill>
         <a:ln w="15875" cap="flat" cmpd="sng" algn="ctr">
           <a:solidFill>
-            <a:schemeClr val="dk2">
+            <a:schemeClr val="accent6">
               <a:hueOff val="0"/>
               <a:satOff val="0"/>
               <a:lumOff val="0"/>
@@ -3306,15 +3498,15 @@
         </a:fontRef>
       </dsp:style>
     </dsp:sp>
-    <dsp:sp modelId="{8FB14F7D-08B9-47EC-808F-A999F55FC175}">
+    <dsp:sp modelId="{8D942FBA-3980-448B-B99A-157E3F686362}">
       <dsp:nvSpPr>
         <dsp:cNvPr id="0" name=""/>
         <dsp:cNvSpPr/>
       </dsp:nvSpPr>
       <dsp:spPr>
         <a:xfrm>
-          <a:off x="0" y="4424182"/>
-          <a:ext cx="6291714" cy="1105876"/>
+          <a:off x="0" y="3028586"/>
+          <a:ext cx="10058399" cy="757031"/>
         </a:xfrm>
         <a:prstGeom prst="rect">
           <a:avLst/>
@@ -3362,8 +3554,8 @@
         </a:p>
       </dsp:txBody>
       <dsp:txXfrm>
-        <a:off x="0" y="4424182"/>
-        <a:ext cx="6291714" cy="1105876"/>
+        <a:off x="0" y="3028586"/>
+        <a:ext cx="10058399" cy="757031"/>
       </dsp:txXfrm>
     </dsp:sp>
   </dsp:spTree>
@@ -6153,7 +6345,7 @@
           <a:p>
             <a:fld id="{51226A56-1B56-4174-BCA2-14A440C95A77}" type="datetimeFigureOut">
               <a:rPr lang="en-US" smtClean="0"/>
-              <a:t>4/25/2024</a:t>
+              <a:t>4/30/2024</a:t>
             </a:fld>
             <a:endParaRPr lang="en-US"/>
           </a:p>
@@ -6485,7 +6677,7 @@
           <a:p>
             <a:fld id="{B12FF4F3-96F9-4FF0-B08D-A16EDE48BE47}" type="slidenum">
               <a:rPr lang="en-US" smtClean="0"/>
-              <a:t>4</a:t>
+              <a:t>5</a:t>
             </a:fld>
             <a:endParaRPr lang="en-US"/>
           </a:p>
@@ -6569,7 +6761,7 @@
           <a:p>
             <a:fld id="{B12FF4F3-96F9-4FF0-B08D-A16EDE48BE47}" type="slidenum">
               <a:rPr lang="en-US" smtClean="0"/>
-              <a:t>10</a:t>
+              <a:t>11</a:t>
             </a:fld>
             <a:endParaRPr lang="en-US"/>
           </a:p>
@@ -6814,7 +7006,7 @@
           <a:p>
             <a:fld id="{01099485-0337-425C-86BB-161F1675C34B}" type="datetimeFigureOut">
               <a:rPr lang="en-US" smtClean="0"/>
-              <a:t>4/25/2024</a:t>
+              <a:t>4/30/2024</a:t>
             </a:fld>
             <a:endParaRPr lang="en-US"/>
           </a:p>
@@ -7022,7 +7214,7 @@
           <a:p>
             <a:fld id="{01099485-0337-425C-86BB-161F1675C34B}" type="datetimeFigureOut">
               <a:rPr lang="en-US" smtClean="0"/>
-              <a:t>4/25/2024</a:t>
+              <a:t>4/30/2024</a:t>
             </a:fld>
             <a:endParaRPr lang="en-US"/>
           </a:p>
@@ -7278,7 +7470,7 @@
           <a:p>
             <a:fld id="{01099485-0337-425C-86BB-161F1675C34B}" type="datetimeFigureOut">
               <a:rPr lang="en-US" smtClean="0"/>
-              <a:t>4/25/2024</a:t>
+              <a:t>4/30/2024</a:t>
             </a:fld>
             <a:endParaRPr lang="en-US"/>
           </a:p>
@@ -7452,7 +7644,7 @@
           <a:p>
             <a:fld id="{01099485-0337-425C-86BB-161F1675C34B}" type="datetimeFigureOut">
               <a:rPr lang="en-US" smtClean="0"/>
-              <a:t>4/25/2024</a:t>
+              <a:t>4/30/2024</a:t>
             </a:fld>
             <a:endParaRPr lang="en-US"/>
           </a:p>
@@ -7795,7 +7987,7 @@
           <a:p>
             <a:fld id="{01099485-0337-425C-86BB-161F1675C34B}" type="datetimeFigureOut">
               <a:rPr lang="en-US" smtClean="0"/>
-              <a:t>4/25/2024</a:t>
+              <a:t>4/30/2024</a:t>
             </a:fld>
             <a:endParaRPr lang="en-US"/>
           </a:p>
@@ -8070,7 +8262,7 @@
           <a:p>
             <a:fld id="{01099485-0337-425C-86BB-161F1675C34B}" type="datetimeFigureOut">
               <a:rPr lang="en-US" smtClean="0"/>
-              <a:t>4/25/2024</a:t>
+              <a:t>4/30/2024</a:t>
             </a:fld>
             <a:endParaRPr lang="en-US"/>
           </a:p>
@@ -8449,7 +8641,7 @@
           <a:p>
             <a:fld id="{01099485-0337-425C-86BB-161F1675C34B}" type="datetimeFigureOut">
               <a:rPr lang="en-US" smtClean="0"/>
-              <a:t>4/25/2024</a:t>
+              <a:t>4/30/2024</a:t>
             </a:fld>
             <a:endParaRPr lang="en-US"/>
           </a:p>
@@ -8567,7 +8759,7 @@
           <a:p>
             <a:fld id="{01099485-0337-425C-86BB-161F1675C34B}" type="datetimeFigureOut">
               <a:rPr lang="en-US" smtClean="0"/>
-              <a:t>4/25/2024</a:t>
+              <a:t>4/30/2024</a:t>
             </a:fld>
             <a:endParaRPr lang="en-US"/>
           </a:p>
@@ -8738,7 +8930,7 @@
           <a:p>
             <a:fld id="{01099485-0337-425C-86BB-161F1675C34B}" type="datetimeFigureOut">
               <a:rPr lang="en-US" smtClean="0"/>
-              <a:t>4/25/2024</a:t>
+              <a:t>4/30/2024</a:t>
             </a:fld>
             <a:endParaRPr lang="en-US"/>
           </a:p>
@@ -9092,7 +9284,7 @@
           <a:p>
             <a:fld id="{01099485-0337-425C-86BB-161F1675C34B}" type="datetimeFigureOut">
               <a:rPr lang="en-US" smtClean="0"/>
-              <a:t>4/25/2024</a:t>
+              <a:t>4/30/2024</a:t>
             </a:fld>
             <a:endParaRPr lang="en-US"/>
           </a:p>
@@ -9474,7 +9666,7 @@
           <a:p>
             <a:fld id="{01099485-0337-425C-86BB-161F1675C34B}" type="datetimeFigureOut">
               <a:rPr lang="en-US" smtClean="0"/>
-              <a:t>4/25/2024</a:t>
+              <a:t>4/30/2024</a:t>
             </a:fld>
             <a:endParaRPr lang="en-US"/>
           </a:p>
@@ -9761,7 +9953,7 @@
           <a:p>
             <a:fld id="{01099485-0337-425C-86BB-161F1675C34B}" type="datetimeFigureOut">
               <a:rPr lang="en-US" smtClean="0"/>
-              <a:t>4/25/2024</a:t>
+              <a:t>4/30/2024</a:t>
             </a:fld>
             <a:endParaRPr lang="en-US"/>
           </a:p>
@@ -10391,6 +10583,247 @@
           <a:chExt cx="0" cy="0"/>
         </a:xfrm>
       </p:grpSpPr>
+      <p:sp>
+        <p:nvSpPr>
+          <p:cNvPr id="3" name="Content Placeholder 2">
+            <a:extLst>
+              <a:ext uri="{FF2B5EF4-FFF2-40B4-BE49-F238E27FC236}">
+                <a16:creationId xmlns:a16="http://schemas.microsoft.com/office/drawing/2014/main" id="{9650774C-A2CD-626E-D658-BDB9AE0A736A}"/>
+              </a:ext>
+            </a:extLst>
+          </p:cNvPr>
+          <p:cNvSpPr>
+            <a:spLocks/>
+          </p:cNvSpPr>
+          <p:nvPr/>
+        </p:nvSpPr>
+        <p:spPr>
+          <a:xfrm>
+            <a:off x="1605430" y="2602836"/>
+            <a:ext cx="8981137" cy="3340100"/>
+          </a:xfrm>
+          <a:prstGeom prst="rect">
+            <a:avLst/>
+          </a:prstGeom>
+        </p:spPr>
+        <p:txBody>
+          <a:bodyPr/>
+          <a:lstStyle/>
+          <a:p>
+            <a:pPr marL="285750" indent="-285750" defTabSz="758952">
+              <a:spcAft>
+                <a:spcPts val="600"/>
+              </a:spcAft>
+              <a:buFont typeface="Arial" panose="020B0604020202020204" pitchFamily="34" charset="0"/>
+              <a:buChar char="•"/>
+            </a:pPr>
+            <a:r>
+              <a:rPr lang="en-US" sz="2800" kern="1200" dirty="0">
+                <a:solidFill>
+                  <a:schemeClr val="tx1"/>
+                </a:solidFill>
+                <a:latin typeface="+mn-lt"/>
+                <a:ea typeface="+mn-ea"/>
+                <a:cs typeface="+mn-cs"/>
+              </a:rPr>
+              <a:t>No built-in function for RGB values</a:t>
+            </a:r>
+          </a:p>
+          <a:p>
+            <a:pPr defTabSz="758952">
+              <a:spcAft>
+                <a:spcPts val="600"/>
+              </a:spcAft>
+            </a:pPr>
+            <a:endParaRPr lang="en-US" sz="1494" kern="1200" dirty="0">
+              <a:solidFill>
+                <a:schemeClr val="tx1"/>
+              </a:solidFill>
+              <a:latin typeface="+mn-lt"/>
+              <a:ea typeface="+mn-ea"/>
+              <a:cs typeface="+mn-cs"/>
+            </a:endParaRPr>
+          </a:p>
+          <a:p>
+            <a:pPr defTabSz="758952">
+              <a:spcAft>
+                <a:spcPts val="600"/>
+              </a:spcAft>
+            </a:pPr>
+            <a:endParaRPr lang="en-US" sz="1494" kern="1200" dirty="0">
+              <a:solidFill>
+                <a:schemeClr val="tx1"/>
+              </a:solidFill>
+              <a:latin typeface="+mn-lt"/>
+              <a:ea typeface="+mn-ea"/>
+              <a:cs typeface="+mn-cs"/>
+            </a:endParaRPr>
+          </a:p>
+          <a:p>
+            <a:pPr defTabSz="758952">
+              <a:spcAft>
+                <a:spcPts val="600"/>
+              </a:spcAft>
+            </a:pPr>
+            <a:endParaRPr lang="en-US" sz="1494" kern="1200" dirty="0">
+              <a:solidFill>
+                <a:schemeClr val="tx1"/>
+              </a:solidFill>
+              <a:latin typeface="+mn-lt"/>
+              <a:ea typeface="+mn-ea"/>
+              <a:cs typeface="+mn-cs"/>
+            </a:endParaRPr>
+          </a:p>
+          <a:p>
+            <a:pPr defTabSz="758952">
+              <a:spcAft>
+                <a:spcPts val="600"/>
+              </a:spcAft>
+            </a:pPr>
+            <a:endParaRPr lang="en-US" sz="1494" kern="1200" dirty="0">
+              <a:solidFill>
+                <a:schemeClr val="tx1"/>
+              </a:solidFill>
+              <a:latin typeface="+mn-lt"/>
+              <a:ea typeface="+mn-ea"/>
+              <a:cs typeface="+mn-cs"/>
+            </a:endParaRPr>
+          </a:p>
+          <a:p>
+            <a:pPr defTabSz="758952">
+              <a:spcAft>
+                <a:spcPts val="600"/>
+              </a:spcAft>
+            </a:pPr>
+            <a:endParaRPr lang="en-US" sz="2800" kern="1200" dirty="0">
+              <a:solidFill>
+                <a:schemeClr val="tx1"/>
+              </a:solidFill>
+              <a:latin typeface="+mn-lt"/>
+              <a:ea typeface="+mn-ea"/>
+              <a:cs typeface="+mn-cs"/>
+            </a:endParaRPr>
+          </a:p>
+          <a:p>
+            <a:pPr marL="285750" indent="-285750" defTabSz="758952">
+              <a:spcAft>
+                <a:spcPts val="600"/>
+              </a:spcAft>
+              <a:buFont typeface="Arial" panose="020B0604020202020204" pitchFamily="34" charset="0"/>
+              <a:buChar char="•"/>
+            </a:pPr>
+            <a:r>
+              <a:rPr lang="en-US" sz="2800" kern="1200" dirty="0">
+                <a:solidFill>
+                  <a:schemeClr val="tx1"/>
+                </a:solidFill>
+                <a:latin typeface="+mn-lt"/>
+                <a:ea typeface="+mn-ea"/>
+                <a:cs typeface="+mn-cs"/>
+              </a:rPr>
+              <a:t>rgb((255, 255, 255))</a:t>
+            </a:r>
+            <a:endParaRPr lang="en-US" sz="2800" dirty="0"/>
+          </a:p>
+        </p:txBody>
+      </p:sp>
+      <p:pic>
+        <p:nvPicPr>
+          <p:cNvPr id="5" name="Picture 4" descr="A black background with white text and numbers&#10;&#10;Description automatically generated">
+            <a:extLst>
+              <a:ext uri="{FF2B5EF4-FFF2-40B4-BE49-F238E27FC236}">
+                <a16:creationId xmlns:a16="http://schemas.microsoft.com/office/drawing/2014/main" id="{0303B826-3C0E-CC73-E9EB-EACB30840B4C}"/>
+              </a:ext>
+            </a:extLst>
+          </p:cNvPr>
+          <p:cNvPicPr>
+            <a:picLocks noChangeAspect="1"/>
+          </p:cNvPicPr>
+          <p:nvPr/>
+        </p:nvPicPr>
+        <p:blipFill>
+          <a:blip r:embed="rId2">
+            <a:extLst>
+              <a:ext uri="{28A0092B-C50C-407E-A947-70E740481C1C}">
+                <a14:useLocalDpi xmlns:a14="http://schemas.microsoft.com/office/drawing/2010/main" val="0"/>
+              </a:ext>
+            </a:extLst>
+          </a:blip>
+          <a:stretch>
+            <a:fillRect/>
+          </a:stretch>
+        </p:blipFill>
+        <p:spPr>
+          <a:xfrm>
+            <a:off x="3201006" y="3274353"/>
+            <a:ext cx="5789986" cy="1375121"/>
+          </a:xfrm>
+          <a:prstGeom prst="rect">
+            <a:avLst/>
+          </a:prstGeom>
+        </p:spPr>
+      </p:pic>
+      <p:sp>
+        <p:nvSpPr>
+          <p:cNvPr id="6" name="Title 5">
+            <a:extLst>
+              <a:ext uri="{FF2B5EF4-FFF2-40B4-BE49-F238E27FC236}">
+                <a16:creationId xmlns:a16="http://schemas.microsoft.com/office/drawing/2014/main" id="{36250767-89EC-C3DF-D302-93D4D050A7D7}"/>
+              </a:ext>
+            </a:extLst>
+          </p:cNvPr>
+          <p:cNvSpPr>
+            <a:spLocks noGrp="1"/>
+          </p:cNvSpPr>
+          <p:nvPr>
+            <p:ph type="title"/>
+          </p:nvPr>
+        </p:nvSpPr>
+        <p:spPr/>
+        <p:txBody>
+          <a:bodyPr/>
+          <a:lstStyle/>
+          <a:p>
+            <a:r>
+              <a:rPr lang="en-US" dirty="0"/>
+              <a:t>RGB Function</a:t>
+            </a:r>
+          </a:p>
+        </p:txBody>
+      </p:sp>
+    </p:spTree>
+    <p:extLst>
+      <p:ext uri="{BB962C8B-B14F-4D97-AF65-F5344CB8AC3E}">
+        <p14:creationId xmlns:p14="http://schemas.microsoft.com/office/powerpoint/2010/main" val="3887526981"/>
+      </p:ext>
+    </p:extLst>
+  </p:cSld>
+  <p:clrMapOvr>
+    <a:masterClrMapping/>
+  </p:clrMapOvr>
+  <p:transition spd="slow">
+    <p:push dir="u"/>
+  </p:transition>
+</p:sld>
+</file>
+
+<file path=ppt/slides/slide11.xml><?xml version="1.0" encoding="utf-8"?>
+<p:sld xmlns:a="http://schemas.openxmlformats.org/drawingml/2006/main" xmlns:r="http://schemas.openxmlformats.org/officeDocument/2006/relationships" xmlns:p="http://schemas.openxmlformats.org/presentationml/2006/main">
+  <p:cSld>
+    <p:spTree>
+      <p:nvGrpSpPr>
+        <p:cNvPr id="1" name=""/>
+        <p:cNvGrpSpPr/>
+        <p:nvPr/>
+      </p:nvGrpSpPr>
+      <p:grpSpPr>
+        <a:xfrm>
+          <a:off x="0" y="0"/>
+          <a:ext cx="0" cy="0"/>
+          <a:chOff x="0" y="0"/>
+          <a:chExt cx="0" cy="0"/>
+        </a:xfrm>
+      </p:grpSpPr>
       <p:pic>
         <p:nvPicPr>
           <p:cNvPr id="5" name="Content Placeholder 4" descr="A screen shot of a computer program&#10;&#10;Description automatically generated">
@@ -10421,7 +10854,7 @@
         </p:blipFill>
         <p:spPr>
           <a:xfrm>
-            <a:off x="3868511" y="1846263"/>
+            <a:off x="6850134" y="1922265"/>
             <a:ext cx="4515304" cy="4022725"/>
           </a:xfrm>
           <a:prstGeom prst="rect">
@@ -10457,7 +10890,7 @@
         </p:blipFill>
         <p:spPr>
           <a:xfrm>
-            <a:off x="1269014" y="2365285"/>
+            <a:off x="826562" y="1964249"/>
             <a:ext cx="3652700" cy="3938756"/>
           </a:xfrm>
           <a:prstGeom prst="rect">
@@ -10503,10 +10936,22 @@
   <p:clrMapOvr>
     <a:masterClrMapping/>
   </p:clrMapOvr>
+  <mc:AlternateContent xmlns:mc="http://schemas.openxmlformats.org/markup-compatibility/2006" xmlns:p14="http://schemas.microsoft.com/office/powerpoint/2010/main">
+    <mc:Choice Requires="p14">
+      <p:transition spd="slow" p14:dur="2000">
+        <p14:ferris dir="l"/>
+      </p:transition>
+    </mc:Choice>
+    <mc:Fallback xmlns="">
+      <p:transition spd="slow">
+        <p:fade/>
+      </p:transition>
+    </mc:Fallback>
+  </mc:AlternateContent>
 </p:sld>
 </file>
 
-<file path=ppt/slides/slide11.xml><?xml version="1.0" encoding="utf-8"?>
+<file path=ppt/slides/slide12.xml><?xml version="1.0" encoding="utf-8"?>
 <p:sld xmlns:a="http://schemas.openxmlformats.org/drawingml/2006/main" xmlns:r="http://schemas.openxmlformats.org/officeDocument/2006/relationships" xmlns:p="http://schemas.openxmlformats.org/presentationml/2006/main">
   <p:cSld>
     <p:spTree>
@@ -10544,7 +10989,349 @@
           <a:bodyPr/>
           <a:lstStyle/>
           <a:p>
-            <a:endParaRPr lang="en-US"/>
+            <a:r>
+              <a:rPr lang="en-US" dirty="0"/>
+              <a:t>France Flag</a:t>
+            </a:r>
+          </a:p>
+        </p:txBody>
+      </p:sp>
+      <p:pic>
+        <p:nvPicPr>
+          <p:cNvPr id="5" name="Content Placeholder 4" descr="A computer screen shot of a program code&#10;&#10;Description automatically generated">
+            <a:extLst>
+              <a:ext uri="{FF2B5EF4-FFF2-40B4-BE49-F238E27FC236}">
+                <a16:creationId xmlns:a16="http://schemas.microsoft.com/office/drawing/2014/main" id="{7B4E7382-C40F-778C-CBB1-AE475973DACB}"/>
+              </a:ext>
+            </a:extLst>
+          </p:cNvPr>
+          <p:cNvPicPr>
+            <a:picLocks noGrp="1" noChangeAspect="1"/>
+          </p:cNvPicPr>
+          <p:nvPr>
+            <p:ph idx="1"/>
+          </p:nvPr>
+        </p:nvPicPr>
+        <p:blipFill>
+          <a:blip r:embed="rId2">
+            <a:extLst>
+              <a:ext uri="{28A0092B-C50C-407E-A947-70E740481C1C}">
+                <a14:useLocalDpi xmlns:a14="http://schemas.microsoft.com/office/drawing/2010/main" val="0"/>
+              </a:ext>
+            </a:extLst>
+          </a:blip>
+          <a:stretch>
+            <a:fillRect/>
+          </a:stretch>
+        </p:blipFill>
+        <p:spPr>
+          <a:xfrm>
+            <a:off x="1036320" y="1908924"/>
+            <a:ext cx="5113463" cy="3977985"/>
+          </a:xfrm>
+        </p:spPr>
+      </p:pic>
+      <p:pic>
+        <p:nvPicPr>
+          <p:cNvPr id="7" name="Picture 6" descr="A screenshot of a computer&#10;&#10;Description automatically generated">
+            <a:extLst>
+              <a:ext uri="{FF2B5EF4-FFF2-40B4-BE49-F238E27FC236}">
+                <a16:creationId xmlns:a16="http://schemas.microsoft.com/office/drawing/2014/main" id="{2893C9A2-2D34-B814-6051-EC087CC1BBBA}"/>
+              </a:ext>
+            </a:extLst>
+          </p:cNvPr>
+          <p:cNvPicPr>
+            <a:picLocks noChangeAspect="1"/>
+          </p:cNvPicPr>
+          <p:nvPr/>
+        </p:nvPicPr>
+        <p:blipFill rotWithShape="1">
+          <a:blip r:embed="rId3">
+            <a:extLst>
+              <a:ext uri="{28A0092B-C50C-407E-A947-70E740481C1C}">
+                <a14:useLocalDpi xmlns:a14="http://schemas.microsoft.com/office/drawing/2010/main" val="0"/>
+              </a:ext>
+            </a:extLst>
+          </a:blip>
+          <a:srcRect r="26704"/>
+          <a:stretch/>
+        </p:blipFill>
+        <p:spPr>
+          <a:xfrm>
+            <a:off x="7357483" y="2058011"/>
+            <a:ext cx="3798197" cy="4077053"/>
+          </a:xfrm>
+          <a:prstGeom prst="rect">
+            <a:avLst/>
+          </a:prstGeom>
+        </p:spPr>
+      </p:pic>
+    </p:spTree>
+    <p:extLst>
+      <p:ext uri="{BB962C8B-B14F-4D97-AF65-F5344CB8AC3E}">
+        <p14:creationId xmlns:p14="http://schemas.microsoft.com/office/powerpoint/2010/main" val="3160204583"/>
+      </p:ext>
+    </p:extLst>
+  </p:cSld>
+  <p:clrMapOvr>
+    <a:masterClrMapping/>
+  </p:clrMapOvr>
+  <mc:AlternateContent xmlns:mc="http://schemas.openxmlformats.org/markup-compatibility/2006" xmlns:p15="http://schemas.microsoft.com/office/powerpoint/2012/main">
+    <mc:Choice Requires="p15">
+      <p:transition xmlns:p14="http://schemas.microsoft.com/office/powerpoint/2010/main" spd="slow" p14:dur="2000">
+        <p15:prstTrans prst="drape"/>
+      </p:transition>
+    </mc:Choice>
+    <mc:Fallback xmlns="">
+      <p:transition spd="slow">
+        <p:fade/>
+      </p:transition>
+    </mc:Fallback>
+  </mc:AlternateContent>
+</p:sld>
+</file>
+
+<file path=ppt/slides/slide13.xml><?xml version="1.0" encoding="utf-8"?>
+<p:sld xmlns:a="http://schemas.openxmlformats.org/drawingml/2006/main" xmlns:r="http://schemas.openxmlformats.org/officeDocument/2006/relationships" xmlns:p="http://schemas.openxmlformats.org/presentationml/2006/main">
+  <p:cSld>
+    <p:spTree>
+      <p:nvGrpSpPr>
+        <p:cNvPr id="1" name=""/>
+        <p:cNvGrpSpPr/>
+        <p:nvPr/>
+      </p:nvGrpSpPr>
+      <p:grpSpPr>
+        <a:xfrm>
+          <a:off x="0" y="0"/>
+          <a:ext cx="0" cy="0"/>
+          <a:chOff x="0" y="0"/>
+          <a:chExt cx="0" cy="0"/>
+        </a:xfrm>
+      </p:grpSpPr>
+      <p:sp>
+        <p:nvSpPr>
+          <p:cNvPr id="2" name="Title 1">
+            <a:extLst>
+              <a:ext uri="{FF2B5EF4-FFF2-40B4-BE49-F238E27FC236}">
+                <a16:creationId xmlns:a16="http://schemas.microsoft.com/office/drawing/2014/main" id="{C6C9EB83-E73F-CBBC-DA4F-28EB6E75F9E3}"/>
+              </a:ext>
+            </a:extLst>
+          </p:cNvPr>
+          <p:cNvSpPr>
+            <a:spLocks noGrp="1"/>
+          </p:cNvSpPr>
+          <p:nvPr>
+            <p:ph type="title"/>
+          </p:nvPr>
+        </p:nvSpPr>
+        <p:spPr/>
+        <p:txBody>
+          <a:bodyPr/>
+          <a:lstStyle/>
+          <a:p>
+            <a:r>
+              <a:rPr lang="en-US" dirty="0"/>
+              <a:t>3D Glasses</a:t>
+            </a:r>
+          </a:p>
+        </p:txBody>
+      </p:sp>
+      <p:pic>
+        <p:nvPicPr>
+          <p:cNvPr id="5" name="Content Placeholder 4" descr="A screen shot of a computer program&#10;&#10;Description automatically generated">
+            <a:extLst>
+              <a:ext uri="{FF2B5EF4-FFF2-40B4-BE49-F238E27FC236}">
+                <a16:creationId xmlns:a16="http://schemas.microsoft.com/office/drawing/2014/main" id="{E1BF3D64-3668-8B43-16B2-BC47FA3D1605}"/>
+              </a:ext>
+            </a:extLst>
+          </p:cNvPr>
+          <p:cNvPicPr>
+            <a:picLocks noGrp="1" noChangeAspect="1"/>
+          </p:cNvPicPr>
+          <p:nvPr>
+            <p:ph idx="1"/>
+          </p:nvPr>
+        </p:nvPicPr>
+        <p:blipFill>
+          <a:blip r:embed="rId2">
+            <a:extLst>
+              <a:ext uri="{28A0092B-C50C-407E-A947-70E740481C1C}">
+                <a14:useLocalDpi xmlns:a14="http://schemas.microsoft.com/office/drawing/2010/main" val="0"/>
+              </a:ext>
+            </a:extLst>
+          </a:blip>
+          <a:stretch>
+            <a:fillRect/>
+          </a:stretch>
+        </p:blipFill>
+        <p:spPr>
+          <a:xfrm>
+            <a:off x="1226333" y="2026065"/>
+            <a:ext cx="3498249" cy="4022725"/>
+          </a:xfrm>
+        </p:spPr>
+      </p:pic>
+      <p:pic>
+        <p:nvPicPr>
+          <p:cNvPr id="7" name="Picture 6" descr="A screenshot of a computer screen&#10;&#10;Description automatically generated">
+            <a:extLst>
+              <a:ext uri="{FF2B5EF4-FFF2-40B4-BE49-F238E27FC236}">
+                <a16:creationId xmlns:a16="http://schemas.microsoft.com/office/drawing/2014/main" id="{9CB25390-E0CE-62E0-E33F-E153A505D573}"/>
+              </a:ext>
+            </a:extLst>
+          </p:cNvPr>
+          <p:cNvPicPr>
+            <a:picLocks noChangeAspect="1"/>
+          </p:cNvPicPr>
+          <p:nvPr/>
+        </p:nvPicPr>
+        <p:blipFill>
+          <a:blip r:embed="rId3">
+            <a:extLst>
+              <a:ext uri="{28A0092B-C50C-407E-A947-70E740481C1C}">
+                <a14:useLocalDpi xmlns:a14="http://schemas.microsoft.com/office/drawing/2010/main" val="0"/>
+              </a:ext>
+            </a:extLst>
+          </a:blip>
+          <a:stretch>
+            <a:fillRect/>
+          </a:stretch>
+        </p:blipFill>
+        <p:spPr>
+          <a:xfrm>
+            <a:off x="7140095" y="1979848"/>
+            <a:ext cx="3825572" cy="4115157"/>
+          </a:xfrm>
+          <a:prstGeom prst="rect">
+            <a:avLst/>
+          </a:prstGeom>
+        </p:spPr>
+      </p:pic>
+      <p:sp>
+        <p:nvSpPr>
+          <p:cNvPr id="3" name="Arrow: U-Turn 2">
+            <a:hlinkClick r:id="rId4" action="ppaction://hlinksldjump"/>
+            <a:extLst>
+              <a:ext uri="{FF2B5EF4-FFF2-40B4-BE49-F238E27FC236}">
+                <a16:creationId xmlns:a16="http://schemas.microsoft.com/office/drawing/2014/main" id="{18060B91-3BE5-043B-44C4-D9271555E181}"/>
+              </a:ext>
+            </a:extLst>
+          </p:cNvPr>
+          <p:cNvSpPr/>
+          <p:nvPr/>
+        </p:nvSpPr>
+        <p:spPr>
+          <a:xfrm>
+            <a:off x="11396304" y="5615337"/>
+            <a:ext cx="652083" cy="582011"/>
+          </a:xfrm>
+          <a:prstGeom prst="uturnArrow">
+            <a:avLst/>
+          </a:prstGeom>
+        </p:spPr>
+        <p:style>
+          <a:lnRef idx="2">
+            <a:schemeClr val="accent1">
+              <a:shade val="15000"/>
+            </a:schemeClr>
+          </a:lnRef>
+          <a:fillRef idx="1">
+            <a:schemeClr val="accent1"/>
+          </a:fillRef>
+          <a:effectRef idx="0">
+            <a:schemeClr val="accent1"/>
+          </a:effectRef>
+          <a:fontRef idx="minor">
+            <a:schemeClr val="lt1"/>
+          </a:fontRef>
+        </p:style>
+        <p:txBody>
+          <a:bodyPr rtlCol="0" anchor="ctr"/>
+          <a:lstStyle/>
+          <a:p>
+            <a:pPr algn="ctr"/>
+            <a:endParaRPr lang="en-US">
+              <a:solidFill>
+                <a:schemeClr val="tx1"/>
+              </a:solidFill>
+            </a:endParaRPr>
+          </a:p>
+        </p:txBody>
+      </p:sp>
+    </p:spTree>
+    <p:extLst>
+      <p:ext uri="{BB962C8B-B14F-4D97-AF65-F5344CB8AC3E}">
+        <p14:creationId xmlns:p14="http://schemas.microsoft.com/office/powerpoint/2010/main" val="4234208272"/>
+      </p:ext>
+    </p:extLst>
+  </p:cSld>
+  <p:clrMapOvr>
+    <a:masterClrMapping/>
+  </p:clrMapOvr>
+  <mc:AlternateContent xmlns:mc="http://schemas.openxmlformats.org/markup-compatibility/2006" xmlns:p15="http://schemas.microsoft.com/office/powerpoint/2012/main">
+    <mc:Choice Requires="p15">
+      <p:transition xmlns:p14="http://schemas.microsoft.com/office/powerpoint/2010/main" spd="slow" p14:dur="2000" advClick="0">
+        <p15:prstTrans prst="fracture"/>
+      </p:transition>
+    </mc:Choice>
+    <mc:Fallback xmlns="">
+      <p:transition spd="slow" advClick="0">
+        <p:fade/>
+      </p:transition>
+    </mc:Fallback>
+  </mc:AlternateContent>
+</p:sld>
+</file>
+
+<file path=ppt/slides/slide14.xml><?xml version="1.0" encoding="utf-8"?>
+<p:sld xmlns:a="http://schemas.openxmlformats.org/drawingml/2006/main" xmlns:r="http://schemas.openxmlformats.org/officeDocument/2006/relationships" xmlns:p="http://schemas.openxmlformats.org/presentationml/2006/main">
+  <p:cSld>
+    <p:spTree>
+      <p:nvGrpSpPr>
+        <p:cNvPr id="1" name=""/>
+        <p:cNvGrpSpPr/>
+        <p:nvPr/>
+      </p:nvGrpSpPr>
+      <p:grpSpPr>
+        <a:xfrm>
+          <a:off x="0" y="0"/>
+          <a:ext cx="0" cy="0"/>
+          <a:chOff x="0" y="0"/>
+          <a:chExt cx="0" cy="0"/>
+        </a:xfrm>
+      </p:grpSpPr>
+      <p:sp>
+        <p:nvSpPr>
+          <p:cNvPr id="2" name="Title 1">
+            <a:extLst>
+              <a:ext uri="{FF2B5EF4-FFF2-40B4-BE49-F238E27FC236}">
+                <a16:creationId xmlns:a16="http://schemas.microsoft.com/office/drawing/2014/main" id="{2A5BC9FD-D3B8-C580-573C-BCD522E9A111}"/>
+              </a:ext>
+            </a:extLst>
+          </p:cNvPr>
+          <p:cNvSpPr>
+            <a:spLocks noGrp="1"/>
+          </p:cNvSpPr>
+          <p:nvPr>
+            <p:ph type="title"/>
+          </p:nvPr>
+        </p:nvSpPr>
+        <p:spPr>
+          <a:xfrm>
+            <a:off x="4145280" y="207945"/>
+            <a:ext cx="3907339" cy="1450757"/>
+          </a:xfrm>
+        </p:spPr>
+        <p:txBody>
+          <a:bodyPr>
+            <a:normAutofit fontScale="90000"/>
+          </a:bodyPr>
+          <a:lstStyle/>
+          <a:p>
+            <a:r>
+              <a:rPr lang="en-US" sz="9600" dirty="0"/>
+              <a:t>The End</a:t>
+            </a:r>
           </a:p>
         </p:txBody>
       </p:sp>
@@ -10553,7 +11340,7 @@
           <p:cNvPr id="3" name="Content Placeholder 2">
             <a:extLst>
               <a:ext uri="{FF2B5EF4-FFF2-40B4-BE49-F238E27FC236}">
-                <a16:creationId xmlns:a16="http://schemas.microsoft.com/office/drawing/2014/main" id="{A7F1A527-B7A5-E4F7-82FF-EF9AF3EE343F}"/>
+                <a16:creationId xmlns:a16="http://schemas.microsoft.com/office/drawing/2014/main" id="{A6B720C2-F3EA-4C51-60D2-DF626031E017}"/>
               </a:ext>
             </a:extLst>
           </p:cNvPr>
@@ -10564,29 +11351,379 @@
             <p:ph idx="1"/>
           </p:nvPr>
         </p:nvSpPr>
-        <p:spPr/>
+        <p:spPr>
+          <a:xfrm>
+            <a:off x="3916188" y="2921273"/>
+            <a:ext cx="4359623" cy="1015453"/>
+          </a:xfrm>
+        </p:spPr>
         <p:txBody>
-          <a:bodyPr/>
+          <a:bodyPr>
+            <a:noAutofit/>
+          </a:bodyPr>
           <a:lstStyle/>
           <a:p>
-            <a:endParaRPr lang="en-US"/>
+            <a:pPr marL="0" indent="0">
+              <a:buNone/>
+            </a:pPr>
+            <a:r>
+              <a:rPr lang="en-US" sz="7200" dirty="0"/>
+              <a:t>Questions?</a:t>
+            </a:r>
+          </a:p>
+        </p:txBody>
+      </p:sp>
+      <p:sp>
+        <p:nvSpPr>
+          <p:cNvPr id="5" name="Arrow: U-Turn 4">
+            <a:hlinkClick r:id="rId2" action="ppaction://hlinksldjump"/>
+            <a:extLst>
+              <a:ext uri="{FF2B5EF4-FFF2-40B4-BE49-F238E27FC236}">
+                <a16:creationId xmlns:a16="http://schemas.microsoft.com/office/drawing/2014/main" id="{16ACEDCB-BB55-C0A4-12A4-14FC4DA7606E}"/>
+              </a:ext>
+            </a:extLst>
+          </p:cNvPr>
+          <p:cNvSpPr/>
+          <p:nvPr/>
+        </p:nvSpPr>
+        <p:spPr>
+          <a:xfrm>
+            <a:off x="11396304" y="5615337"/>
+            <a:ext cx="652083" cy="582011"/>
+          </a:xfrm>
+          <a:prstGeom prst="uturnArrow">
+            <a:avLst/>
+          </a:prstGeom>
+        </p:spPr>
+        <p:style>
+          <a:lnRef idx="2">
+            <a:schemeClr val="accent1">
+              <a:shade val="15000"/>
+            </a:schemeClr>
+          </a:lnRef>
+          <a:fillRef idx="1">
+            <a:schemeClr val="accent1"/>
+          </a:fillRef>
+          <a:effectRef idx="0">
+            <a:schemeClr val="accent1"/>
+          </a:effectRef>
+          <a:fontRef idx="minor">
+            <a:schemeClr val="lt1"/>
+          </a:fontRef>
+        </p:style>
+        <p:txBody>
+          <a:bodyPr rtlCol="0" anchor="ctr"/>
+          <a:lstStyle/>
+          <a:p>
+            <a:pPr algn="ctr"/>
+            <a:endParaRPr lang="en-US">
+              <a:solidFill>
+                <a:schemeClr val="tx1"/>
+              </a:solidFill>
+            </a:endParaRPr>
           </a:p>
         </p:txBody>
       </p:sp>
     </p:spTree>
     <p:extLst>
       <p:ext uri="{BB962C8B-B14F-4D97-AF65-F5344CB8AC3E}">
-        <p14:creationId xmlns:p14="http://schemas.microsoft.com/office/powerpoint/2010/main" val="3160204583"/>
+        <p14:creationId xmlns:p14="http://schemas.microsoft.com/office/powerpoint/2010/main" val="1979207657"/>
       </p:ext>
     </p:extLst>
   </p:cSld>
   <p:clrMapOvr>
     <a:masterClrMapping/>
   </p:clrMapOvr>
+  <mc:AlternateContent xmlns:mc="http://schemas.openxmlformats.org/markup-compatibility/2006" xmlns:p15="http://schemas.microsoft.com/office/powerpoint/2012/main">
+    <mc:Choice Requires="p15">
+      <p:transition xmlns:p14="http://schemas.microsoft.com/office/powerpoint/2010/main" spd="slow" p14:dur="2000">
+        <p15:prstTrans prst="fallOver"/>
+      </p:transition>
+    </mc:Choice>
+    <mc:Fallback xmlns="">
+      <p:transition spd="slow">
+        <p:fade/>
+      </p:transition>
+    </mc:Fallback>
+  </mc:AlternateContent>
 </p:sld>
 </file>
 
 <file path=ppt/slides/slide2.xml><?xml version="1.0" encoding="utf-8"?>
+<p:sld xmlns:a="http://schemas.openxmlformats.org/drawingml/2006/main" xmlns:r="http://schemas.openxmlformats.org/officeDocument/2006/relationships" xmlns:p="http://schemas.openxmlformats.org/presentationml/2006/main">
+  <p:cSld>
+    <p:spTree>
+      <p:nvGrpSpPr>
+        <p:cNvPr id="1" name=""/>
+        <p:cNvGrpSpPr/>
+        <p:nvPr/>
+      </p:nvGrpSpPr>
+      <p:grpSpPr>
+        <a:xfrm>
+          <a:off x="0" y="0"/>
+          <a:ext cx="0" cy="0"/>
+          <a:chOff x="0" y="0"/>
+          <a:chExt cx="0" cy="0"/>
+        </a:xfrm>
+      </p:grpSpPr>
+      <p:pic>
+        <p:nvPicPr>
+          <p:cNvPr id="5" name="Picture 4" descr="A black background with a black square&#10;&#10;Description automatically generated with medium confidence">
+            <a:extLst>
+              <a:ext uri="{FF2B5EF4-FFF2-40B4-BE49-F238E27FC236}">
+                <a16:creationId xmlns:a16="http://schemas.microsoft.com/office/drawing/2014/main" id="{A74AF48E-BBDA-824D-F2F1-D63A9DA5921C}"/>
+              </a:ext>
+            </a:extLst>
+          </p:cNvPr>
+          <p:cNvPicPr>
+            <a:picLocks noChangeAspect="1"/>
+          </p:cNvPicPr>
+          <p:nvPr/>
+        </p:nvPicPr>
+        <p:blipFill>
+          <a:blip r:embed="rId2">
+            <a:extLst>
+              <a:ext uri="{28A0092B-C50C-407E-A947-70E740481C1C}">
+                <a14:useLocalDpi xmlns:a14="http://schemas.microsoft.com/office/drawing/2010/main" val="0"/>
+              </a:ext>
+            </a:extLst>
+          </a:blip>
+          <a:stretch>
+            <a:fillRect/>
+          </a:stretch>
+        </p:blipFill>
+        <p:spPr>
+          <a:xfrm>
+            <a:off x="1097280" y="372243"/>
+            <a:ext cx="1279476" cy="1279476"/>
+          </a:xfrm>
+          <a:prstGeom prst="rect">
+            <a:avLst/>
+          </a:prstGeom>
+        </p:spPr>
+      </p:pic>
+      <p:sp>
+        <p:nvSpPr>
+          <p:cNvPr id="2" name="Title 1">
+            <a:extLst>
+              <a:ext uri="{FF2B5EF4-FFF2-40B4-BE49-F238E27FC236}">
+                <a16:creationId xmlns:a16="http://schemas.microsoft.com/office/drawing/2014/main" id="{D3031033-ED9A-1F83-99D1-49DBC7C88297}"/>
+              </a:ext>
+            </a:extLst>
+          </p:cNvPr>
+          <p:cNvSpPr>
+            <a:spLocks noGrp="1"/>
+          </p:cNvSpPr>
+          <p:nvPr>
+            <p:ph type="title"/>
+          </p:nvPr>
+        </p:nvSpPr>
+        <p:spPr/>
+        <p:txBody>
+          <a:bodyPr/>
+          <a:lstStyle/>
+          <a:p>
+            <a:pPr algn="ctr"/>
+            <a:r>
+              <a:rPr lang="en-US" dirty="0"/>
+              <a:t>GitHub</a:t>
+            </a:r>
+          </a:p>
+        </p:txBody>
+      </p:sp>
+      <p:sp>
+        <p:nvSpPr>
+          <p:cNvPr id="3" name="Content Placeholder 2">
+            <a:extLst>
+              <a:ext uri="{FF2B5EF4-FFF2-40B4-BE49-F238E27FC236}">
+                <a16:creationId xmlns:a16="http://schemas.microsoft.com/office/drawing/2014/main" id="{144DFF7C-D780-B862-957A-1F1602D978D6}"/>
+              </a:ext>
+            </a:extLst>
+          </p:cNvPr>
+          <p:cNvSpPr>
+            <a:spLocks noGrp="1"/>
+          </p:cNvSpPr>
+          <p:nvPr>
+            <p:ph idx="1"/>
+          </p:nvPr>
+        </p:nvSpPr>
+        <p:spPr>
+          <a:xfrm>
+            <a:off x="1066800" y="2901609"/>
+            <a:ext cx="10058400" cy="1054782"/>
+          </a:xfrm>
+        </p:spPr>
+        <p:txBody>
+          <a:bodyPr>
+            <a:normAutofit/>
+          </a:bodyPr>
+          <a:lstStyle/>
+          <a:p>
+            <a:pPr algn="ctr"/>
+            <a:r>
+              <a:rPr lang="en-US" sz="4000" dirty="0">
+                <a:hlinkClick r:id="rId3"/>
+              </a:rPr>
+              <a:t>https://github.com/24tweikel/TkInterTutorial</a:t>
+            </a:r>
+            <a:endParaRPr lang="en-US" sz="4000" dirty="0"/>
+          </a:p>
+        </p:txBody>
+      </p:sp>
+      <p:pic>
+        <p:nvPicPr>
+          <p:cNvPr id="6" name="Picture 5" descr="A black background with a black square&#10;&#10;Description automatically generated with medium confidence">
+            <a:extLst>
+              <a:ext uri="{FF2B5EF4-FFF2-40B4-BE49-F238E27FC236}">
+                <a16:creationId xmlns:a16="http://schemas.microsoft.com/office/drawing/2014/main" id="{360A56AD-2D82-E028-F8C6-46BFACFC36AB}"/>
+              </a:ext>
+            </a:extLst>
+          </p:cNvPr>
+          <p:cNvPicPr>
+            <a:picLocks noChangeAspect="1"/>
+          </p:cNvPicPr>
+          <p:nvPr/>
+        </p:nvPicPr>
+        <p:blipFill>
+          <a:blip r:embed="rId2">
+            <a:extLst>
+              <a:ext uri="{28A0092B-C50C-407E-A947-70E740481C1C}">
+                <a14:useLocalDpi xmlns:a14="http://schemas.microsoft.com/office/drawing/2010/main" val="0"/>
+              </a:ext>
+            </a:extLst>
+          </a:blip>
+          <a:stretch>
+            <a:fillRect/>
+          </a:stretch>
+        </p:blipFill>
+        <p:spPr>
+          <a:xfrm>
+            <a:off x="9815244" y="372243"/>
+            <a:ext cx="1279476" cy="1279476"/>
+          </a:xfrm>
+          <a:prstGeom prst="rect">
+            <a:avLst/>
+          </a:prstGeom>
+        </p:spPr>
+      </p:pic>
+    </p:spTree>
+    <p:extLst>
+      <p:ext uri="{BB962C8B-B14F-4D97-AF65-F5344CB8AC3E}">
+        <p14:creationId xmlns:p14="http://schemas.microsoft.com/office/powerpoint/2010/main" val="3592198626"/>
+      </p:ext>
+    </p:extLst>
+  </p:cSld>
+  <p:clrMapOvr>
+    <a:masterClrMapping/>
+  </p:clrMapOvr>
+  <mc:AlternateContent xmlns:mc="http://schemas.openxmlformats.org/markup-compatibility/2006" xmlns:p14="http://schemas.microsoft.com/office/powerpoint/2010/main">
+    <mc:Choice Requires="p14">
+      <p:transition spd="slow" p14:dur="3400">
+        <p14:reveal/>
+      </p:transition>
+    </mc:Choice>
+    <mc:Fallback xmlns="">
+      <p:transition spd="slow">
+        <p:fade/>
+      </p:transition>
+    </mc:Fallback>
+  </mc:AlternateContent>
+  <p:timing>
+    <p:tnLst>
+      <p:par>
+        <p:cTn id="1" dur="indefinite" restart="never" nodeType="tmRoot">
+          <p:childTnLst>
+            <p:seq concurrent="1" nextAc="seek">
+              <p:cTn id="2" dur="indefinite" nodeType="mainSeq">
+                <p:childTnLst>
+                  <p:par>
+                    <p:cTn id="3" fill="hold">
+                      <p:stCondLst>
+                        <p:cond delay="indefinite"/>
+                      </p:stCondLst>
+                      <p:childTnLst>
+                        <p:par>
+                          <p:cTn id="4" fill="hold">
+                            <p:stCondLst>
+                              <p:cond delay="0"/>
+                            </p:stCondLst>
+                            <p:childTnLst>
+                              <p:par>
+                                <p:cTn id="5" presetID="0" presetClass="path" presetSubtype="0" accel="50000" decel="50000" fill="hold" nodeType="clickEffect">
+                                  <p:stCondLst>
+                                    <p:cond delay="0"/>
+                                  </p:stCondLst>
+                                  <p:childTnLst>
+                                    <p:animMotion origin="layout" path="M 1.04167E-6 -1.11111E-6 C -0.01068 0.03171 -0.01029 0.02986 -0.02149 0.09514 C -0.03386 0.16759 -0.03451 0.19699 -0.03906 0.26597 C -0.03568 0.31389 -0.0405 0.36644 -0.02878 0.40903 C -0.01628 0.45533 0.00417 0.49769 0.02982 0.51991 C 0.17096 0.64213 0.21797 0.64745 0.3401 0.68241 C 0.37851 0.66898 0.4194 0.66921 0.4513 0.62292 C 0.45755 0.61389 0.45989 0.59908 0.46419 0.5875 C 0.46536 0.56852 0.46927 0.55 0.46745 0.53125 C 0.46432 0.49769 0.45104 0.46898 0.43919 0.44375 C 0.43568 0.43658 0.43151 0.43009 0.42799 0.42222 C 0.42422 0.41458 0.42148 0.40486 0.41745 0.39815 C 0.41471 0.39283 0.41081 0.39097 0.40781 0.38681 C 0.40625 0.38449 0.43476 0.42477 0.40378 0.37963 C 0.37279 0.33426 0.31693 0.22361 0.222 0.11597 C 0.15456 0.05255 0.03424 0.03218 -0.00065 -0.00116 " pathEditMode="relative" rAng="0" ptsTypes="AAAAAAAAAAAAAAAA">
+                                      <p:cBhvr>
+                                        <p:cTn id="6" dur="2000" fill="hold"/>
+                                        <p:tgtEl>
+                                          <p:spTgt spid="5"/>
+                                        </p:tgtEl>
+                                        <p:attrNameLst>
+                                          <p:attrName>ppt_x</p:attrName>
+                                          <p:attrName>ppt_y</p:attrName>
+                                        </p:attrNameLst>
+                                      </p:cBhvr>
+                                      <p:rCtr x="21445" y="34051"/>
+                                    </p:animMotion>
+                                  </p:childTnLst>
+                                </p:cTn>
+                              </p:par>
+                              <p:par>
+                                <p:cTn id="7" presetID="0" presetClass="path" presetSubtype="0" accel="50000" decel="50000" fill="hold" nodeType="withEffect">
+                                  <p:stCondLst>
+                                    <p:cond delay="0"/>
+                                  </p:stCondLst>
+                                  <p:childTnLst>
+                                    <p:animMotion origin="layout" path="M 0.00078 0.00139 C -0.02643 0.04144 -0.02773 0.04676 -0.08711 0.10602 C -0.14635 0.16551 -0.26562 0.27315 -0.35482 0.35718 C -0.35638 0.35857 -0.35937 0.36135 -0.35937 0.36158 C -0.36953 0.4169 -0.36575 0.38727 -0.37057 0.45 C -0.36536 0.5132 -0.36836 0.51412 -0.34844 0.575 C -0.34049 0.59885 -0.33333 0.6257 -0.32083 0.6419 C -0.27656 0.70209 -0.2457 0.70926 -0.19596 0.73311 C -0.05625 0.64838 -0.10781 0.69236 -0.03555 0.625 C -0.02305 0.59931 -0.00508 0.56736 0.00313 0.53473 C 0.00729 0.51875 0.00912 0.50116 0.01211 0.48449 C 0.01289 0.47431 0.01341 0.46412 0.01445 0.4544 C 0.01836 0.41621 0.01589 0.45903 0.01771 0.41875 C 0.01888 0.34769 -6.25E-7 0.08218 -6.25E-7 -3.33333E-6 " pathEditMode="relative" rAng="0" ptsTypes="AAAAAAAAAAAAAA">
+                                      <p:cBhvr>
+                                        <p:cTn id="8" dur="2000" spd="-100000" fill="hold"/>
+                                        <p:tgtEl>
+                                          <p:spTgt spid="6"/>
+                                        </p:tgtEl>
+                                        <p:attrNameLst>
+                                          <p:attrName>ppt_x</p:attrName>
+                                          <p:attrName>ppt_y</p:attrName>
+                                        </p:attrNameLst>
+                                      </p:cBhvr>
+                                      <p:rCtr x="-17721" y="36505"/>
+                                    </p:animMotion>
+                                  </p:childTnLst>
+                                </p:cTn>
+                              </p:par>
+                            </p:childTnLst>
+                          </p:cTn>
+                        </p:par>
+                      </p:childTnLst>
+                    </p:cTn>
+                  </p:par>
+                </p:childTnLst>
+              </p:cTn>
+              <p:prevCondLst>
+                <p:cond evt="onPrev" delay="0">
+                  <p:tgtEl>
+                    <p:sldTgt/>
+                  </p:tgtEl>
+                </p:cond>
+              </p:prevCondLst>
+              <p:nextCondLst>
+                <p:cond evt="onNext" delay="0">
+                  <p:tgtEl>
+                    <p:sldTgt/>
+                  </p:tgtEl>
+                </p:cond>
+              </p:nextCondLst>
+            </p:seq>
+          </p:childTnLst>
+        </p:cTn>
+      </p:par>
+    </p:tnLst>
+  </p:timing>
+</p:sld>
+</file>
+
+<file path=ppt/slides/slide3.xml><?xml version="1.0" encoding="utf-8"?>
 <p:sld xmlns:a="http://schemas.openxmlformats.org/drawingml/2006/main" xmlns:r="http://schemas.openxmlformats.org/officeDocument/2006/relationships" xmlns:p="http://schemas.openxmlformats.org/presentationml/2006/main">
   <p:cSld>
     <p:spTree>
@@ -10649,7 +11786,7 @@
             <p:ph idx="1"/>
             <p:extLst>
               <p:ext uri="{D42A27DB-BD31-4B8C-83A1-F6EECF244321}">
-                <p14:modId xmlns:p14="http://schemas.microsoft.com/office/powerpoint/2010/main" val="1048020276"/>
+                <p14:modId xmlns:p14="http://schemas.microsoft.com/office/powerpoint/2010/main" val="1960361674"/>
               </p:ext>
             </p:extLst>
           </p:nvPr>
@@ -10689,7 +11826,7 @@
 </p:sld>
 </file>
 
-<file path=ppt/slides/slide3.xml><?xml version="1.0" encoding="utf-8"?>
+<file path=ppt/slides/slide4.xml><?xml version="1.0" encoding="utf-8"?>
 <p:sld xmlns:a="http://schemas.openxmlformats.org/drawingml/2006/main" xmlns:r="http://schemas.openxmlformats.org/officeDocument/2006/relationships" xmlns:p="http://schemas.openxmlformats.org/presentationml/2006/main">
   <p:cSld>
     <p:spTree>
@@ -10724,13 +11861,13 @@
         </p:nvSpPr>
         <p:spPr>
           <a:xfrm>
-            <a:off x="6981824" y="1367673"/>
-            <a:ext cx="4375151" cy="2665509"/>
+            <a:off x="3264770" y="481781"/>
+            <a:ext cx="5662460" cy="1142498"/>
           </a:xfrm>
         </p:spPr>
         <p:txBody>
           <a:bodyPr vert="horz" lIns="91440" tIns="45720" rIns="91440" bIns="45720" rtlCol="0" anchor="b">
-            <a:normAutofit/>
+            <a:normAutofit fontScale="90000"/>
           </a:bodyPr>
           <a:lstStyle/>
           <a:p>
@@ -10760,26 +11897,26 @@
         </p:nvSpPr>
         <p:spPr>
           <a:xfrm>
-            <a:off x="6979182" y="4414180"/>
-            <a:ext cx="4377793" cy="884538"/>
+            <a:off x="6096000" y="3363549"/>
+            <a:ext cx="4533388" cy="1330317"/>
           </a:xfrm>
         </p:spPr>
         <p:txBody>
           <a:bodyPr vert="horz" lIns="91440" tIns="45720" rIns="91440" bIns="45720" rtlCol="0">
-            <a:normAutofit/>
+            <a:noAutofit/>
           </a:bodyPr>
           <a:lstStyle/>
           <a:p>
-            <a:pPr marL="0" indent="0" algn="r">
+            <a:pPr marL="0" indent="0" algn="ctr">
               <a:buNone/>
             </a:pPr>
             <a:r>
-              <a:rPr lang="en-US" sz="2200" dirty="0">
+              <a:rPr lang="en-US" sz="2800" dirty="0">
                 <a:solidFill>
-                  <a:schemeClr val="bg1"/>
+                  <a:schemeClr val="tx1"/>
                 </a:solidFill>
               </a:rPr>
-              <a:t>TkInter is a Python package that allows you to create GUI application</a:t>
+              <a:t>TkInter is a Python package that allows you to create GUI application.</a:t>
             </a:r>
           </a:p>
         </p:txBody>
@@ -10812,8 +11949,8 @@
         </p:blipFill>
         <p:spPr>
           <a:xfrm>
-            <a:off x="-176980" y="-127819"/>
-            <a:ext cx="6334468" cy="7128387"/>
+            <a:off x="1562612" y="1931568"/>
+            <a:ext cx="3727143" cy="4194277"/>
           </a:xfrm>
           <a:prstGeom prst="rect">
             <a:avLst/>
@@ -10833,6 +11970,245 @@
   <p:transition spd="slow">
     <p:push dir="u"/>
   </p:transition>
+</p:sld>
+</file>
+
+<file path=ppt/slides/slide5.xml><?xml version="1.0" encoding="utf-8"?>
+<p:sld xmlns:a="http://schemas.openxmlformats.org/drawingml/2006/main" xmlns:r="http://schemas.openxmlformats.org/officeDocument/2006/relationships" xmlns:p="http://schemas.openxmlformats.org/presentationml/2006/main">
+  <p:cSld>
+    <p:bg>
+      <p:bgPr>
+        <a:solidFill>
+          <a:schemeClr val="bg1"/>
+        </a:solidFill>
+        <a:effectLst/>
+      </p:bgPr>
+    </p:bg>
+    <p:spTree>
+      <p:nvGrpSpPr>
+        <p:cNvPr id="1" name=""/>
+        <p:cNvGrpSpPr/>
+        <p:nvPr/>
+      </p:nvGrpSpPr>
+      <p:grpSpPr>
+        <a:xfrm>
+          <a:off x="0" y="0"/>
+          <a:ext cx="0" cy="0"/>
+          <a:chOff x="0" y="0"/>
+          <a:chExt cx="0" cy="0"/>
+        </a:xfrm>
+      </p:grpSpPr>
+      <p:sp>
+        <p:nvSpPr>
+          <p:cNvPr id="6" name="Title 5">
+            <a:extLst>
+              <a:ext uri="{FF2B5EF4-FFF2-40B4-BE49-F238E27FC236}">
+                <a16:creationId xmlns:a16="http://schemas.microsoft.com/office/drawing/2014/main" id="{67CDE370-97C3-C0BE-2FA3-4D78369FD537}"/>
+              </a:ext>
+            </a:extLst>
+          </p:cNvPr>
+          <p:cNvSpPr>
+            <a:spLocks noGrp="1"/>
+          </p:cNvSpPr>
+          <p:nvPr>
+            <p:ph type="title"/>
+          </p:nvPr>
+        </p:nvSpPr>
+        <p:spPr>
+          <a:xfrm>
+            <a:off x="1097280" y="286603"/>
+            <a:ext cx="10058400" cy="1450757"/>
+          </a:xfrm>
+        </p:spPr>
+        <p:txBody>
+          <a:bodyPr>
+            <a:normAutofit/>
+          </a:bodyPr>
+          <a:lstStyle/>
+          <a:p>
+            <a:r>
+              <a:rPr lang="en-US" dirty="0"/>
+              <a:t>More About TkInter</a:t>
+            </a:r>
+          </a:p>
+        </p:txBody>
+      </p:sp>
+      <p:graphicFrame>
+        <p:nvGraphicFramePr>
+          <p:cNvPr id="4" name="Content Placeholder 3">
+            <a:extLst>
+              <a:ext uri="{FF2B5EF4-FFF2-40B4-BE49-F238E27FC236}">
+                <a16:creationId xmlns:a16="http://schemas.microsoft.com/office/drawing/2014/main" id="{6BB28F28-47DD-81F4-F1A1-01FB3E8292C5}"/>
+              </a:ext>
+            </a:extLst>
+          </p:cNvPr>
+          <p:cNvGraphicFramePr>
+            <a:graphicFrameLocks noGrp="1"/>
+          </p:cNvGraphicFramePr>
+          <p:nvPr>
+            <p:ph idx="1"/>
+            <p:extLst>
+              <p:ext uri="{D42A27DB-BD31-4B8C-83A1-F6EECF244321}">
+                <p14:modId xmlns:p14="http://schemas.microsoft.com/office/powerpoint/2010/main" val="1205457939"/>
+              </p:ext>
+            </p:extLst>
+          </p:nvPr>
+        </p:nvGraphicFramePr>
+        <p:xfrm>
+          <a:off x="1096963" y="2098515"/>
+          <a:ext cx="10058400" cy="3786080"/>
+        </p:xfrm>
+        <a:graphic>
+          <a:graphicData uri="http://schemas.openxmlformats.org/drawingml/2006/diagram">
+            <dgm:relIds xmlns:dgm="http://schemas.openxmlformats.org/drawingml/2006/diagram" xmlns:r="http://schemas.openxmlformats.org/officeDocument/2006/relationships" r:dm="rId3" r:lo="rId4" r:qs="rId5" r:cs="rId6"/>
+          </a:graphicData>
+        </a:graphic>
+      </p:graphicFrame>
+      <p:pic>
+        <p:nvPicPr>
+          <p:cNvPr id="3" name="Picture 2" descr="A blue and white feather on a red background&#10;&#10;Description automatically generated">
+            <a:extLst>
+              <a:ext uri="{FF2B5EF4-FFF2-40B4-BE49-F238E27FC236}">
+                <a16:creationId xmlns:a16="http://schemas.microsoft.com/office/drawing/2014/main" id="{D5694DBA-5172-D51E-0A3B-6E4BBE319F03}"/>
+              </a:ext>
+            </a:extLst>
+          </p:cNvPr>
+          <p:cNvPicPr>
+            <a:picLocks noChangeAspect="1"/>
+          </p:cNvPicPr>
+          <p:nvPr/>
+        </p:nvPicPr>
+        <p:blipFill>
+          <a:blip r:embed="rId8">
+            <a:extLst>
+              <a:ext uri="{28A0092B-C50C-407E-A947-70E740481C1C}">
+                <a14:useLocalDpi xmlns:a14="http://schemas.microsoft.com/office/drawing/2010/main" val="0"/>
+              </a:ext>
+            </a:extLst>
+          </a:blip>
+          <a:stretch>
+            <a:fillRect/>
+          </a:stretch>
+        </p:blipFill>
+        <p:spPr>
+          <a:xfrm>
+            <a:off x="10637838" y="2128332"/>
+            <a:ext cx="457199" cy="671592"/>
+          </a:xfrm>
+          <a:prstGeom prst="rect">
+            <a:avLst/>
+          </a:prstGeom>
+        </p:spPr>
+      </p:pic>
+      <p:pic>
+        <p:nvPicPr>
+          <p:cNvPr id="8" name="Picture 7" descr="A green square with white letters&#10;&#10;Description automatically generated">
+            <a:extLst>
+              <a:ext uri="{FF2B5EF4-FFF2-40B4-BE49-F238E27FC236}">
+                <a16:creationId xmlns:a16="http://schemas.microsoft.com/office/drawing/2014/main" id="{F92F77A6-6226-3EDA-7EBB-5A8B02342C86}"/>
+              </a:ext>
+            </a:extLst>
+          </p:cNvPr>
+          <p:cNvPicPr>
+            <a:picLocks noChangeAspect="1"/>
+          </p:cNvPicPr>
+          <p:nvPr/>
+        </p:nvPicPr>
+        <p:blipFill>
+          <a:blip r:embed="rId9">
+            <a:extLst>
+              <a:ext uri="{28A0092B-C50C-407E-A947-70E740481C1C}">
+                <a14:useLocalDpi xmlns:a14="http://schemas.microsoft.com/office/drawing/2010/main" val="0"/>
+              </a:ext>
+            </a:extLst>
+          </a:blip>
+          <a:stretch>
+            <a:fillRect/>
+          </a:stretch>
+        </p:blipFill>
+        <p:spPr>
+          <a:xfrm>
+            <a:off x="10266429" y="2934552"/>
+            <a:ext cx="828608" cy="607861"/>
+          </a:xfrm>
+          <a:prstGeom prst="rect">
+            <a:avLst/>
+          </a:prstGeom>
+        </p:spPr>
+      </p:pic>
+      <p:sp>
+        <p:nvSpPr>
+          <p:cNvPr id="9" name="Arrow: U-Turn 8">
+            <a:hlinkClick r:id="rId10" action="ppaction://hlinksldjump"/>
+            <a:extLst>
+              <a:ext uri="{FF2B5EF4-FFF2-40B4-BE49-F238E27FC236}">
+                <a16:creationId xmlns:a16="http://schemas.microsoft.com/office/drawing/2014/main" id="{B73C73E1-C2BE-0DA1-1532-28686D79D365}"/>
+              </a:ext>
+            </a:extLst>
+          </p:cNvPr>
+          <p:cNvSpPr/>
+          <p:nvPr/>
+        </p:nvSpPr>
+        <p:spPr>
+          <a:xfrm>
+            <a:off x="11396304" y="5615337"/>
+            <a:ext cx="652083" cy="582011"/>
+          </a:xfrm>
+          <a:prstGeom prst="uturnArrow">
+            <a:avLst/>
+          </a:prstGeom>
+        </p:spPr>
+        <p:style>
+          <a:lnRef idx="2">
+            <a:schemeClr val="accent1">
+              <a:shade val="15000"/>
+            </a:schemeClr>
+          </a:lnRef>
+          <a:fillRef idx="1">
+            <a:schemeClr val="accent1"/>
+          </a:fillRef>
+          <a:effectRef idx="0">
+            <a:schemeClr val="accent1"/>
+          </a:effectRef>
+          <a:fontRef idx="minor">
+            <a:schemeClr val="lt1"/>
+          </a:fontRef>
+        </p:style>
+        <p:txBody>
+          <a:bodyPr rtlCol="0" anchor="ctr"/>
+          <a:lstStyle/>
+          <a:p>
+            <a:pPr algn="ctr"/>
+            <a:endParaRPr lang="en-US">
+              <a:solidFill>
+                <a:schemeClr val="tx1"/>
+              </a:solidFill>
+            </a:endParaRPr>
+          </a:p>
+        </p:txBody>
+      </p:sp>
+    </p:spTree>
+    <p:extLst>
+      <p:ext uri="{BB962C8B-B14F-4D97-AF65-F5344CB8AC3E}">
+        <p14:creationId xmlns:p14="http://schemas.microsoft.com/office/powerpoint/2010/main" val="501476968"/>
+      </p:ext>
+    </p:extLst>
+  </p:cSld>
+  <p:clrMapOvr>
+    <a:masterClrMapping/>
+  </p:clrMapOvr>
+  <mc:AlternateContent xmlns:mc="http://schemas.openxmlformats.org/markup-compatibility/2006" xmlns:p14="http://schemas.microsoft.com/office/powerpoint/2010/main">
+    <mc:Choice Requires="p14">
+      <p:transition spd="slow" p14:dur="4000" advClick="0">
+        <p14:vortex dir="r"/>
+      </p:transition>
+    </mc:Choice>
+    <mc:Fallback xmlns="">
+      <p:transition spd="slow" advClick="0">
+        <p:fade/>
+      </p:transition>
+    </mc:Fallback>
+  </mc:AlternateContent>
   <p:timing>
     <p:tnLst>
       <p:par>
@@ -10857,13 +12233,10 @@
                             </p:stCondLst>
                             <p:childTnLst>
                               <p:par>
-                                <p:cTn id="5" presetID="10" presetClass="entr" presetSubtype="0" fill="hold" grpId="0" nodeType="withEffect">
+                                <p:cTn id="5" presetID="26" presetClass="entr" presetSubtype="0" fill="hold" grpId="0" nodeType="withEffect">
                                   <p:stCondLst>
-                                    <p:cond delay="1000"/>
+                                    <p:cond delay="0"/>
                                   </p:stCondLst>
-                                  <p:iterate>
-                                    <p:tmPct val="10000"/>
-                                  </p:iterate>
                                   <p:childTnLst>
                                     <p:set>
                                       <p:cBhvr>
@@ -10873,7 +12246,7 @@
                                           </p:stCondLst>
                                         </p:cTn>
                                         <p:tgtEl>
-                                          <p:spTgt spid="2"/>
+                                          <p:spTgt spid="4"/>
                                         </p:tgtEl>
                                         <p:attrNameLst>
                                           <p:attrName>style.visibility</p:attrName>
@@ -10883,14 +12256,813 @@
                                         <p:strVal val="visible"/>
                                       </p:to>
                                     </p:set>
-                                    <p:animEffect transition="in" filter="fade">
+                                    <p:animEffect transition="in" filter="wipe(down)">
                                       <p:cBhvr>
-                                        <p:cTn id="7" dur="700"/>
+                                        <p:cTn id="7" dur="580">
+                                          <p:stCondLst>
+                                            <p:cond delay="0"/>
+                                          </p:stCondLst>
+                                        </p:cTn>
                                         <p:tgtEl>
-                                          <p:spTgt spid="2"/>
+                                          <p:spTgt spid="4"/>
                                         </p:tgtEl>
                                       </p:cBhvr>
                                     </p:animEffect>
+                                    <p:anim calcmode="lin" valueType="num">
+                                      <p:cBhvr>
+                                        <p:cTn id="8" dur="1822" tmFilter="0,0; 0.14,0.36; 0.43,0.73; 0.71,0.91; 1.0,1.0">
+                                          <p:stCondLst>
+                                            <p:cond delay="0"/>
+                                          </p:stCondLst>
+                                        </p:cTn>
+                                        <p:tgtEl>
+                                          <p:spTgt spid="4"/>
+                                        </p:tgtEl>
+                                        <p:attrNameLst>
+                                          <p:attrName>ppt_x</p:attrName>
+                                        </p:attrNameLst>
+                                      </p:cBhvr>
+                                      <p:tavLst>
+                                        <p:tav tm="0">
+                                          <p:val>
+                                            <p:strVal val="#ppt_x-0.25"/>
+                                          </p:val>
+                                        </p:tav>
+                                        <p:tav tm="100000">
+                                          <p:val>
+                                            <p:strVal val="#ppt_x"/>
+                                          </p:val>
+                                        </p:tav>
+                                      </p:tavLst>
+                                    </p:anim>
+                                    <p:anim calcmode="lin" valueType="num">
+                                      <p:cBhvr>
+                                        <p:cTn id="9" dur="664" tmFilter="0.0,0.0; 0.25,0.07; 0.50,0.2; 0.75,0.467; 1.0,1.0">
+                                          <p:stCondLst>
+                                            <p:cond delay="0"/>
+                                          </p:stCondLst>
+                                        </p:cTn>
+                                        <p:tgtEl>
+                                          <p:spTgt spid="4"/>
+                                        </p:tgtEl>
+                                        <p:attrNameLst>
+                                          <p:attrName>ppt_y</p:attrName>
+                                        </p:attrNameLst>
+                                      </p:cBhvr>
+                                      <p:tavLst>
+                                        <p:tav tm="0" fmla="#ppt_y-sin(pi*$)/3">
+                                          <p:val>
+                                            <p:fltVal val="0.5"/>
+                                          </p:val>
+                                        </p:tav>
+                                        <p:tav tm="100000">
+                                          <p:val>
+                                            <p:fltVal val="1"/>
+                                          </p:val>
+                                        </p:tav>
+                                      </p:tavLst>
+                                    </p:anim>
+                                    <p:anim calcmode="lin" valueType="num">
+                                      <p:cBhvr>
+                                        <p:cTn id="10" dur="664" tmFilter="0, 0; 0.125,0.2665; 0.25,0.4; 0.375,0.465; 0.5,0.5;  0.625,0.535; 0.75,0.6; 0.875,0.7335; 1,1">
+                                          <p:stCondLst>
+                                            <p:cond delay="664"/>
+                                          </p:stCondLst>
+                                        </p:cTn>
+                                        <p:tgtEl>
+                                          <p:spTgt spid="4"/>
+                                        </p:tgtEl>
+                                        <p:attrNameLst>
+                                          <p:attrName>ppt_y</p:attrName>
+                                        </p:attrNameLst>
+                                      </p:cBhvr>
+                                      <p:tavLst>
+                                        <p:tav tm="0" fmla="#ppt_y-sin(pi*$)/9">
+                                          <p:val>
+                                            <p:fltVal val="0"/>
+                                          </p:val>
+                                        </p:tav>
+                                        <p:tav tm="100000">
+                                          <p:val>
+                                            <p:fltVal val="1"/>
+                                          </p:val>
+                                        </p:tav>
+                                      </p:tavLst>
+                                    </p:anim>
+                                    <p:anim calcmode="lin" valueType="num">
+                                      <p:cBhvr>
+                                        <p:cTn id="11" dur="332" tmFilter="0, 0; 0.125,0.2665; 0.25,0.4; 0.375,0.465; 0.5,0.5;  0.625,0.535; 0.75,0.6; 0.875,0.7335; 1,1">
+                                          <p:stCondLst>
+                                            <p:cond delay="1324"/>
+                                          </p:stCondLst>
+                                        </p:cTn>
+                                        <p:tgtEl>
+                                          <p:spTgt spid="4"/>
+                                        </p:tgtEl>
+                                        <p:attrNameLst>
+                                          <p:attrName>ppt_y</p:attrName>
+                                        </p:attrNameLst>
+                                      </p:cBhvr>
+                                      <p:tavLst>
+                                        <p:tav tm="0" fmla="#ppt_y-sin(pi*$)/27">
+                                          <p:val>
+                                            <p:fltVal val="0"/>
+                                          </p:val>
+                                        </p:tav>
+                                        <p:tav tm="100000">
+                                          <p:val>
+                                            <p:fltVal val="1"/>
+                                          </p:val>
+                                        </p:tav>
+                                      </p:tavLst>
+                                    </p:anim>
+                                    <p:anim calcmode="lin" valueType="num">
+                                      <p:cBhvr>
+                                        <p:cTn id="12" dur="164" tmFilter="0, 0; 0.125,0.2665; 0.25,0.4; 0.375,0.465; 0.5,0.5;  0.625,0.535; 0.75,0.6; 0.875,0.7335; 1,1">
+                                          <p:stCondLst>
+                                            <p:cond delay="1656"/>
+                                          </p:stCondLst>
+                                        </p:cTn>
+                                        <p:tgtEl>
+                                          <p:spTgt spid="4"/>
+                                        </p:tgtEl>
+                                        <p:attrNameLst>
+                                          <p:attrName>ppt_y</p:attrName>
+                                        </p:attrNameLst>
+                                      </p:cBhvr>
+                                      <p:tavLst>
+                                        <p:tav tm="0" fmla="#ppt_y-sin(pi*$)/81">
+                                          <p:val>
+                                            <p:fltVal val="0"/>
+                                          </p:val>
+                                        </p:tav>
+                                        <p:tav tm="100000">
+                                          <p:val>
+                                            <p:fltVal val="1"/>
+                                          </p:val>
+                                        </p:tav>
+                                      </p:tavLst>
+                                    </p:anim>
+                                    <p:animScale>
+                                      <p:cBhvr>
+                                        <p:cTn id="13" dur="26">
+                                          <p:stCondLst>
+                                            <p:cond delay="650"/>
+                                          </p:stCondLst>
+                                        </p:cTn>
+                                        <p:tgtEl>
+                                          <p:spTgt spid="4"/>
+                                        </p:tgtEl>
+                                      </p:cBhvr>
+                                      <p:to x="100000" y="60000"/>
+                                    </p:animScale>
+                                    <p:animScale>
+                                      <p:cBhvr>
+                                        <p:cTn id="14" dur="166" decel="50000">
+                                          <p:stCondLst>
+                                            <p:cond delay="676"/>
+                                          </p:stCondLst>
+                                        </p:cTn>
+                                        <p:tgtEl>
+                                          <p:spTgt spid="4"/>
+                                        </p:tgtEl>
+                                      </p:cBhvr>
+                                      <p:to x="100000" y="100000"/>
+                                    </p:animScale>
+                                    <p:animScale>
+                                      <p:cBhvr>
+                                        <p:cTn id="15" dur="26">
+                                          <p:stCondLst>
+                                            <p:cond delay="1312"/>
+                                          </p:stCondLst>
+                                        </p:cTn>
+                                        <p:tgtEl>
+                                          <p:spTgt spid="4"/>
+                                        </p:tgtEl>
+                                      </p:cBhvr>
+                                      <p:to x="100000" y="80000"/>
+                                    </p:animScale>
+                                    <p:animScale>
+                                      <p:cBhvr>
+                                        <p:cTn id="16" dur="166" decel="50000">
+                                          <p:stCondLst>
+                                            <p:cond delay="1338"/>
+                                          </p:stCondLst>
+                                        </p:cTn>
+                                        <p:tgtEl>
+                                          <p:spTgt spid="4"/>
+                                        </p:tgtEl>
+                                      </p:cBhvr>
+                                      <p:to x="100000" y="100000"/>
+                                    </p:animScale>
+                                    <p:animScale>
+                                      <p:cBhvr>
+                                        <p:cTn id="17" dur="26">
+                                          <p:stCondLst>
+                                            <p:cond delay="1642"/>
+                                          </p:stCondLst>
+                                        </p:cTn>
+                                        <p:tgtEl>
+                                          <p:spTgt spid="4"/>
+                                        </p:tgtEl>
+                                      </p:cBhvr>
+                                      <p:to x="100000" y="90000"/>
+                                    </p:animScale>
+                                    <p:animScale>
+                                      <p:cBhvr>
+                                        <p:cTn id="18" dur="166" decel="50000">
+                                          <p:stCondLst>
+                                            <p:cond delay="1668"/>
+                                          </p:stCondLst>
+                                        </p:cTn>
+                                        <p:tgtEl>
+                                          <p:spTgt spid="4"/>
+                                        </p:tgtEl>
+                                      </p:cBhvr>
+                                      <p:to x="100000" y="100000"/>
+                                    </p:animScale>
+                                    <p:animScale>
+                                      <p:cBhvr>
+                                        <p:cTn id="19" dur="26">
+                                          <p:stCondLst>
+                                            <p:cond delay="1808"/>
+                                          </p:stCondLst>
+                                        </p:cTn>
+                                        <p:tgtEl>
+                                          <p:spTgt spid="4"/>
+                                        </p:tgtEl>
+                                      </p:cBhvr>
+                                      <p:to x="100000" y="95000"/>
+                                    </p:animScale>
+                                    <p:animScale>
+                                      <p:cBhvr>
+                                        <p:cTn id="20" dur="166" decel="50000">
+                                          <p:stCondLst>
+                                            <p:cond delay="1834"/>
+                                          </p:stCondLst>
+                                        </p:cTn>
+                                        <p:tgtEl>
+                                          <p:spTgt spid="4"/>
+                                        </p:tgtEl>
+                                      </p:cBhvr>
+                                      <p:to x="100000" y="100000"/>
+                                    </p:animScale>
+                                  </p:childTnLst>
+                                </p:cTn>
+                              </p:par>
+                              <p:par>
+                                <p:cTn id="21" presetID="26" presetClass="entr" presetSubtype="0" fill="hold" nodeType="withEffect">
+                                  <p:stCondLst>
+                                    <p:cond delay="0"/>
+                                  </p:stCondLst>
+                                  <p:childTnLst>
+                                    <p:set>
+                                      <p:cBhvr>
+                                        <p:cTn id="22" dur="1" fill="hold">
+                                          <p:stCondLst>
+                                            <p:cond delay="0"/>
+                                          </p:stCondLst>
+                                        </p:cTn>
+                                        <p:tgtEl>
+                                          <p:spTgt spid="3"/>
+                                        </p:tgtEl>
+                                        <p:attrNameLst>
+                                          <p:attrName>style.visibility</p:attrName>
+                                        </p:attrNameLst>
+                                      </p:cBhvr>
+                                      <p:to>
+                                        <p:strVal val="visible"/>
+                                      </p:to>
+                                    </p:set>
+                                    <p:animEffect transition="in" filter="wipe(down)">
+                                      <p:cBhvr>
+                                        <p:cTn id="23" dur="580">
+                                          <p:stCondLst>
+                                            <p:cond delay="0"/>
+                                          </p:stCondLst>
+                                        </p:cTn>
+                                        <p:tgtEl>
+                                          <p:spTgt spid="3"/>
+                                        </p:tgtEl>
+                                      </p:cBhvr>
+                                    </p:animEffect>
+                                    <p:anim calcmode="lin" valueType="num">
+                                      <p:cBhvr>
+                                        <p:cTn id="24" dur="1822" tmFilter="0,0; 0.14,0.36; 0.43,0.73; 0.71,0.91; 1.0,1.0">
+                                          <p:stCondLst>
+                                            <p:cond delay="0"/>
+                                          </p:stCondLst>
+                                        </p:cTn>
+                                        <p:tgtEl>
+                                          <p:spTgt spid="3"/>
+                                        </p:tgtEl>
+                                        <p:attrNameLst>
+                                          <p:attrName>ppt_x</p:attrName>
+                                        </p:attrNameLst>
+                                      </p:cBhvr>
+                                      <p:tavLst>
+                                        <p:tav tm="0">
+                                          <p:val>
+                                            <p:strVal val="#ppt_x-0.25"/>
+                                          </p:val>
+                                        </p:tav>
+                                        <p:tav tm="100000">
+                                          <p:val>
+                                            <p:strVal val="#ppt_x"/>
+                                          </p:val>
+                                        </p:tav>
+                                      </p:tavLst>
+                                    </p:anim>
+                                    <p:anim calcmode="lin" valueType="num">
+                                      <p:cBhvr>
+                                        <p:cTn id="25" dur="664" tmFilter="0.0,0.0; 0.25,0.07; 0.50,0.2; 0.75,0.467; 1.0,1.0">
+                                          <p:stCondLst>
+                                            <p:cond delay="0"/>
+                                          </p:stCondLst>
+                                        </p:cTn>
+                                        <p:tgtEl>
+                                          <p:spTgt spid="3"/>
+                                        </p:tgtEl>
+                                        <p:attrNameLst>
+                                          <p:attrName>ppt_y</p:attrName>
+                                        </p:attrNameLst>
+                                      </p:cBhvr>
+                                      <p:tavLst>
+                                        <p:tav tm="0" fmla="#ppt_y-sin(pi*$)/3">
+                                          <p:val>
+                                            <p:fltVal val="0.5"/>
+                                          </p:val>
+                                        </p:tav>
+                                        <p:tav tm="100000">
+                                          <p:val>
+                                            <p:fltVal val="1"/>
+                                          </p:val>
+                                        </p:tav>
+                                      </p:tavLst>
+                                    </p:anim>
+                                    <p:anim calcmode="lin" valueType="num">
+                                      <p:cBhvr>
+                                        <p:cTn id="26" dur="664" tmFilter="0, 0; 0.125,0.2665; 0.25,0.4; 0.375,0.465; 0.5,0.5;  0.625,0.535; 0.75,0.6; 0.875,0.7335; 1,1">
+                                          <p:stCondLst>
+                                            <p:cond delay="664"/>
+                                          </p:stCondLst>
+                                        </p:cTn>
+                                        <p:tgtEl>
+                                          <p:spTgt spid="3"/>
+                                        </p:tgtEl>
+                                        <p:attrNameLst>
+                                          <p:attrName>ppt_y</p:attrName>
+                                        </p:attrNameLst>
+                                      </p:cBhvr>
+                                      <p:tavLst>
+                                        <p:tav tm="0" fmla="#ppt_y-sin(pi*$)/9">
+                                          <p:val>
+                                            <p:fltVal val="0"/>
+                                          </p:val>
+                                        </p:tav>
+                                        <p:tav tm="100000">
+                                          <p:val>
+                                            <p:fltVal val="1"/>
+                                          </p:val>
+                                        </p:tav>
+                                      </p:tavLst>
+                                    </p:anim>
+                                    <p:anim calcmode="lin" valueType="num">
+                                      <p:cBhvr>
+                                        <p:cTn id="27" dur="332" tmFilter="0, 0; 0.125,0.2665; 0.25,0.4; 0.375,0.465; 0.5,0.5;  0.625,0.535; 0.75,0.6; 0.875,0.7335; 1,1">
+                                          <p:stCondLst>
+                                            <p:cond delay="1324"/>
+                                          </p:stCondLst>
+                                        </p:cTn>
+                                        <p:tgtEl>
+                                          <p:spTgt spid="3"/>
+                                        </p:tgtEl>
+                                        <p:attrNameLst>
+                                          <p:attrName>ppt_y</p:attrName>
+                                        </p:attrNameLst>
+                                      </p:cBhvr>
+                                      <p:tavLst>
+                                        <p:tav tm="0" fmla="#ppt_y-sin(pi*$)/27">
+                                          <p:val>
+                                            <p:fltVal val="0"/>
+                                          </p:val>
+                                        </p:tav>
+                                        <p:tav tm="100000">
+                                          <p:val>
+                                            <p:fltVal val="1"/>
+                                          </p:val>
+                                        </p:tav>
+                                      </p:tavLst>
+                                    </p:anim>
+                                    <p:anim calcmode="lin" valueType="num">
+                                      <p:cBhvr>
+                                        <p:cTn id="28" dur="164" tmFilter="0, 0; 0.125,0.2665; 0.25,0.4; 0.375,0.465; 0.5,0.5;  0.625,0.535; 0.75,0.6; 0.875,0.7335; 1,1">
+                                          <p:stCondLst>
+                                            <p:cond delay="1656"/>
+                                          </p:stCondLst>
+                                        </p:cTn>
+                                        <p:tgtEl>
+                                          <p:spTgt spid="3"/>
+                                        </p:tgtEl>
+                                        <p:attrNameLst>
+                                          <p:attrName>ppt_y</p:attrName>
+                                        </p:attrNameLst>
+                                      </p:cBhvr>
+                                      <p:tavLst>
+                                        <p:tav tm="0" fmla="#ppt_y-sin(pi*$)/81">
+                                          <p:val>
+                                            <p:fltVal val="0"/>
+                                          </p:val>
+                                        </p:tav>
+                                        <p:tav tm="100000">
+                                          <p:val>
+                                            <p:fltVal val="1"/>
+                                          </p:val>
+                                        </p:tav>
+                                      </p:tavLst>
+                                    </p:anim>
+                                    <p:animScale>
+                                      <p:cBhvr>
+                                        <p:cTn id="29" dur="26">
+                                          <p:stCondLst>
+                                            <p:cond delay="650"/>
+                                          </p:stCondLst>
+                                        </p:cTn>
+                                        <p:tgtEl>
+                                          <p:spTgt spid="3"/>
+                                        </p:tgtEl>
+                                      </p:cBhvr>
+                                      <p:to x="100000" y="60000"/>
+                                    </p:animScale>
+                                    <p:animScale>
+                                      <p:cBhvr>
+                                        <p:cTn id="30" dur="166" decel="50000">
+                                          <p:stCondLst>
+                                            <p:cond delay="676"/>
+                                          </p:stCondLst>
+                                        </p:cTn>
+                                        <p:tgtEl>
+                                          <p:spTgt spid="3"/>
+                                        </p:tgtEl>
+                                      </p:cBhvr>
+                                      <p:to x="100000" y="100000"/>
+                                    </p:animScale>
+                                    <p:animScale>
+                                      <p:cBhvr>
+                                        <p:cTn id="31" dur="26">
+                                          <p:stCondLst>
+                                            <p:cond delay="1312"/>
+                                          </p:stCondLst>
+                                        </p:cTn>
+                                        <p:tgtEl>
+                                          <p:spTgt spid="3"/>
+                                        </p:tgtEl>
+                                      </p:cBhvr>
+                                      <p:to x="100000" y="80000"/>
+                                    </p:animScale>
+                                    <p:animScale>
+                                      <p:cBhvr>
+                                        <p:cTn id="32" dur="166" decel="50000">
+                                          <p:stCondLst>
+                                            <p:cond delay="1338"/>
+                                          </p:stCondLst>
+                                        </p:cTn>
+                                        <p:tgtEl>
+                                          <p:spTgt spid="3"/>
+                                        </p:tgtEl>
+                                      </p:cBhvr>
+                                      <p:to x="100000" y="100000"/>
+                                    </p:animScale>
+                                    <p:animScale>
+                                      <p:cBhvr>
+                                        <p:cTn id="33" dur="26">
+                                          <p:stCondLst>
+                                            <p:cond delay="1642"/>
+                                          </p:stCondLst>
+                                        </p:cTn>
+                                        <p:tgtEl>
+                                          <p:spTgt spid="3"/>
+                                        </p:tgtEl>
+                                      </p:cBhvr>
+                                      <p:to x="100000" y="90000"/>
+                                    </p:animScale>
+                                    <p:animScale>
+                                      <p:cBhvr>
+                                        <p:cTn id="34" dur="166" decel="50000">
+                                          <p:stCondLst>
+                                            <p:cond delay="1668"/>
+                                          </p:stCondLst>
+                                        </p:cTn>
+                                        <p:tgtEl>
+                                          <p:spTgt spid="3"/>
+                                        </p:tgtEl>
+                                      </p:cBhvr>
+                                      <p:to x="100000" y="100000"/>
+                                    </p:animScale>
+                                    <p:animScale>
+                                      <p:cBhvr>
+                                        <p:cTn id="35" dur="26">
+                                          <p:stCondLst>
+                                            <p:cond delay="1808"/>
+                                          </p:stCondLst>
+                                        </p:cTn>
+                                        <p:tgtEl>
+                                          <p:spTgt spid="3"/>
+                                        </p:tgtEl>
+                                      </p:cBhvr>
+                                      <p:to x="100000" y="95000"/>
+                                    </p:animScale>
+                                    <p:animScale>
+                                      <p:cBhvr>
+                                        <p:cTn id="36" dur="166" decel="50000">
+                                          <p:stCondLst>
+                                            <p:cond delay="1834"/>
+                                          </p:stCondLst>
+                                        </p:cTn>
+                                        <p:tgtEl>
+                                          <p:spTgt spid="3"/>
+                                        </p:tgtEl>
+                                      </p:cBhvr>
+                                      <p:to x="100000" y="100000"/>
+                                    </p:animScale>
+                                  </p:childTnLst>
+                                </p:cTn>
+                              </p:par>
+                              <p:par>
+                                <p:cTn id="37" presetID="26" presetClass="entr" presetSubtype="0" fill="hold" nodeType="withEffect">
+                                  <p:stCondLst>
+                                    <p:cond delay="0"/>
+                                  </p:stCondLst>
+                                  <p:childTnLst>
+                                    <p:set>
+                                      <p:cBhvr>
+                                        <p:cTn id="38" dur="1" fill="hold">
+                                          <p:stCondLst>
+                                            <p:cond delay="0"/>
+                                          </p:stCondLst>
+                                        </p:cTn>
+                                        <p:tgtEl>
+                                          <p:spTgt spid="8"/>
+                                        </p:tgtEl>
+                                        <p:attrNameLst>
+                                          <p:attrName>style.visibility</p:attrName>
+                                        </p:attrNameLst>
+                                      </p:cBhvr>
+                                      <p:to>
+                                        <p:strVal val="visible"/>
+                                      </p:to>
+                                    </p:set>
+                                    <p:animEffect transition="in" filter="wipe(down)">
+                                      <p:cBhvr>
+                                        <p:cTn id="39" dur="580">
+                                          <p:stCondLst>
+                                            <p:cond delay="0"/>
+                                          </p:stCondLst>
+                                        </p:cTn>
+                                        <p:tgtEl>
+                                          <p:spTgt spid="8"/>
+                                        </p:tgtEl>
+                                      </p:cBhvr>
+                                    </p:animEffect>
+                                    <p:anim calcmode="lin" valueType="num">
+                                      <p:cBhvr>
+                                        <p:cTn id="40" dur="1822" tmFilter="0,0; 0.14,0.36; 0.43,0.73; 0.71,0.91; 1.0,1.0">
+                                          <p:stCondLst>
+                                            <p:cond delay="0"/>
+                                          </p:stCondLst>
+                                        </p:cTn>
+                                        <p:tgtEl>
+                                          <p:spTgt spid="8"/>
+                                        </p:tgtEl>
+                                        <p:attrNameLst>
+                                          <p:attrName>ppt_x</p:attrName>
+                                        </p:attrNameLst>
+                                      </p:cBhvr>
+                                      <p:tavLst>
+                                        <p:tav tm="0">
+                                          <p:val>
+                                            <p:strVal val="#ppt_x-0.25"/>
+                                          </p:val>
+                                        </p:tav>
+                                        <p:tav tm="100000">
+                                          <p:val>
+                                            <p:strVal val="#ppt_x"/>
+                                          </p:val>
+                                        </p:tav>
+                                      </p:tavLst>
+                                    </p:anim>
+                                    <p:anim calcmode="lin" valueType="num">
+                                      <p:cBhvr>
+                                        <p:cTn id="41" dur="664" tmFilter="0.0,0.0; 0.25,0.07; 0.50,0.2; 0.75,0.467; 1.0,1.0">
+                                          <p:stCondLst>
+                                            <p:cond delay="0"/>
+                                          </p:stCondLst>
+                                        </p:cTn>
+                                        <p:tgtEl>
+                                          <p:spTgt spid="8"/>
+                                        </p:tgtEl>
+                                        <p:attrNameLst>
+                                          <p:attrName>ppt_y</p:attrName>
+                                        </p:attrNameLst>
+                                      </p:cBhvr>
+                                      <p:tavLst>
+                                        <p:tav tm="0" fmla="#ppt_y-sin(pi*$)/3">
+                                          <p:val>
+                                            <p:fltVal val="0.5"/>
+                                          </p:val>
+                                        </p:tav>
+                                        <p:tav tm="100000">
+                                          <p:val>
+                                            <p:fltVal val="1"/>
+                                          </p:val>
+                                        </p:tav>
+                                      </p:tavLst>
+                                    </p:anim>
+                                    <p:anim calcmode="lin" valueType="num">
+                                      <p:cBhvr>
+                                        <p:cTn id="42" dur="664" tmFilter="0, 0; 0.125,0.2665; 0.25,0.4; 0.375,0.465; 0.5,0.5;  0.625,0.535; 0.75,0.6; 0.875,0.7335; 1,1">
+                                          <p:stCondLst>
+                                            <p:cond delay="664"/>
+                                          </p:stCondLst>
+                                        </p:cTn>
+                                        <p:tgtEl>
+                                          <p:spTgt spid="8"/>
+                                        </p:tgtEl>
+                                        <p:attrNameLst>
+                                          <p:attrName>ppt_y</p:attrName>
+                                        </p:attrNameLst>
+                                      </p:cBhvr>
+                                      <p:tavLst>
+                                        <p:tav tm="0" fmla="#ppt_y-sin(pi*$)/9">
+                                          <p:val>
+                                            <p:fltVal val="0"/>
+                                          </p:val>
+                                        </p:tav>
+                                        <p:tav tm="100000">
+                                          <p:val>
+                                            <p:fltVal val="1"/>
+                                          </p:val>
+                                        </p:tav>
+                                      </p:tavLst>
+                                    </p:anim>
+                                    <p:anim calcmode="lin" valueType="num">
+                                      <p:cBhvr>
+                                        <p:cTn id="43" dur="332" tmFilter="0, 0; 0.125,0.2665; 0.25,0.4; 0.375,0.465; 0.5,0.5;  0.625,0.535; 0.75,0.6; 0.875,0.7335; 1,1">
+                                          <p:stCondLst>
+                                            <p:cond delay="1324"/>
+                                          </p:stCondLst>
+                                        </p:cTn>
+                                        <p:tgtEl>
+                                          <p:spTgt spid="8"/>
+                                        </p:tgtEl>
+                                        <p:attrNameLst>
+                                          <p:attrName>ppt_y</p:attrName>
+                                        </p:attrNameLst>
+                                      </p:cBhvr>
+                                      <p:tavLst>
+                                        <p:tav tm="0" fmla="#ppt_y-sin(pi*$)/27">
+                                          <p:val>
+                                            <p:fltVal val="0"/>
+                                          </p:val>
+                                        </p:tav>
+                                        <p:tav tm="100000">
+                                          <p:val>
+                                            <p:fltVal val="1"/>
+                                          </p:val>
+                                        </p:tav>
+                                      </p:tavLst>
+                                    </p:anim>
+                                    <p:anim calcmode="lin" valueType="num">
+                                      <p:cBhvr>
+                                        <p:cTn id="44" dur="164" tmFilter="0, 0; 0.125,0.2665; 0.25,0.4; 0.375,0.465; 0.5,0.5;  0.625,0.535; 0.75,0.6; 0.875,0.7335; 1,1">
+                                          <p:stCondLst>
+                                            <p:cond delay="1656"/>
+                                          </p:stCondLst>
+                                        </p:cTn>
+                                        <p:tgtEl>
+                                          <p:spTgt spid="8"/>
+                                        </p:tgtEl>
+                                        <p:attrNameLst>
+                                          <p:attrName>ppt_y</p:attrName>
+                                        </p:attrNameLst>
+                                      </p:cBhvr>
+                                      <p:tavLst>
+                                        <p:tav tm="0" fmla="#ppt_y-sin(pi*$)/81">
+                                          <p:val>
+                                            <p:fltVal val="0"/>
+                                          </p:val>
+                                        </p:tav>
+                                        <p:tav tm="100000">
+                                          <p:val>
+                                            <p:fltVal val="1"/>
+                                          </p:val>
+                                        </p:tav>
+                                      </p:tavLst>
+                                    </p:anim>
+                                    <p:animScale>
+                                      <p:cBhvr>
+                                        <p:cTn id="45" dur="26">
+                                          <p:stCondLst>
+                                            <p:cond delay="650"/>
+                                          </p:stCondLst>
+                                        </p:cTn>
+                                        <p:tgtEl>
+                                          <p:spTgt spid="8"/>
+                                        </p:tgtEl>
+                                      </p:cBhvr>
+                                      <p:to x="100000" y="60000"/>
+                                    </p:animScale>
+                                    <p:animScale>
+                                      <p:cBhvr>
+                                        <p:cTn id="46" dur="166" decel="50000">
+                                          <p:stCondLst>
+                                            <p:cond delay="676"/>
+                                          </p:stCondLst>
+                                        </p:cTn>
+                                        <p:tgtEl>
+                                          <p:spTgt spid="8"/>
+                                        </p:tgtEl>
+                                      </p:cBhvr>
+                                      <p:to x="100000" y="100000"/>
+                                    </p:animScale>
+                                    <p:animScale>
+                                      <p:cBhvr>
+                                        <p:cTn id="47" dur="26">
+                                          <p:stCondLst>
+                                            <p:cond delay="1312"/>
+                                          </p:stCondLst>
+                                        </p:cTn>
+                                        <p:tgtEl>
+                                          <p:spTgt spid="8"/>
+                                        </p:tgtEl>
+                                      </p:cBhvr>
+                                      <p:to x="100000" y="80000"/>
+                                    </p:animScale>
+                                    <p:animScale>
+                                      <p:cBhvr>
+                                        <p:cTn id="48" dur="166" decel="50000">
+                                          <p:stCondLst>
+                                            <p:cond delay="1338"/>
+                                          </p:stCondLst>
+                                        </p:cTn>
+                                        <p:tgtEl>
+                                          <p:spTgt spid="8"/>
+                                        </p:tgtEl>
+                                      </p:cBhvr>
+                                      <p:to x="100000" y="100000"/>
+                                    </p:animScale>
+                                    <p:animScale>
+                                      <p:cBhvr>
+                                        <p:cTn id="49" dur="26">
+                                          <p:stCondLst>
+                                            <p:cond delay="1642"/>
+                                          </p:stCondLst>
+                                        </p:cTn>
+                                        <p:tgtEl>
+                                          <p:spTgt spid="8"/>
+                                        </p:tgtEl>
+                                      </p:cBhvr>
+                                      <p:to x="100000" y="90000"/>
+                                    </p:animScale>
+                                    <p:animScale>
+                                      <p:cBhvr>
+                                        <p:cTn id="50" dur="166" decel="50000">
+                                          <p:stCondLst>
+                                            <p:cond delay="1668"/>
+                                          </p:stCondLst>
+                                        </p:cTn>
+                                        <p:tgtEl>
+                                          <p:spTgt spid="8"/>
+                                        </p:tgtEl>
+                                      </p:cBhvr>
+                                      <p:to x="100000" y="100000"/>
+                                    </p:animScale>
+                                    <p:animScale>
+                                      <p:cBhvr>
+                                        <p:cTn id="51" dur="26">
+                                          <p:stCondLst>
+                                            <p:cond delay="1808"/>
+                                          </p:stCondLst>
+                                        </p:cTn>
+                                        <p:tgtEl>
+                                          <p:spTgt spid="8"/>
+                                        </p:tgtEl>
+                                      </p:cBhvr>
+                                      <p:to x="100000" y="95000"/>
+                                    </p:animScale>
+                                    <p:animScale>
+                                      <p:cBhvr>
+                                        <p:cTn id="52" dur="166" decel="50000">
+                                          <p:stCondLst>
+                                            <p:cond delay="1834"/>
+                                          </p:stCondLst>
+                                        </p:cTn>
+                                        <p:tgtEl>
+                                          <p:spTgt spid="8"/>
+                                        </p:tgtEl>
+                                      </p:cBhvr>
+                                      <p:to x="100000" y="100000"/>
+                                    </p:animScale>
                                   </p:childTnLst>
                                 </p:cTn>
                               </p:par>
@@ -10922,166 +13094,15 @@
       </p:par>
     </p:tnLst>
     <p:bldLst>
-      <p:bldP spid="2" grpId="0"/>
+      <p:bldGraphic spid="4" grpId="0">
+        <p:bldAsOne/>
+      </p:bldGraphic>
     </p:bldLst>
   </p:timing>
 </p:sld>
 </file>
 
-<file path=ppt/slides/slide4.xml><?xml version="1.0" encoding="utf-8"?>
-<p:sld xmlns:a="http://schemas.openxmlformats.org/drawingml/2006/main" xmlns:r="http://schemas.openxmlformats.org/officeDocument/2006/relationships" xmlns:p="http://schemas.openxmlformats.org/presentationml/2006/main">
-  <p:cSld>
-    <p:spTree>
-      <p:nvGrpSpPr>
-        <p:cNvPr id="1" name=""/>
-        <p:cNvGrpSpPr/>
-        <p:nvPr/>
-      </p:nvGrpSpPr>
-      <p:grpSpPr>
-        <a:xfrm>
-          <a:off x="0" y="0"/>
-          <a:ext cx="0" cy="0"/>
-          <a:chOff x="0" y="0"/>
-          <a:chExt cx="0" cy="0"/>
-        </a:xfrm>
-      </p:grpSpPr>
-      <p:graphicFrame>
-        <p:nvGraphicFramePr>
-          <p:cNvPr id="4" name="Content Placeholder 3">
-            <a:extLst>
-              <a:ext uri="{FF2B5EF4-FFF2-40B4-BE49-F238E27FC236}">
-                <a16:creationId xmlns:a16="http://schemas.microsoft.com/office/drawing/2014/main" id="{6BB28F28-47DD-81F4-F1A1-01FB3E8292C5}"/>
-              </a:ext>
-            </a:extLst>
-          </p:cNvPr>
-          <p:cNvGraphicFramePr>
-            <a:graphicFrameLocks noGrp="1"/>
-          </p:cNvGraphicFramePr>
-          <p:nvPr>
-            <p:ph idx="1"/>
-            <p:extLst>
-              <p:ext uri="{D42A27DB-BD31-4B8C-83A1-F6EECF244321}">
-                <p14:modId xmlns:p14="http://schemas.microsoft.com/office/powerpoint/2010/main" val="3320801054"/>
-              </p:ext>
-            </p:extLst>
-          </p:nvPr>
-        </p:nvGraphicFramePr>
-        <p:xfrm>
-          <a:off x="5207640" y="643466"/>
-          <a:ext cx="6291714" cy="5530735"/>
-        </p:xfrm>
-        <a:graphic>
-          <a:graphicData uri="http://schemas.openxmlformats.org/drawingml/2006/diagram">
-            <dgm:relIds xmlns:dgm="http://schemas.openxmlformats.org/drawingml/2006/diagram" xmlns:r="http://schemas.openxmlformats.org/officeDocument/2006/relationships" r:dm="rId3" r:lo="rId4" r:qs="rId5" r:cs="rId6"/>
-          </a:graphicData>
-        </a:graphic>
-      </p:graphicFrame>
-      <p:sp>
-        <p:nvSpPr>
-          <p:cNvPr id="5" name="Arrow: U-Turn 4">
-            <a:hlinkClick r:id="rId8" action="ppaction://hlinksldjump"/>
-            <a:extLst>
-              <a:ext uri="{FF2B5EF4-FFF2-40B4-BE49-F238E27FC236}">
-                <a16:creationId xmlns:a16="http://schemas.microsoft.com/office/drawing/2014/main" id="{28883E63-D454-7135-D919-5EC4FAAFD0B9}"/>
-              </a:ext>
-            </a:extLst>
-          </p:cNvPr>
-          <p:cNvSpPr/>
-          <p:nvPr/>
-        </p:nvSpPr>
-        <p:spPr>
-          <a:xfrm>
-            <a:off x="11356974" y="6027575"/>
-            <a:ext cx="652083" cy="582011"/>
-          </a:xfrm>
-          <a:prstGeom prst="uturnArrow">
-            <a:avLst/>
-          </a:prstGeom>
-        </p:spPr>
-        <p:style>
-          <a:lnRef idx="2">
-            <a:schemeClr val="accent1">
-              <a:shade val="15000"/>
-            </a:schemeClr>
-          </a:lnRef>
-          <a:fillRef idx="1">
-            <a:schemeClr val="accent1"/>
-          </a:fillRef>
-          <a:effectRef idx="0">
-            <a:schemeClr val="accent1"/>
-          </a:effectRef>
-          <a:fontRef idx="minor">
-            <a:schemeClr val="lt1"/>
-          </a:fontRef>
-        </p:style>
-        <p:txBody>
-          <a:bodyPr rtlCol="0" anchor="ctr"/>
-          <a:lstStyle/>
-          <a:p>
-            <a:pPr algn="ctr"/>
-            <a:endParaRPr lang="en-US">
-              <a:solidFill>
-                <a:schemeClr val="tx1"/>
-              </a:solidFill>
-            </a:endParaRPr>
-          </a:p>
-        </p:txBody>
-      </p:sp>
-      <p:sp>
-        <p:nvSpPr>
-          <p:cNvPr id="6" name="Title 5">
-            <a:extLst>
-              <a:ext uri="{FF2B5EF4-FFF2-40B4-BE49-F238E27FC236}">
-                <a16:creationId xmlns:a16="http://schemas.microsoft.com/office/drawing/2014/main" id="{67CDE370-97C3-C0BE-2FA3-4D78369FD537}"/>
-              </a:ext>
-            </a:extLst>
-          </p:cNvPr>
-          <p:cNvSpPr>
-            <a:spLocks noGrp="1"/>
-          </p:cNvSpPr>
-          <p:nvPr>
-            <p:ph type="title"/>
-          </p:nvPr>
-        </p:nvSpPr>
-        <p:spPr/>
-        <p:txBody>
-          <a:bodyPr/>
-          <a:lstStyle/>
-          <a:p>
-            <a:r>
-              <a:rPr lang="en-US" dirty="0">
-                <a:solidFill>
-                  <a:schemeClr val="tx1"/>
-                </a:solidFill>
-              </a:rPr>
-              <a:t>More About TkInter</a:t>
-            </a:r>
-            <a:endParaRPr lang="en-US" dirty="0"/>
-          </a:p>
-        </p:txBody>
-      </p:sp>
-    </p:spTree>
-    <p:extLst>
-      <p:ext uri="{BB962C8B-B14F-4D97-AF65-F5344CB8AC3E}">
-        <p14:creationId xmlns:p14="http://schemas.microsoft.com/office/powerpoint/2010/main" val="501476968"/>
-      </p:ext>
-    </p:extLst>
-  </p:cSld>
-  <p:clrMapOvr>
-    <a:masterClrMapping/>
-  </p:clrMapOvr>
-  <mc:AlternateContent xmlns:mc="http://schemas.openxmlformats.org/markup-compatibility/2006" xmlns:p14="http://schemas.microsoft.com/office/powerpoint/2010/main">
-    <mc:Choice Requires="p14">
-      <p:transition spd="slow" p14:dur="2000" advClick="0"/>
-    </mc:Choice>
-    <mc:Fallback xmlns="">
-      <p:transition spd="slow" advClick="0"/>
-    </mc:Fallback>
-  </mc:AlternateContent>
-</p:sld>
-</file>
-
-<file path=ppt/slides/slide5.xml><?xml version="1.0" encoding="utf-8"?>
+<file path=ppt/slides/slide6.xml><?xml version="1.0" encoding="utf-8"?>
 <p:sld xmlns:a="http://schemas.openxmlformats.org/drawingml/2006/main" xmlns:r="http://schemas.openxmlformats.org/officeDocument/2006/relationships" xmlns:p="http://schemas.openxmlformats.org/presentationml/2006/main">
   <p:cSld>
     <p:spTree>
@@ -11185,10 +13206,96 @@
   <p:transition spd="slow">
     <p:push dir="u"/>
   </p:transition>
+  <p:timing>
+    <p:tnLst>
+      <p:par>
+        <p:cTn id="1" dur="indefinite" restart="never" nodeType="tmRoot">
+          <p:childTnLst>
+            <p:seq concurrent="1" nextAc="seek">
+              <p:cTn id="2" dur="indefinite" nodeType="mainSeq">
+                <p:childTnLst>
+                  <p:par>
+                    <p:cTn id="3" fill="hold">
+                      <p:stCondLst>
+                        <p:cond delay="indefinite"/>
+                        <p:cond evt="onBegin" delay="0">
+                          <p:tn val="2"/>
+                        </p:cond>
+                      </p:stCondLst>
+                      <p:childTnLst>
+                        <p:par>
+                          <p:cTn id="4" fill="hold">
+                            <p:stCondLst>
+                              <p:cond delay="0"/>
+                            </p:stCondLst>
+                            <p:childTnLst>
+                              <p:par>
+                                <p:cTn id="5" presetID="21" presetClass="entr" presetSubtype="1" fill="hold" nodeType="withEffect">
+                                  <p:stCondLst>
+                                    <p:cond delay="0"/>
+                                  </p:stCondLst>
+                                  <p:childTnLst>
+                                    <p:set>
+                                      <p:cBhvr>
+                                        <p:cTn id="6" dur="1" fill="hold">
+                                          <p:stCondLst>
+                                            <p:cond delay="0"/>
+                                          </p:stCondLst>
+                                        </p:cTn>
+                                        <p:tgtEl>
+                                          <p:spTgt spid="5"/>
+                                        </p:tgtEl>
+                                        <p:attrNameLst>
+                                          <p:attrName>style.visibility</p:attrName>
+                                        </p:attrNameLst>
+                                      </p:cBhvr>
+                                      <p:to>
+                                        <p:strVal val="visible"/>
+                                      </p:to>
+                                    </p:set>
+                                    <p:animEffect transition="in" filter="wheel(1)">
+                                      <p:cBhvr>
+                                        <p:cTn id="7" dur="2000"/>
+                                        <p:tgtEl>
+                                          <p:spTgt spid="5"/>
+                                        </p:tgtEl>
+                                      </p:cBhvr>
+                                    </p:animEffect>
+                                  </p:childTnLst>
+                                </p:cTn>
+                              </p:par>
+                            </p:childTnLst>
+                          </p:cTn>
+                        </p:par>
+                      </p:childTnLst>
+                    </p:cTn>
+                  </p:par>
+                </p:childTnLst>
+              </p:cTn>
+              <p:prevCondLst>
+                <p:cond evt="onPrev" delay="0">
+                  <p:tgtEl>
+                    <p:sldTgt/>
+                  </p:tgtEl>
+                </p:cond>
+              </p:prevCondLst>
+              <p:nextCondLst>
+                <p:cond evt="onNext" delay="0">
+                  <p:tgtEl>
+                    <p:sldTgt/>
+                  </p:tgtEl>
+                </p:cond>
+              </p:nextCondLst>
+            </p:seq>
+          </p:childTnLst>
+        </p:cTn>
+      </p:par>
+    </p:tnLst>
+  </p:timing>
 </p:sld>
 </file>
 
-<file path=ppt/slides/slide6.xml><?xml version="1.0" encoding="utf-8"?>
+<file path=ppt/slides/slide7.xml><?xml version="1.0" encoding="utf-8"?>
 <p:sld xmlns:a="http://schemas.openxmlformats.org/drawingml/2006/main" xmlns:r="http://schemas.openxmlformats.org/officeDocument/2006/relationships" xmlns:p="http://schemas.openxmlformats.org/presentationml/2006/main">
   <p:cSld>
     <p:spTree>
@@ -11279,57 +13386,6 @@
       </p:pic>
       <p:sp>
         <p:nvSpPr>
-          <p:cNvPr id="3" name="Arrow: U-Turn 2">
-            <a:hlinkClick r:id="rId4" action="ppaction://hlinksldjump"/>
-            <a:extLst>
-              <a:ext uri="{FF2B5EF4-FFF2-40B4-BE49-F238E27FC236}">
-                <a16:creationId xmlns:a16="http://schemas.microsoft.com/office/drawing/2014/main" id="{4374A172-C05B-A0C8-7E2E-89BA4001D31D}"/>
-              </a:ext>
-            </a:extLst>
-          </p:cNvPr>
-          <p:cNvSpPr/>
-          <p:nvPr/>
-        </p:nvSpPr>
-        <p:spPr>
-          <a:xfrm>
-            <a:off x="11356974" y="6027575"/>
-            <a:ext cx="652083" cy="582011"/>
-          </a:xfrm>
-          <a:prstGeom prst="uturnArrow">
-            <a:avLst/>
-          </a:prstGeom>
-        </p:spPr>
-        <p:style>
-          <a:lnRef idx="2">
-            <a:schemeClr val="accent1">
-              <a:shade val="15000"/>
-            </a:schemeClr>
-          </a:lnRef>
-          <a:fillRef idx="1">
-            <a:schemeClr val="accent1"/>
-          </a:fillRef>
-          <a:effectRef idx="0">
-            <a:schemeClr val="accent1"/>
-          </a:effectRef>
-          <a:fontRef idx="minor">
-            <a:schemeClr val="lt1"/>
-          </a:fontRef>
-        </p:style>
-        <p:txBody>
-          <a:bodyPr rtlCol="0" anchor="ctr"/>
-          <a:lstStyle/>
-          <a:p>
-            <a:pPr algn="ctr"/>
-            <a:endParaRPr lang="en-US">
-              <a:solidFill>
-                <a:schemeClr val="tx1"/>
-              </a:solidFill>
-            </a:endParaRPr>
-          </a:p>
-        </p:txBody>
-      </p:sp>
-      <p:sp>
-        <p:nvSpPr>
           <p:cNvPr id="7" name="Title 6">
             <a:extLst>
               <a:ext uri="{FF2B5EF4-FFF2-40B4-BE49-F238E27FC236}">
@@ -11383,25 +13439,84 @@
           <a:lstStyle/>
           <a:p>
             <a:r>
-              <a:rPr lang="en-US" sz="2000" dirty="0"/>
+              <a:rPr lang="en-US" sz="2400" dirty="0">
+                <a:solidFill>
+                  <a:schemeClr val="tx1"/>
+                </a:solidFill>
+              </a:rPr>
               <a:t>This code creates a canvas that can be used to draw shapes and pictures like in CMU Academy</a:t>
             </a:r>
           </a:p>
           <a:p>
-            <a:endParaRPr lang="en-US" sz="2000" dirty="0"/>
+            <a:endParaRPr lang="en-US" sz="2000" dirty="0">
+              <a:solidFill>
+                <a:schemeClr val="tx1"/>
+              </a:solidFill>
+            </a:endParaRPr>
           </a:p>
           <a:p>
             <a:r>
-              <a:rPr lang="en-US" sz="2000" dirty="0" err="1"/>
-              <a:t>canvas.create_rectangle</a:t>
+              <a:rPr lang="en-US" sz="2400" dirty="0">
+                <a:solidFill>
+                  <a:schemeClr val="tx1"/>
+                </a:solidFill>
+              </a:rPr>
+              <a:t>canvas.create_rectangle(x1, y1, x2, y2, options)</a:t>
             </a:r>
-            <a:r>
-              <a:rPr lang="en-US" sz="2000" dirty="0"/>
-              <a:t>(x1, y1, x2, y2, options)</a:t>
-            </a:r>
           </a:p>
           <a:p>
             <a:endParaRPr lang="en-US" dirty="0"/>
+          </a:p>
+        </p:txBody>
+      </p:sp>
+      <p:sp>
+        <p:nvSpPr>
+          <p:cNvPr id="2" name="Arrow: U-Turn 1">
+            <a:hlinkClick r:id="rId4" action="ppaction://hlinksldjump"/>
+            <a:extLst>
+              <a:ext uri="{FF2B5EF4-FFF2-40B4-BE49-F238E27FC236}">
+                <a16:creationId xmlns:a16="http://schemas.microsoft.com/office/drawing/2014/main" id="{71BC0D0B-40C6-DD1E-F3C0-71C63D7E8956}"/>
+              </a:ext>
+            </a:extLst>
+          </p:cNvPr>
+          <p:cNvSpPr/>
+          <p:nvPr/>
+        </p:nvSpPr>
+        <p:spPr>
+          <a:xfrm>
+            <a:off x="11396304" y="5615337"/>
+            <a:ext cx="652083" cy="582011"/>
+          </a:xfrm>
+          <a:prstGeom prst="uturnArrow">
+            <a:avLst/>
+          </a:prstGeom>
+        </p:spPr>
+        <p:style>
+          <a:lnRef idx="2">
+            <a:schemeClr val="accent1">
+              <a:shade val="15000"/>
+            </a:schemeClr>
+          </a:lnRef>
+          <a:fillRef idx="1">
+            <a:schemeClr val="accent1"/>
+          </a:fillRef>
+          <a:effectRef idx="0">
+            <a:schemeClr val="accent1"/>
+          </a:effectRef>
+          <a:fontRef idx="minor">
+            <a:schemeClr val="lt1"/>
+          </a:fontRef>
+        </p:style>
+        <p:txBody>
+          <a:bodyPr rtlCol="0" anchor="ctr"/>
+          <a:lstStyle/>
+          <a:p>
+            <a:pPr algn="ctr"/>
+            <a:endParaRPr lang="en-US">
+              <a:solidFill>
+                <a:schemeClr val="tx1"/>
+              </a:solidFill>
+            </a:endParaRPr>
           </a:p>
         </p:txBody>
       </p:sp>
@@ -11417,16 +13532,20 @@
   </p:clrMapOvr>
   <mc:AlternateContent xmlns:mc="http://schemas.openxmlformats.org/markup-compatibility/2006" xmlns:p14="http://schemas.microsoft.com/office/powerpoint/2010/main">
     <mc:Choice Requires="p14">
-      <p:transition spd="slow" p14:dur="2000" advClick="0"/>
+      <p:transition spd="slow" p14:dur="1500" advClick="0">
+        <p14:window dir="vert"/>
+      </p:transition>
     </mc:Choice>
     <mc:Fallback xmlns="">
-      <p:transition spd="slow" advClick="0"/>
+      <p:transition spd="slow" advClick="0">
+        <p:fade/>
+      </p:transition>
     </mc:Fallback>
   </mc:AlternateContent>
 </p:sld>
 </file>
 
-<file path=ppt/slides/slide7.xml><?xml version="1.0" encoding="utf-8"?>
+<file path=ppt/slides/slide8.xml><?xml version="1.0" encoding="utf-8"?>
 <p:sld xmlns:a="http://schemas.openxmlformats.org/drawingml/2006/main" xmlns:r="http://schemas.openxmlformats.org/officeDocument/2006/relationships" xmlns:p="http://schemas.openxmlformats.org/presentationml/2006/main">
   <p:cSld>
     <p:spTree>
@@ -11508,7 +13627,7 @@
         </p:blipFill>
         <p:spPr>
           <a:xfrm>
-            <a:off x="6345165" y="2217815"/>
+            <a:off x="7262524" y="2181328"/>
             <a:ext cx="4213728" cy="3997831"/>
           </a:xfrm>
           <a:prstGeom prst="rect">
@@ -11560,7 +13679,7 @@
 </p:sld>
 </file>
 
-<file path=ppt/slides/slide8.xml><?xml version="1.0" encoding="utf-8"?>
+<file path=ppt/slides/slide9.xml><?xml version="1.0" encoding="utf-8"?>
 <p:sld xmlns:a="http://schemas.openxmlformats.org/drawingml/2006/main" xmlns:r="http://schemas.openxmlformats.org/officeDocument/2006/relationships" xmlns:p="http://schemas.openxmlformats.org/presentationml/2006/main">
   <p:cSld>
     <p:spTree>
@@ -11666,7 +13785,7 @@
         </p:nvSpPr>
         <p:spPr>
           <a:xfrm>
-            <a:off x="11356974" y="6027575"/>
+            <a:off x="11396304" y="5615337"/>
             <a:ext cx="652083" cy="582011"/>
           </a:xfrm>
           <a:prstGeom prst="uturnArrow">
@@ -11742,249 +13861,16 @@
   </p:clrMapOvr>
   <mc:AlternateContent xmlns:mc="http://schemas.openxmlformats.org/markup-compatibility/2006" xmlns:p14="http://schemas.microsoft.com/office/powerpoint/2010/main">
     <mc:Choice Requires="p14">
-      <p:transition spd="slow" p14:dur="2000" advClick="0"/>
+      <p:transition spd="slow" p14:dur="900" advClick="0">
+        <p14:warp dir="in"/>
+      </p:transition>
     </mc:Choice>
     <mc:Fallback xmlns="">
-      <p:transition spd="slow" advClick="0"/>
+      <p:transition spd="slow" advClick="0">
+        <p:fade/>
+      </p:transition>
     </mc:Fallback>
   </mc:AlternateContent>
-</p:sld>
-</file>
-
-<file path=ppt/slides/slide9.xml><?xml version="1.0" encoding="utf-8"?>
-<p:sld xmlns:a="http://schemas.openxmlformats.org/drawingml/2006/main" xmlns:r="http://schemas.openxmlformats.org/officeDocument/2006/relationships" xmlns:p="http://schemas.openxmlformats.org/presentationml/2006/main">
-  <p:cSld>
-    <p:spTree>
-      <p:nvGrpSpPr>
-        <p:cNvPr id="1" name=""/>
-        <p:cNvGrpSpPr/>
-        <p:nvPr/>
-      </p:nvGrpSpPr>
-      <p:grpSpPr>
-        <a:xfrm>
-          <a:off x="0" y="0"/>
-          <a:ext cx="0" cy="0"/>
-          <a:chOff x="0" y="0"/>
-          <a:chExt cx="0" cy="0"/>
-        </a:xfrm>
-      </p:grpSpPr>
-      <p:sp>
-        <p:nvSpPr>
-          <p:cNvPr id="3" name="Content Placeholder 2">
-            <a:extLst>
-              <a:ext uri="{FF2B5EF4-FFF2-40B4-BE49-F238E27FC236}">
-                <a16:creationId xmlns:a16="http://schemas.microsoft.com/office/drawing/2014/main" id="{9650774C-A2CD-626E-D658-BDB9AE0A736A}"/>
-              </a:ext>
-            </a:extLst>
-          </p:cNvPr>
-          <p:cNvSpPr>
-            <a:spLocks/>
-          </p:cNvSpPr>
-          <p:nvPr/>
-        </p:nvSpPr>
-        <p:spPr>
-          <a:xfrm>
-            <a:off x="1605431" y="2878138"/>
-            <a:ext cx="8981137" cy="3340100"/>
-          </a:xfrm>
-          <a:prstGeom prst="rect">
-            <a:avLst/>
-          </a:prstGeom>
-        </p:spPr>
-        <p:txBody>
-          <a:bodyPr/>
-          <a:lstStyle/>
-          <a:p>
-            <a:pPr defTabSz="758952">
-              <a:spcAft>
-                <a:spcPts val="600"/>
-              </a:spcAft>
-            </a:pPr>
-            <a:r>
-              <a:rPr lang="en-US" sz="1494" kern="1200">
-                <a:solidFill>
-                  <a:schemeClr val="tx1"/>
-                </a:solidFill>
-                <a:latin typeface="+mn-lt"/>
-                <a:ea typeface="+mn-ea"/>
-                <a:cs typeface="+mn-cs"/>
-              </a:rPr>
-              <a:t>No built-in function for RGB values</a:t>
-            </a:r>
-          </a:p>
-          <a:p>
-            <a:pPr defTabSz="758952">
-              <a:spcAft>
-                <a:spcPts val="600"/>
-              </a:spcAft>
-            </a:pPr>
-            <a:endParaRPr lang="en-US" sz="1494" kern="1200">
-              <a:solidFill>
-                <a:schemeClr val="tx1"/>
-              </a:solidFill>
-              <a:latin typeface="+mn-lt"/>
-              <a:ea typeface="+mn-ea"/>
-              <a:cs typeface="+mn-cs"/>
-            </a:endParaRPr>
-          </a:p>
-          <a:p>
-            <a:pPr defTabSz="758952">
-              <a:spcAft>
-                <a:spcPts val="600"/>
-              </a:spcAft>
-            </a:pPr>
-            <a:endParaRPr lang="en-US" sz="1494" kern="1200">
-              <a:solidFill>
-                <a:schemeClr val="tx1"/>
-              </a:solidFill>
-              <a:latin typeface="+mn-lt"/>
-              <a:ea typeface="+mn-ea"/>
-              <a:cs typeface="+mn-cs"/>
-            </a:endParaRPr>
-          </a:p>
-          <a:p>
-            <a:pPr defTabSz="758952">
-              <a:spcAft>
-                <a:spcPts val="600"/>
-              </a:spcAft>
-            </a:pPr>
-            <a:endParaRPr lang="en-US" sz="1494" kern="1200">
-              <a:solidFill>
-                <a:schemeClr val="tx1"/>
-              </a:solidFill>
-              <a:latin typeface="+mn-lt"/>
-              <a:ea typeface="+mn-ea"/>
-              <a:cs typeface="+mn-cs"/>
-            </a:endParaRPr>
-          </a:p>
-          <a:p>
-            <a:pPr defTabSz="758952">
-              <a:spcAft>
-                <a:spcPts val="600"/>
-              </a:spcAft>
-            </a:pPr>
-            <a:endParaRPr lang="en-US" sz="1494" kern="1200">
-              <a:solidFill>
-                <a:schemeClr val="tx1"/>
-              </a:solidFill>
-              <a:latin typeface="+mn-lt"/>
-              <a:ea typeface="+mn-ea"/>
-              <a:cs typeface="+mn-cs"/>
-            </a:endParaRPr>
-          </a:p>
-          <a:p>
-            <a:pPr defTabSz="758952">
-              <a:spcAft>
-                <a:spcPts val="600"/>
-              </a:spcAft>
-            </a:pPr>
-            <a:endParaRPr lang="en-US" sz="1494" kern="1200">
-              <a:solidFill>
-                <a:schemeClr val="tx1"/>
-              </a:solidFill>
-              <a:latin typeface="+mn-lt"/>
-              <a:ea typeface="+mn-ea"/>
-              <a:cs typeface="+mn-cs"/>
-            </a:endParaRPr>
-          </a:p>
-          <a:p>
-            <a:pPr defTabSz="758952">
-              <a:spcAft>
-                <a:spcPts val="600"/>
-              </a:spcAft>
-            </a:pPr>
-            <a:r>
-              <a:rPr lang="en-US" sz="1494" kern="1200">
-                <a:solidFill>
-                  <a:schemeClr val="tx1"/>
-                </a:solidFill>
-                <a:latin typeface="+mn-lt"/>
-                <a:ea typeface="+mn-ea"/>
-                <a:cs typeface="+mn-cs"/>
-              </a:rPr>
-              <a:t>rgb((255, 255, 255))</a:t>
-            </a:r>
-            <a:endParaRPr lang="en-US"/>
-          </a:p>
-        </p:txBody>
-      </p:sp>
-      <p:pic>
-        <p:nvPicPr>
-          <p:cNvPr id="5" name="Picture 4" descr="A black background with white text and numbers&#10;&#10;Description automatically generated">
-            <a:extLst>
-              <a:ext uri="{FF2B5EF4-FFF2-40B4-BE49-F238E27FC236}">
-                <a16:creationId xmlns:a16="http://schemas.microsoft.com/office/drawing/2014/main" id="{0303B826-3C0E-CC73-E9EB-EACB30840B4C}"/>
-              </a:ext>
-            </a:extLst>
-          </p:cNvPr>
-          <p:cNvPicPr>
-            <a:picLocks noChangeAspect="1"/>
-          </p:cNvPicPr>
-          <p:nvPr/>
-        </p:nvPicPr>
-        <p:blipFill>
-          <a:blip r:embed="rId2">
-            <a:extLst>
-              <a:ext uri="{28A0092B-C50C-407E-A947-70E740481C1C}">
-                <a14:useLocalDpi xmlns:a14="http://schemas.microsoft.com/office/drawing/2010/main" val="0"/>
-              </a:ext>
-            </a:extLst>
-          </a:blip>
-          <a:stretch>
-            <a:fillRect/>
-          </a:stretch>
-        </p:blipFill>
-        <p:spPr>
-          <a:xfrm>
-            <a:off x="3201006" y="3274353"/>
-            <a:ext cx="5789986" cy="1375121"/>
-          </a:xfrm>
-          <a:prstGeom prst="rect">
-            <a:avLst/>
-          </a:prstGeom>
-        </p:spPr>
-      </p:pic>
-      <p:sp>
-        <p:nvSpPr>
-          <p:cNvPr id="6" name="Title 5">
-            <a:extLst>
-              <a:ext uri="{FF2B5EF4-FFF2-40B4-BE49-F238E27FC236}">
-                <a16:creationId xmlns:a16="http://schemas.microsoft.com/office/drawing/2014/main" id="{36250767-89EC-C3DF-D302-93D4D050A7D7}"/>
-              </a:ext>
-            </a:extLst>
-          </p:cNvPr>
-          <p:cNvSpPr>
-            <a:spLocks noGrp="1"/>
-          </p:cNvSpPr>
-          <p:nvPr>
-            <p:ph type="title"/>
-          </p:nvPr>
-        </p:nvSpPr>
-        <p:spPr/>
-        <p:txBody>
-          <a:bodyPr/>
-          <a:lstStyle/>
-          <a:p>
-            <a:r>
-              <a:rPr lang="en-US" dirty="0"/>
-              <a:t>RGB Function</a:t>
-            </a:r>
-          </a:p>
-        </p:txBody>
-      </p:sp>
-    </p:spTree>
-    <p:extLst>
-      <p:ext uri="{BB962C8B-B14F-4D97-AF65-F5344CB8AC3E}">
-        <p14:creationId xmlns:p14="http://schemas.microsoft.com/office/powerpoint/2010/main" val="3887526981"/>
-      </p:ext>
-    </p:extLst>
-  </p:cSld>
-  <p:clrMapOvr>
-    <a:masterClrMapping/>
-  </p:clrMapOvr>
-  <p:transition spd="slow">
-    <p:push dir="u"/>
-  </p:transition>
 </p:sld>
 </file>
 
@@ -12564,4 +14450,24 @@
     </a:ext>
   </a:extLst>
 </a:theme>
+</file>
+
+<file path=ppt/webextensions/taskpanes.xml><?xml version="1.0" encoding="utf-8"?>
+<wetp:taskpanes xmlns:wetp="http://schemas.microsoft.com/office/webextensions/taskpanes/2010/11">
+  <wetp:taskpane dockstate="right" visibility="0" width="438" row="0">
+    <wetp:webextensionref xmlns:r="http://schemas.openxmlformats.org/officeDocument/2006/relationships" r:id="rId1"/>
+  </wetp:taskpane>
+</wetp:taskpanes>
+</file>
+
+<file path=ppt/webextensions/webextension1.xml><?xml version="1.0" encoding="utf-8"?>
+<we:webextension xmlns:we="http://schemas.microsoft.com/office/webextensions/webextension/2010/11" id="{37BE3789-F1A2-4DA4-9779-CD9755C36CCE}">
+  <we:reference id="wa200005566" version="3.0.0.2" store="en-US" storeType="OMEX"/>
+  <we:alternateReferences>
+    <we:reference id="wa200005566" version="3.0.0.2" store="wa200005566" storeType="OMEX"/>
+  </we:alternateReferences>
+  <we:properties/>
+  <we:bindings/>
+  <we:snapshot xmlns:r="http://schemas.openxmlformats.org/officeDocument/2006/relationships"/>
+</we:webextension>
 </file>
--- a/tkinter.pptx
+++ b/tkinter.pptx
@@ -1912,6 +1912,38 @@
         </a:p>
       </dgm:t>
     </dgm:pt>
+    <dgm:pt modelId="{8CEE0D72-EFDE-4DC6-B82D-BBABC43FB627}">
+      <dgm:prSet/>
+      <dgm:spPr/>
+      <dgm:t>
+        <a:bodyPr/>
+        <a:lstStyle/>
+        <a:p>
+          <a:r>
+            <a:rPr lang="en-US" dirty="0">
+              <a:hlinkClick xmlns:r="http://schemas.openxmlformats.org/officeDocument/2006/relationships" r:id="" action="ppaction://noaction"/>
+            </a:rPr>
+            <a:t>Do It Yourself</a:t>
+          </a:r>
+          <a:endParaRPr lang="en-US" dirty="0"/>
+        </a:p>
+      </dgm:t>
+      <dgm:extLst>
+        <a:ext uri="{E40237B7-FDA0-4F09-8148-C483321AD2D9}">
+          <dgm14:cNvPr xmlns:dgm14="http://schemas.microsoft.com/office/drawing/2010/diagram" id="0" name="">
+            <a:hlinkClick xmlns:r="http://schemas.openxmlformats.org/officeDocument/2006/relationships" r:id="rId3" action="ppaction://hlinksldjump"/>
+          </dgm14:cNvPr>
+        </a:ext>
+      </dgm:extLst>
+    </dgm:pt>
+    <dgm:pt modelId="{939442A9-94A2-4AEE-B89C-5912307BD7D6}" type="parTrans" cxnId="{50570C18-1BF2-437A-970E-7E721BC6AF02}">
+      <dgm:prSet/>
+      <dgm:spPr/>
+    </dgm:pt>
+    <dgm:pt modelId="{BF58D76A-8793-4CE3-B9B7-CEBF1320B798}" type="sibTrans" cxnId="{50570C18-1BF2-437A-970E-7E721BC6AF02}">
+      <dgm:prSet/>
+      <dgm:spPr/>
+    </dgm:pt>
     <dgm:pt modelId="{6780949A-DF6F-4C5A-89AB-C4B8C10D1D1B}" type="pres">
       <dgm:prSet presAssocID="{1A670DD9-32F6-48D5-BFA2-520CBDB50244}" presName="linear" presStyleCnt="0">
         <dgm:presLayoutVars>
@@ -1922,7 +1954,7 @@
       <dgm:spPr/>
     </dgm:pt>
     <dgm:pt modelId="{DC99F1C6-F731-4DAA-98EC-D662E5C4AD5C}" type="pres">
-      <dgm:prSet presAssocID="{51F0A8B3-6ADB-4DC7-9DE0-EAC56789F7A6}" presName="parentText" presStyleLbl="node1" presStyleIdx="0" presStyleCnt="5">
+      <dgm:prSet presAssocID="{51F0A8B3-6ADB-4DC7-9DE0-EAC56789F7A6}" presName="parentText" presStyleLbl="node1" presStyleIdx="0" presStyleCnt="6">
         <dgm:presLayoutVars>
           <dgm:chMax val="0"/>
           <dgm:bulletEnabled val="1"/>
@@ -1935,7 +1967,7 @@
       <dgm:spPr/>
     </dgm:pt>
     <dgm:pt modelId="{1F4DAA4E-C6F3-4F7D-B65B-4975A15D4799}" type="pres">
-      <dgm:prSet presAssocID="{2AE402FC-0B90-4E53-8A0A-566C05A4A12D}" presName="parentText" presStyleLbl="node1" presStyleIdx="1" presStyleCnt="5">
+      <dgm:prSet presAssocID="{2AE402FC-0B90-4E53-8A0A-566C05A4A12D}" presName="parentText" presStyleLbl="node1" presStyleIdx="1" presStyleCnt="6">
         <dgm:presLayoutVars>
           <dgm:chMax val="0"/>
           <dgm:bulletEnabled val="1"/>
@@ -1948,7 +1980,7 @@
       <dgm:spPr/>
     </dgm:pt>
     <dgm:pt modelId="{42CC7156-DD9B-4F10-8E1F-37777CBEE279}" type="pres">
-      <dgm:prSet presAssocID="{6CD65B20-2A6D-4167-9ECD-836806C5748A}" presName="parentText" presStyleLbl="node1" presStyleIdx="2" presStyleCnt="5">
+      <dgm:prSet presAssocID="{6CD65B20-2A6D-4167-9ECD-836806C5748A}" presName="parentText" presStyleLbl="node1" presStyleIdx="2" presStyleCnt="6">
         <dgm:presLayoutVars>
           <dgm:chMax val="0"/>
           <dgm:bulletEnabled val="1"/>
@@ -1961,7 +1993,7 @@
       <dgm:spPr/>
     </dgm:pt>
     <dgm:pt modelId="{CF47DC6D-6253-48A2-AD4D-D20E2E292CFA}" type="pres">
-      <dgm:prSet presAssocID="{65DF6D19-5811-4EED-829B-B94841758B3B}" presName="parentText" presStyleLbl="node1" presStyleIdx="3" presStyleCnt="5">
+      <dgm:prSet presAssocID="{65DF6D19-5811-4EED-829B-B94841758B3B}" presName="parentText" presStyleLbl="node1" presStyleIdx="3" presStyleCnt="6">
         <dgm:presLayoutVars>
           <dgm:chMax val="0"/>
           <dgm:bulletEnabled val="1"/>
@@ -1974,7 +2006,20 @@
       <dgm:spPr/>
     </dgm:pt>
     <dgm:pt modelId="{4094FBA8-ACED-432D-8853-14D79619FD3B}" type="pres">
-      <dgm:prSet presAssocID="{E2F759F7-B38A-44C7-94C7-C246F0695B94}" presName="parentText" presStyleLbl="node1" presStyleIdx="4" presStyleCnt="5">
+      <dgm:prSet presAssocID="{E2F759F7-B38A-44C7-94C7-C246F0695B94}" presName="parentText" presStyleLbl="node1" presStyleIdx="4" presStyleCnt="6">
+        <dgm:presLayoutVars>
+          <dgm:chMax val="0"/>
+          <dgm:bulletEnabled val="1"/>
+        </dgm:presLayoutVars>
+      </dgm:prSet>
+      <dgm:spPr/>
+    </dgm:pt>
+    <dgm:pt modelId="{41860BC8-4F2F-4E46-A872-7A36D866881A}" type="pres">
+      <dgm:prSet presAssocID="{1257DFFB-D3BD-4838-B666-B4338237BD02}" presName="spacer" presStyleCnt="0"/>
+      <dgm:spPr/>
+    </dgm:pt>
+    <dgm:pt modelId="{77009F30-E6A6-4161-BE1D-10EADA5FF5DE}" type="pres">
+      <dgm:prSet presAssocID="{8CEE0D72-EFDE-4DC6-B82D-BBABC43FB627}" presName="parentText" presStyleLbl="node1" presStyleIdx="5" presStyleCnt="6">
         <dgm:presLayoutVars>
           <dgm:chMax val="0"/>
           <dgm:bulletEnabled val="1"/>
@@ -1986,12 +2031,14 @@
   <dgm:cxnLst>
     <dgm:cxn modelId="{6290B108-9F67-403B-879C-2F429C46A569}" type="presOf" srcId="{1A670DD9-32F6-48D5-BFA2-520CBDB50244}" destId="{6780949A-DF6F-4C5A-89AB-C4B8C10D1D1B}" srcOrd="0" destOrd="0" presId="urn:microsoft.com/office/officeart/2005/8/layout/vList2"/>
     <dgm:cxn modelId="{B952FE0E-8D75-4C17-8B93-4FEE3122031E}" type="presOf" srcId="{2AE402FC-0B90-4E53-8A0A-566C05A4A12D}" destId="{1F4DAA4E-C6F3-4F7D-B65B-4975A15D4799}" srcOrd="0" destOrd="0" presId="urn:microsoft.com/office/officeart/2005/8/layout/vList2"/>
+    <dgm:cxn modelId="{50570C18-1BF2-437A-970E-7E721BC6AF02}" srcId="{1A670DD9-32F6-48D5-BFA2-520CBDB50244}" destId="{8CEE0D72-EFDE-4DC6-B82D-BBABC43FB627}" srcOrd="5" destOrd="0" parTransId="{939442A9-94A2-4AEE-B89C-5912307BD7D6}" sibTransId="{BF58D76A-8793-4CE3-B9B7-CEBF1320B798}"/>
     <dgm:cxn modelId="{EA6E8027-A73E-43A2-937C-27308151E9E5}" srcId="{1A670DD9-32F6-48D5-BFA2-520CBDB50244}" destId="{65DF6D19-5811-4EED-829B-B94841758B3B}" srcOrd="3" destOrd="0" parTransId="{548213FA-BD32-40FF-92CB-2A21EAC2430C}" sibTransId="{80A63A4B-3490-40C5-92D5-892824777AE2}"/>
     <dgm:cxn modelId="{2D966129-57C5-427B-959D-6C3E59BC4D57}" srcId="{1A670DD9-32F6-48D5-BFA2-520CBDB50244}" destId="{6CD65B20-2A6D-4167-9ECD-836806C5748A}" srcOrd="2" destOrd="0" parTransId="{90A677A4-1825-4EFC-AAB5-B91CC9077C2D}" sibTransId="{390C899A-06BA-471E-9398-6E44A9A8D119}"/>
     <dgm:cxn modelId="{A968243E-0841-4881-822B-0CDDCD009F5C}" srcId="{1A670DD9-32F6-48D5-BFA2-520CBDB50244}" destId="{51F0A8B3-6ADB-4DC7-9DE0-EAC56789F7A6}" srcOrd="0" destOrd="0" parTransId="{58206B3C-148F-4EB1-893F-5DB395B18720}" sibTransId="{1A4064E6-4320-44F7-B451-14428CA16E2E}"/>
     <dgm:cxn modelId="{91BAEF63-6897-4358-899B-33F847D08093}" type="presOf" srcId="{65DF6D19-5811-4EED-829B-B94841758B3B}" destId="{CF47DC6D-6253-48A2-AD4D-D20E2E292CFA}" srcOrd="0" destOrd="0" presId="urn:microsoft.com/office/officeart/2005/8/layout/vList2"/>
     <dgm:cxn modelId="{F2A4FD6A-CFFE-4C97-9C9F-570922370681}" type="presOf" srcId="{6CD65B20-2A6D-4167-9ECD-836806C5748A}" destId="{42CC7156-DD9B-4F10-8E1F-37777CBEE279}" srcOrd="0" destOrd="0" presId="urn:microsoft.com/office/officeart/2005/8/layout/vList2"/>
     <dgm:cxn modelId="{311D4077-BBF3-49D8-A453-D13F55968CA6}" srcId="{1A670DD9-32F6-48D5-BFA2-520CBDB50244}" destId="{2AE402FC-0B90-4E53-8A0A-566C05A4A12D}" srcOrd="1" destOrd="0" parTransId="{36191A08-724E-4707-AF4B-672C465C46A6}" sibTransId="{FF2E04EA-A277-4315-807D-D941A414651E}"/>
+    <dgm:cxn modelId="{1CA983C3-E00B-468C-BE0D-108FFA070531}" type="presOf" srcId="{8CEE0D72-EFDE-4DC6-B82D-BBABC43FB627}" destId="{77009F30-E6A6-4161-BE1D-10EADA5FF5DE}" srcOrd="0" destOrd="0" presId="urn:microsoft.com/office/officeart/2005/8/layout/vList2"/>
     <dgm:cxn modelId="{EA2E6ECB-FE49-46E4-B743-D6A48E6A4F20}" type="presOf" srcId="{51F0A8B3-6ADB-4DC7-9DE0-EAC56789F7A6}" destId="{DC99F1C6-F731-4DAA-98EC-D662E5C4AD5C}" srcOrd="0" destOrd="0" presId="urn:microsoft.com/office/officeart/2005/8/layout/vList2"/>
     <dgm:cxn modelId="{95EA2AD7-2151-4B9D-A458-8C8E87045F07}" srcId="{1A670DD9-32F6-48D5-BFA2-520CBDB50244}" destId="{E2F759F7-B38A-44C7-94C7-C246F0695B94}" srcOrd="4" destOrd="0" parTransId="{20DFF3B6-A89C-49BA-A556-20C7DF14A916}" sibTransId="{1257DFFB-D3BD-4838-B666-B4338237BD02}"/>
     <dgm:cxn modelId="{065F9BE9-998D-40E0-BAE4-9F60AEEF8F30}" type="presOf" srcId="{E2F759F7-B38A-44C7-94C7-C246F0695B94}" destId="{4094FBA8-ACED-432D-8853-14D79619FD3B}" srcOrd="0" destOrd="0" presId="urn:microsoft.com/office/officeart/2005/8/layout/vList2"/>
@@ -2004,6 +2051,8 @@
     <dgm:cxn modelId="{5E1D7D35-DAD8-4603-A8AA-766A7139FDD2}" type="presParOf" srcId="{6780949A-DF6F-4C5A-89AB-C4B8C10D1D1B}" destId="{CF47DC6D-6253-48A2-AD4D-D20E2E292CFA}" srcOrd="6" destOrd="0" presId="urn:microsoft.com/office/officeart/2005/8/layout/vList2"/>
     <dgm:cxn modelId="{7FC0B48C-9224-4814-8006-5192D6CC38BC}" type="presParOf" srcId="{6780949A-DF6F-4C5A-89AB-C4B8C10D1D1B}" destId="{7967BFC0-15A9-4EDD-9330-606E883D7D26}" srcOrd="7" destOrd="0" presId="urn:microsoft.com/office/officeart/2005/8/layout/vList2"/>
     <dgm:cxn modelId="{A49DA119-00D6-4569-809E-536901AE812D}" type="presParOf" srcId="{6780949A-DF6F-4C5A-89AB-C4B8C10D1D1B}" destId="{4094FBA8-ACED-432D-8853-14D79619FD3B}" srcOrd="8" destOrd="0" presId="urn:microsoft.com/office/officeart/2005/8/layout/vList2"/>
+    <dgm:cxn modelId="{06D63F32-5D01-4B6A-8776-416537BA523F}" type="presParOf" srcId="{6780949A-DF6F-4C5A-89AB-C4B8C10D1D1B}" destId="{41860BC8-4F2F-4E46-A872-7A36D866881A}" srcOrd="9" destOrd="0" presId="urn:microsoft.com/office/officeart/2005/8/layout/vList2"/>
+    <dgm:cxn modelId="{04502656-93F0-4A92-B4AE-E477A57B98A0}" type="presParOf" srcId="{6780949A-DF6F-4C5A-89AB-C4B8C10D1D1B}" destId="{77009F30-E6A6-4161-BE1D-10EADA5FF5DE}" srcOrd="10" destOrd="0" presId="urn:microsoft.com/office/officeart/2005/8/layout/vList2"/>
   </dgm:cxnLst>
   <dgm:bg/>
   <dgm:whole/>
@@ -2358,8 +2407,8 @@
       </dsp:nvSpPr>
       <dsp:spPr>
         <a:xfrm>
-          <a:off x="0" y="39687"/>
-          <a:ext cx="10058399" cy="719549"/>
+          <a:off x="0" y="32487"/>
+          <a:ext cx="10058399" cy="599625"/>
         </a:xfrm>
         <a:prstGeom prst="roundRect">
           <a:avLst/>
@@ -2450,12 +2499,12 @@
         </a:fontRef>
       </dsp:style>
       <dsp:txBody>
-        <a:bodyPr spcFirstLastPara="0" vert="horz" wrap="square" lIns="114300" tIns="114300" rIns="114300" bIns="114300" numCol="1" spcCol="1270" anchor="ctr" anchorCtr="0">
+        <a:bodyPr spcFirstLastPara="0" vert="horz" wrap="square" lIns="95250" tIns="95250" rIns="95250" bIns="95250" numCol="1" spcCol="1270" anchor="ctr" anchorCtr="0">
           <a:noAutofit/>
         </a:bodyPr>
         <a:lstStyle/>
         <a:p>
-          <a:pPr marL="0" lvl="0" indent="0" algn="l" defTabSz="1333500">
+          <a:pPr marL="0" lvl="0" indent="0" algn="l" defTabSz="1111250">
             <a:lnSpc>
               <a:spcPct val="90000"/>
             </a:lnSpc>
@@ -2468,17 +2517,17 @@
             <a:buNone/>
           </a:pPr>
           <a:r>
-            <a:rPr lang="en-US" sz="3000" kern="1200" dirty="0">
+            <a:rPr lang="en-US" sz="2500" kern="1200" dirty="0">
               <a:hlinkClick xmlns:r="http://schemas.openxmlformats.org/officeDocument/2006/relationships" r:id="" action="ppaction://hlinksldjump"/>
             </a:rPr>
             <a:t>What is TkInter</a:t>
           </a:r>
-          <a:endParaRPr lang="en-US" sz="3000" kern="1200" dirty="0"/>
+          <a:endParaRPr lang="en-US" sz="2500" kern="1200" dirty="0"/>
         </a:p>
       </dsp:txBody>
       <dsp:txXfrm>
-        <a:off x="35125" y="74812"/>
-        <a:ext cx="9988149" cy="649299"/>
+        <a:off x="29271" y="61758"/>
+        <a:ext cx="9999857" cy="541083"/>
       </dsp:txXfrm>
     </dsp:sp>
     <dsp:sp modelId="{1F4DAA4E-C6F3-4F7D-B65B-4975A15D4799}">
@@ -2488,8 +2537,8 @@
       </dsp:nvSpPr>
       <dsp:spPr>
         <a:xfrm>
-          <a:off x="0" y="845637"/>
-          <a:ext cx="10058399" cy="719549"/>
+          <a:off x="0" y="704112"/>
+          <a:ext cx="10058399" cy="599625"/>
         </a:xfrm>
         <a:prstGeom prst="roundRect">
           <a:avLst/>
@@ -2580,12 +2629,12 @@
         </a:fontRef>
       </dsp:style>
       <dsp:txBody>
-        <a:bodyPr spcFirstLastPara="0" vert="horz" wrap="square" lIns="114300" tIns="114300" rIns="114300" bIns="114300" numCol="1" spcCol="1270" anchor="ctr" anchorCtr="0">
+        <a:bodyPr spcFirstLastPara="0" vert="horz" wrap="square" lIns="95250" tIns="95250" rIns="95250" bIns="95250" numCol="1" spcCol="1270" anchor="ctr" anchorCtr="0">
           <a:noAutofit/>
         </a:bodyPr>
         <a:lstStyle/>
         <a:p>
-          <a:pPr marL="0" lvl="0" indent="0" algn="l" defTabSz="1333500">
+          <a:pPr marL="0" lvl="0" indent="0" algn="l" defTabSz="1111250">
             <a:lnSpc>
               <a:spcPct val="90000"/>
             </a:lnSpc>
@@ -2598,17 +2647,17 @@
             <a:buNone/>
           </a:pPr>
           <a:r>
-            <a:rPr lang="en-US" sz="3000" kern="1200" dirty="0">
+            <a:rPr lang="en-US" sz="2500" kern="1200" dirty="0">
               <a:hlinkClick xmlns:r="http://schemas.openxmlformats.org/officeDocument/2006/relationships" r:id="" action="ppaction://hlinksldjump"/>
             </a:rPr>
             <a:t>Creating A Window and Canvas</a:t>
           </a:r>
-          <a:endParaRPr lang="en-US" sz="3000" kern="1200" dirty="0"/>
+          <a:endParaRPr lang="en-US" sz="2500" kern="1200" dirty="0"/>
         </a:p>
       </dsp:txBody>
       <dsp:txXfrm>
-        <a:off x="35125" y="880762"/>
-        <a:ext cx="9988149" cy="649299"/>
+        <a:off x="29271" y="733383"/>
+        <a:ext cx="9999857" cy="541083"/>
       </dsp:txXfrm>
     </dsp:sp>
     <dsp:sp modelId="{42CC7156-DD9B-4F10-8E1F-37777CBEE279}">
@@ -2618,8 +2667,8 @@
       </dsp:nvSpPr>
       <dsp:spPr>
         <a:xfrm>
-          <a:off x="0" y="1651587"/>
-          <a:ext cx="10058399" cy="719549"/>
+          <a:off x="0" y="1375737"/>
+          <a:ext cx="10058399" cy="599625"/>
         </a:xfrm>
         <a:prstGeom prst="roundRect">
           <a:avLst/>
@@ -2710,12 +2759,12 @@
         </a:fontRef>
       </dsp:style>
       <dsp:txBody>
-        <a:bodyPr spcFirstLastPara="0" vert="horz" wrap="square" lIns="114300" tIns="114300" rIns="114300" bIns="114300" numCol="1" spcCol="1270" anchor="ctr" anchorCtr="0">
+        <a:bodyPr spcFirstLastPara="0" vert="horz" wrap="square" lIns="95250" tIns="95250" rIns="95250" bIns="95250" numCol="1" spcCol="1270" anchor="ctr" anchorCtr="0">
           <a:noAutofit/>
         </a:bodyPr>
         <a:lstStyle/>
         <a:p>
-          <a:pPr marL="0" lvl="0" indent="0" algn="l" defTabSz="1333500">
+          <a:pPr marL="0" lvl="0" indent="0" algn="l" defTabSz="1111250">
             <a:lnSpc>
               <a:spcPct val="90000"/>
             </a:lnSpc>
@@ -2728,17 +2777,17 @@
             <a:buNone/>
           </a:pPr>
           <a:r>
-            <a:rPr lang="en-US" sz="3000" kern="1200" dirty="0">
+            <a:rPr lang="en-US" sz="2500" kern="1200" dirty="0">
               <a:hlinkClick xmlns:r="http://schemas.openxmlformats.org/officeDocument/2006/relationships" r:id="" action="ppaction://hlinksldjump"/>
             </a:rPr>
             <a:t>Basic Shapes</a:t>
           </a:r>
-          <a:endParaRPr lang="en-US" sz="3000" kern="1200" dirty="0"/>
+          <a:endParaRPr lang="en-US" sz="2500" kern="1200" dirty="0"/>
         </a:p>
       </dsp:txBody>
       <dsp:txXfrm>
-        <a:off x="35125" y="1686712"/>
-        <a:ext cx="9988149" cy="649299"/>
+        <a:off x="29271" y="1405008"/>
+        <a:ext cx="9999857" cy="541083"/>
       </dsp:txXfrm>
     </dsp:sp>
     <dsp:sp modelId="{CF47DC6D-6253-48A2-AD4D-D20E2E292CFA}">
@@ -2748,8 +2797,8 @@
       </dsp:nvSpPr>
       <dsp:spPr>
         <a:xfrm>
-          <a:off x="0" y="2457537"/>
-          <a:ext cx="10058399" cy="719549"/>
+          <a:off x="0" y="2047362"/>
+          <a:ext cx="10058399" cy="599625"/>
         </a:xfrm>
         <a:prstGeom prst="roundRect">
           <a:avLst/>
@@ -2840,12 +2889,12 @@
         </a:fontRef>
       </dsp:style>
       <dsp:txBody>
-        <a:bodyPr spcFirstLastPara="0" vert="horz" wrap="square" lIns="114300" tIns="114300" rIns="114300" bIns="114300" numCol="1" spcCol="1270" anchor="ctr" anchorCtr="0">
+        <a:bodyPr spcFirstLastPara="0" vert="horz" wrap="square" lIns="95250" tIns="95250" rIns="95250" bIns="95250" numCol="1" spcCol="1270" anchor="ctr" anchorCtr="0">
           <a:noAutofit/>
         </a:bodyPr>
         <a:lstStyle/>
         <a:p>
-          <a:pPr marL="0" lvl="0" indent="0" algn="l" defTabSz="1333500">
+          <a:pPr marL="0" lvl="0" indent="0" algn="l" defTabSz="1111250">
             <a:lnSpc>
               <a:spcPct val="90000"/>
             </a:lnSpc>
@@ -2858,17 +2907,17 @@
             <a:buNone/>
           </a:pPr>
           <a:r>
-            <a:rPr lang="en-US" sz="3000" kern="1200" dirty="0">
+            <a:rPr lang="en-US" sz="2500" kern="1200" dirty="0">
               <a:hlinkClick xmlns:r="http://schemas.openxmlformats.org/officeDocument/2006/relationships" r:id="" action="ppaction://hlinksldjump"/>
             </a:rPr>
             <a:t>Colors</a:t>
           </a:r>
-          <a:endParaRPr lang="en-US" sz="3000" kern="1200" dirty="0"/>
+          <a:endParaRPr lang="en-US" sz="2500" kern="1200" dirty="0"/>
         </a:p>
       </dsp:txBody>
       <dsp:txXfrm>
-        <a:off x="35125" y="2492662"/>
-        <a:ext cx="9988149" cy="649299"/>
+        <a:off x="29271" y="2076633"/>
+        <a:ext cx="9999857" cy="541083"/>
       </dsp:txXfrm>
     </dsp:sp>
     <dsp:sp modelId="{4094FBA8-ACED-432D-8853-14D79619FD3B}">
@@ -2878,8 +2927,8 @@
       </dsp:nvSpPr>
       <dsp:spPr>
         <a:xfrm>
-          <a:off x="0" y="3263487"/>
-          <a:ext cx="10058399" cy="719549"/>
+          <a:off x="0" y="2718987"/>
+          <a:ext cx="10058399" cy="599625"/>
         </a:xfrm>
         <a:prstGeom prst="roundRect">
           <a:avLst/>
@@ -2970,12 +3019,12 @@
         </a:fontRef>
       </dsp:style>
       <dsp:txBody>
-        <a:bodyPr spcFirstLastPara="0" vert="horz" wrap="square" lIns="114300" tIns="114300" rIns="114300" bIns="114300" numCol="1" spcCol="1270" anchor="ctr" anchorCtr="0">
+        <a:bodyPr spcFirstLastPara="0" vert="horz" wrap="square" lIns="95250" tIns="95250" rIns="95250" bIns="95250" numCol="1" spcCol="1270" anchor="ctr" anchorCtr="0">
           <a:noAutofit/>
         </a:bodyPr>
         <a:lstStyle/>
         <a:p>
-          <a:pPr marL="0" lvl="0" indent="0" algn="l" defTabSz="1333500">
+          <a:pPr marL="0" lvl="0" indent="0" algn="l" defTabSz="1111250">
             <a:lnSpc>
               <a:spcPct val="90000"/>
             </a:lnSpc>
@@ -2988,17 +3037,147 @@
             <a:buNone/>
           </a:pPr>
           <a:r>
-            <a:rPr lang="en-US" sz="3000" kern="1200" dirty="0">
+            <a:rPr lang="en-US" sz="2500" kern="1200" dirty="0">
               <a:hlinkClick xmlns:r="http://schemas.openxmlformats.org/officeDocument/2006/relationships" r:id="" action="ppaction://hlinksldjump"/>
             </a:rPr>
             <a:t>The End</a:t>
           </a:r>
-          <a:endParaRPr lang="en-US" sz="3000" kern="1200" dirty="0"/>
+          <a:endParaRPr lang="en-US" sz="2500" kern="1200" dirty="0"/>
         </a:p>
       </dsp:txBody>
       <dsp:txXfrm>
-        <a:off x="35125" y="3298612"/>
-        <a:ext cx="9988149" cy="649299"/>
+        <a:off x="29271" y="2748258"/>
+        <a:ext cx="9999857" cy="541083"/>
+      </dsp:txXfrm>
+    </dsp:sp>
+    <dsp:sp modelId="{77009F30-E6A6-4161-BE1D-10EADA5FF5DE}">
+      <dsp:nvSpPr>
+        <dsp:cNvPr id="0" name=""/>
+        <dsp:cNvSpPr/>
+      </dsp:nvSpPr>
+      <dsp:spPr>
+        <a:xfrm>
+          <a:off x="0" y="3390612"/>
+          <a:ext cx="10058399" cy="599625"/>
+        </a:xfrm>
+        <a:prstGeom prst="roundRect">
+          <a:avLst/>
+        </a:prstGeom>
+        <a:gradFill rotWithShape="0">
+          <a:gsLst>
+            <a:gs pos="0">
+              <a:schemeClr val="lt1">
+                <a:hueOff val="0"/>
+                <a:satOff val="0"/>
+                <a:lumOff val="0"/>
+                <a:alphaOff val="0"/>
+                <a:shade val="85000"/>
+                <a:satMod val="130000"/>
+              </a:schemeClr>
+            </a:gs>
+            <a:gs pos="34000">
+              <a:schemeClr val="lt1">
+                <a:hueOff val="0"/>
+                <a:satOff val="0"/>
+                <a:lumOff val="0"/>
+                <a:alphaOff val="0"/>
+                <a:shade val="87000"/>
+                <a:satMod val="125000"/>
+              </a:schemeClr>
+            </a:gs>
+            <a:gs pos="70000">
+              <a:schemeClr val="lt1">
+                <a:hueOff val="0"/>
+                <a:satOff val="0"/>
+                <a:lumOff val="0"/>
+                <a:alphaOff val="0"/>
+                <a:tint val="100000"/>
+                <a:shade val="90000"/>
+                <a:satMod val="130000"/>
+              </a:schemeClr>
+            </a:gs>
+            <a:gs pos="100000">
+              <a:schemeClr val="lt1">
+                <a:hueOff val="0"/>
+                <a:satOff val="0"/>
+                <a:lumOff val="0"/>
+                <a:alphaOff val="0"/>
+                <a:tint val="100000"/>
+                <a:shade val="100000"/>
+                <a:satMod val="110000"/>
+              </a:schemeClr>
+            </a:gs>
+          </a:gsLst>
+          <a:path path="circle">
+            <a:fillToRect l="100000" t="100000" r="100000" b="100000"/>
+          </a:path>
+        </a:gradFill>
+        <a:ln>
+          <a:noFill/>
+        </a:ln>
+        <a:effectLst>
+          <a:outerShdw blurRad="44450" dist="25400" dir="2700000" algn="br" rotWithShape="0">
+            <a:srgbClr val="000000">
+              <a:alpha val="60000"/>
+            </a:srgbClr>
+          </a:outerShdw>
+        </a:effectLst>
+        <a:scene3d>
+          <a:camera prst="orthographicFront">
+            <a:rot lat="0" lon="0" rev="0"/>
+          </a:camera>
+          <a:lightRig rig="threePt" dir="t">
+            <a:rot lat="0" lon="0" rev="19800000"/>
+          </a:lightRig>
+        </a:scene3d>
+        <a:sp3d prstMaterial="flat">
+          <a:bevelT w="25400" h="31750"/>
+        </a:sp3d>
+      </dsp:spPr>
+      <dsp:style>
+        <a:lnRef idx="0">
+          <a:scrgbClr r="0" g="0" b="0"/>
+        </a:lnRef>
+        <a:fillRef idx="3">
+          <a:scrgbClr r="0" g="0" b="0"/>
+        </a:fillRef>
+        <a:effectRef idx="3">
+          <a:scrgbClr r="0" g="0" b="0"/>
+        </a:effectRef>
+        <a:fontRef idx="minor">
+          <a:schemeClr val="lt1"/>
+        </a:fontRef>
+      </dsp:style>
+      <dsp:txBody>
+        <a:bodyPr spcFirstLastPara="0" vert="horz" wrap="square" lIns="95250" tIns="95250" rIns="95250" bIns="95250" numCol="1" spcCol="1270" anchor="ctr" anchorCtr="0">
+          <a:noAutofit/>
+        </a:bodyPr>
+        <a:lstStyle/>
+        <a:p>
+          <a:pPr marL="0" lvl="0" indent="0" algn="l" defTabSz="1111250">
+            <a:lnSpc>
+              <a:spcPct val="90000"/>
+            </a:lnSpc>
+            <a:spcBef>
+              <a:spcPct val="0"/>
+            </a:spcBef>
+            <a:spcAft>
+              <a:spcPct val="35000"/>
+            </a:spcAft>
+            <a:buNone/>
+          </a:pPr>
+          <a:r>
+            <a:rPr lang="en-US" sz="2500" kern="1200" dirty="0">
+              <a:hlinkClick xmlns:r="http://schemas.openxmlformats.org/officeDocument/2006/relationships" r:id="" action="ppaction://hlinksldjump"/>
+            </a:rPr>
+            <a:t>Do It Yourself</a:t>
+          </a:r>
+          <a:endParaRPr lang="en-US" sz="2500" kern="1200" dirty="0"/>
+        </a:p>
+      </dsp:txBody>
+      <dsp:txXfrm>
+        <a:off x="29271" y="3419883"/>
+        <a:ext cx="9999857" cy="541083"/>
       </dsp:txXfrm>
     </dsp:sp>
   </dsp:spTree>
@@ -6345,7 +6524,7 @@
           <a:p>
             <a:fld id="{51226A56-1B56-4174-BCA2-14A440C95A77}" type="datetimeFigureOut">
               <a:rPr lang="en-US" smtClean="0"/>
-              <a:t>4/30/2024</a:t>
+              <a:t>5/3/2024</a:t>
             </a:fld>
             <a:endParaRPr lang="en-US"/>
           </a:p>
@@ -7006,7 +7185,7 @@
           <a:p>
             <a:fld id="{01099485-0337-425C-86BB-161F1675C34B}" type="datetimeFigureOut">
               <a:rPr lang="en-US" smtClean="0"/>
-              <a:t>4/30/2024</a:t>
+              <a:t>5/3/2024</a:t>
             </a:fld>
             <a:endParaRPr lang="en-US"/>
           </a:p>
@@ -7214,7 +7393,7 @@
           <a:p>
             <a:fld id="{01099485-0337-425C-86BB-161F1675C34B}" type="datetimeFigureOut">
               <a:rPr lang="en-US" smtClean="0"/>
-              <a:t>4/30/2024</a:t>
+              <a:t>5/3/2024</a:t>
             </a:fld>
             <a:endParaRPr lang="en-US"/>
           </a:p>
@@ -7470,7 +7649,7 @@
           <a:p>
             <a:fld id="{01099485-0337-425C-86BB-161F1675C34B}" type="datetimeFigureOut">
               <a:rPr lang="en-US" smtClean="0"/>
-              <a:t>4/30/2024</a:t>
+              <a:t>5/3/2024</a:t>
             </a:fld>
             <a:endParaRPr lang="en-US"/>
           </a:p>
@@ -7644,7 +7823,7 @@
           <a:p>
             <a:fld id="{01099485-0337-425C-86BB-161F1675C34B}" type="datetimeFigureOut">
               <a:rPr lang="en-US" smtClean="0"/>
-              <a:t>4/30/2024</a:t>
+              <a:t>5/3/2024</a:t>
             </a:fld>
             <a:endParaRPr lang="en-US"/>
           </a:p>
@@ -7987,7 +8166,7 @@
           <a:p>
             <a:fld id="{01099485-0337-425C-86BB-161F1675C34B}" type="datetimeFigureOut">
               <a:rPr lang="en-US" smtClean="0"/>
-              <a:t>4/30/2024</a:t>
+              <a:t>5/3/2024</a:t>
             </a:fld>
             <a:endParaRPr lang="en-US"/>
           </a:p>
@@ -8262,7 +8441,7 @@
           <a:p>
             <a:fld id="{01099485-0337-425C-86BB-161F1675C34B}" type="datetimeFigureOut">
               <a:rPr lang="en-US" smtClean="0"/>
-              <a:t>4/30/2024</a:t>
+              <a:t>5/3/2024</a:t>
             </a:fld>
             <a:endParaRPr lang="en-US"/>
           </a:p>
@@ -8641,7 +8820,7 @@
           <a:p>
             <a:fld id="{01099485-0337-425C-86BB-161F1675C34B}" type="datetimeFigureOut">
               <a:rPr lang="en-US" smtClean="0"/>
-              <a:t>4/30/2024</a:t>
+              <a:t>5/3/2024</a:t>
             </a:fld>
             <a:endParaRPr lang="en-US"/>
           </a:p>
@@ -8759,7 +8938,7 @@
           <a:p>
             <a:fld id="{01099485-0337-425C-86BB-161F1675C34B}" type="datetimeFigureOut">
               <a:rPr lang="en-US" smtClean="0"/>
-              <a:t>4/30/2024</a:t>
+              <a:t>5/3/2024</a:t>
             </a:fld>
             <a:endParaRPr lang="en-US"/>
           </a:p>
@@ -8930,7 +9109,7 @@
           <a:p>
             <a:fld id="{01099485-0337-425C-86BB-161F1675C34B}" type="datetimeFigureOut">
               <a:rPr lang="en-US" smtClean="0"/>
-              <a:t>4/30/2024</a:t>
+              <a:t>5/3/2024</a:t>
             </a:fld>
             <a:endParaRPr lang="en-US"/>
           </a:p>
@@ -9284,7 +9463,7 @@
           <a:p>
             <a:fld id="{01099485-0337-425C-86BB-161F1675C34B}" type="datetimeFigureOut">
               <a:rPr lang="en-US" smtClean="0"/>
-              <a:t>4/30/2024</a:t>
+              <a:t>5/3/2024</a:t>
             </a:fld>
             <a:endParaRPr lang="en-US"/>
           </a:p>
@@ -9666,7 +9845,7 @@
           <a:p>
             <a:fld id="{01099485-0337-425C-86BB-161F1675C34B}" type="datetimeFigureOut">
               <a:rPr lang="en-US" smtClean="0"/>
-              <a:t>4/30/2024</a:t>
+              <a:t>5/3/2024</a:t>
             </a:fld>
             <a:endParaRPr lang="en-US"/>
           </a:p>
@@ -9953,7 +10132,7 @@
           <a:p>
             <a:fld id="{01099485-0337-425C-86BB-161F1675C34B}" type="datetimeFigureOut">
               <a:rPr lang="en-US" smtClean="0"/>
-              <a:t>4/30/2024</a:t>
+              <a:t>5/3/2024</a:t>
             </a:fld>
             <a:endParaRPr lang="en-US"/>
           </a:p>
@@ -11286,6 +11465,14 @@
 <file path=ppt/slides/slide14.xml><?xml version="1.0" encoding="utf-8"?>
 <p:sld xmlns:a="http://schemas.openxmlformats.org/drawingml/2006/main" xmlns:r="http://schemas.openxmlformats.org/officeDocument/2006/relationships" xmlns:p="http://schemas.openxmlformats.org/presentationml/2006/main">
   <p:cSld>
+    <p:bg>
+      <p:bgPr>
+        <a:solidFill>
+          <a:schemeClr val="bg1"/>
+        </a:solidFill>
+        <a:effectLst/>
+      </p:bgPr>
+    </p:bg>
     <p:spTree>
       <p:nvGrpSpPr>
         <p:cNvPr id="1" name=""/>
@@ -11300,6 +11487,245 @@
           <a:chExt cx="0" cy="0"/>
         </a:xfrm>
       </p:grpSpPr>
+      <p:sp>
+        <p:nvSpPr>
+          <p:cNvPr id="11" name="Rectangle 10">
+            <a:extLst>
+              <a:ext uri="{FF2B5EF4-FFF2-40B4-BE49-F238E27FC236}">
+                <a16:creationId xmlns:a16="http://schemas.microsoft.com/office/drawing/2014/main" id="{25C8D2C1-DA83-420D-9635-D52CE066B5DA}"/>
+              </a:ext>
+              <a:ext uri="{C183D7F6-B498-43B3-948B-1728B52AA6E4}">
+                <adec:decorative xmlns:adec="http://schemas.microsoft.com/office/drawing/2017/decorative" val="1"/>
+              </a:ext>
+            </a:extLst>
+          </p:cNvPr>
+          <p:cNvSpPr>
+            <a:spLocks noGrp="1" noRot="1" noChangeAspect="1" noMove="1" noResize="1" noEditPoints="1" noAdjustHandles="1" noChangeArrowheads="1" noChangeShapeType="1" noTextEdit="1"/>
+          </p:cNvSpPr>
+          <p:nvPr>
+            <p:extLst>
+              <p:ext uri="{386F3935-93C4-4BCD-93E2-E3B085C9AB24}">
+                <p16:designElem xmlns:p16="http://schemas.microsoft.com/office/powerpoint/2015/main" val="1"/>
+              </p:ext>
+            </p:extLst>
+          </p:nvPr>
+        </p:nvSpPr>
+        <p:spPr>
+          <a:xfrm>
+            <a:off x="3175" y="6400800"/>
+            <a:ext cx="12188825" cy="457200"/>
+          </a:xfrm>
+          <a:prstGeom prst="rect">
+            <a:avLst/>
+          </a:prstGeom>
+          <a:solidFill>
+            <a:schemeClr val="accent2"/>
+          </a:solidFill>
+          <a:ln>
+            <a:noFill/>
+          </a:ln>
+        </p:spPr>
+        <p:style>
+          <a:lnRef idx="2">
+            <a:schemeClr val="accent1">
+              <a:shade val="50000"/>
+            </a:schemeClr>
+          </a:lnRef>
+          <a:fillRef idx="1">
+            <a:schemeClr val="accent1"/>
+          </a:fillRef>
+          <a:effectRef idx="0">
+            <a:schemeClr val="accent1"/>
+          </a:effectRef>
+          <a:fontRef idx="minor">
+            <a:schemeClr val="lt1"/>
+          </a:fontRef>
+        </p:style>
+        <p:txBody>
+          <a:bodyPr/>
+          <a:lstStyle/>
+          <a:p>
+            <a:endParaRPr lang="en-US"/>
+          </a:p>
+        </p:txBody>
+      </p:sp>
+      <p:sp>
+        <p:nvSpPr>
+          <p:cNvPr id="13" name="Rectangle 12">
+            <a:extLst>
+              <a:ext uri="{FF2B5EF4-FFF2-40B4-BE49-F238E27FC236}">
+                <a16:creationId xmlns:a16="http://schemas.microsoft.com/office/drawing/2014/main" id="{434F74C9-6A0B-409E-AD1C-45B58BE91BB8}"/>
+              </a:ext>
+              <a:ext uri="{C183D7F6-B498-43B3-948B-1728B52AA6E4}">
+                <adec:decorative xmlns:adec="http://schemas.microsoft.com/office/drawing/2017/decorative" val="1"/>
+              </a:ext>
+            </a:extLst>
+          </p:cNvPr>
+          <p:cNvSpPr>
+            <a:spLocks noGrp="1" noRot="1" noChangeAspect="1" noMove="1" noResize="1" noEditPoints="1" noAdjustHandles="1" noChangeArrowheads="1" noChangeShapeType="1" noTextEdit="1"/>
+          </p:cNvSpPr>
+          <p:nvPr>
+            <p:extLst>
+              <p:ext uri="{386F3935-93C4-4BCD-93E2-E3B085C9AB24}">
+                <p16:designElem xmlns:p16="http://schemas.microsoft.com/office/powerpoint/2015/main" val="1"/>
+              </p:ext>
+            </p:extLst>
+          </p:nvPr>
+        </p:nvSpPr>
+        <p:spPr>
+          <a:xfrm>
+            <a:off x="15" y="6334316"/>
+            <a:ext cx="12188825" cy="64008"/>
+          </a:xfrm>
+          <a:prstGeom prst="rect">
+            <a:avLst/>
+          </a:prstGeom>
+          <a:solidFill>
+            <a:schemeClr val="accent1"/>
+          </a:solidFill>
+          <a:ln>
+            <a:noFill/>
+          </a:ln>
+        </p:spPr>
+        <p:style>
+          <a:lnRef idx="2">
+            <a:schemeClr val="accent1">
+              <a:shade val="50000"/>
+            </a:schemeClr>
+          </a:lnRef>
+          <a:fillRef idx="1">
+            <a:schemeClr val="accent1"/>
+          </a:fillRef>
+          <a:effectRef idx="0">
+            <a:schemeClr val="accent1"/>
+          </a:effectRef>
+          <a:fontRef idx="minor">
+            <a:schemeClr val="lt1"/>
+          </a:fontRef>
+        </p:style>
+        <p:txBody>
+          <a:bodyPr/>
+          <a:lstStyle/>
+          <a:p>
+            <a:endParaRPr lang="en-US"/>
+          </a:p>
+        </p:txBody>
+      </p:sp>
+      <p:cxnSp>
+        <p:nvCxnSpPr>
+          <p:cNvPr id="15" name="Straight Connector 14">
+            <a:extLst>
+              <a:ext uri="{FF2B5EF4-FFF2-40B4-BE49-F238E27FC236}">
+                <a16:creationId xmlns:a16="http://schemas.microsoft.com/office/drawing/2014/main" id="{F5486A9D-1265-4B57-91E6-68E666B978BC}"/>
+              </a:ext>
+              <a:ext uri="{C183D7F6-B498-43B3-948B-1728B52AA6E4}">
+                <adec:decorative xmlns:adec="http://schemas.microsoft.com/office/drawing/2017/decorative" val="1"/>
+              </a:ext>
+            </a:extLst>
+          </p:cNvPr>
+          <p:cNvCxnSpPr>
+            <a:cxnSpLocks noGrp="1" noRot="1" noChangeAspect="1" noMove="1" noResize="1" noEditPoints="1" noAdjustHandles="1" noChangeArrowheads="1" noChangeShapeType="1"/>
+          </p:cNvCxnSpPr>
+          <p:nvPr>
+            <p:extLst>
+              <p:ext uri="{386F3935-93C4-4BCD-93E2-E3B085C9AB24}">
+                <p16:designElem xmlns:p16="http://schemas.microsoft.com/office/powerpoint/2015/main" val="1"/>
+              </p:ext>
+            </p:extLst>
+          </p:nvPr>
+        </p:nvCxnSpPr>
+        <p:spPr>
+          <a:xfrm>
+            <a:off x="1207658" y="4343400"/>
+            <a:ext cx="9875520" cy="0"/>
+          </a:xfrm>
+          <a:prstGeom prst="line">
+            <a:avLst/>
+          </a:prstGeom>
+          <a:ln w="6350">
+            <a:solidFill>
+              <a:schemeClr val="tx1">
+                <a:lumMod val="50000"/>
+                <a:lumOff val="50000"/>
+              </a:schemeClr>
+            </a:solidFill>
+          </a:ln>
+        </p:spPr>
+        <p:style>
+          <a:lnRef idx="1">
+            <a:schemeClr val="accent1"/>
+          </a:lnRef>
+          <a:fillRef idx="0">
+            <a:schemeClr val="accent1"/>
+          </a:fillRef>
+          <a:effectRef idx="0">
+            <a:schemeClr val="accent1"/>
+          </a:effectRef>
+          <a:fontRef idx="minor">
+            <a:schemeClr val="tx1"/>
+          </a:fontRef>
+        </p:style>
+      </p:cxnSp>
+      <p:sp useBgFill="1">
+        <p:nvSpPr>
+          <p:cNvPr id="17" name="Rectangle 16">
+            <a:extLst>
+              <a:ext uri="{FF2B5EF4-FFF2-40B4-BE49-F238E27FC236}">
+                <a16:creationId xmlns:a16="http://schemas.microsoft.com/office/drawing/2014/main" id="{A9286AD2-18A9-4868-A4E3-7A2097A20810}"/>
+              </a:ext>
+              <a:ext uri="{C183D7F6-B498-43B3-948B-1728B52AA6E4}">
+                <adec:decorative xmlns:adec="http://schemas.microsoft.com/office/drawing/2017/decorative" val="1"/>
+              </a:ext>
+            </a:extLst>
+          </p:cNvPr>
+          <p:cNvSpPr>
+            <a:spLocks noGrp="1" noRot="1" noChangeAspect="1" noMove="1" noResize="1" noEditPoints="1" noAdjustHandles="1" noChangeArrowheads="1" noChangeShapeType="1" noTextEdit="1"/>
+          </p:cNvSpPr>
+          <p:nvPr>
+            <p:extLst>
+              <p:ext uri="{386F3935-93C4-4BCD-93E2-E3B085C9AB24}">
+                <p16:designElem xmlns:p16="http://schemas.microsoft.com/office/powerpoint/2015/main" val="1"/>
+              </p:ext>
+            </p:extLst>
+          </p:nvPr>
+        </p:nvSpPr>
+        <p:spPr>
+          <a:xfrm>
+            <a:off x="0" y="-1"/>
+            <a:ext cx="12192001" cy="6857999"/>
+          </a:xfrm>
+          <a:prstGeom prst="rect">
+            <a:avLst/>
+          </a:prstGeom>
+          <a:ln>
+            <a:noFill/>
+          </a:ln>
+        </p:spPr>
+        <p:style>
+          <a:lnRef idx="2">
+            <a:schemeClr val="accent1">
+              <a:shade val="50000"/>
+            </a:schemeClr>
+          </a:lnRef>
+          <a:fillRef idx="1">
+            <a:schemeClr val="accent1"/>
+          </a:fillRef>
+          <a:effectRef idx="0">
+            <a:schemeClr val="accent1"/>
+          </a:effectRef>
+          <a:fontRef idx="minor">
+            <a:schemeClr val="lt1"/>
+          </a:fontRef>
+        </p:style>
+        <p:txBody>
+          <a:bodyPr rtlCol="0" anchor="ctr"/>
+          <a:lstStyle/>
+          <a:p>
+            <a:pPr algn="ctr"/>
+            <a:endParaRPr lang="en-US"/>
+          </a:p>
+        </p:txBody>
+      </p:sp>
       <p:sp>
         <p:nvSpPr>
           <p:cNvPr id="2" name="Title 1">
@@ -11318,18 +11744,25 @@
         </p:nvSpPr>
         <p:spPr>
           <a:xfrm>
-            <a:off x="4145280" y="207945"/>
-            <a:ext cx="3907339" cy="1450757"/>
+            <a:off x="5289754" y="639097"/>
+            <a:ext cx="6253317" cy="3686015"/>
           </a:xfrm>
         </p:spPr>
         <p:txBody>
-          <a:bodyPr>
-            <a:normAutofit fontScale="90000"/>
+          <a:bodyPr vert="horz" lIns="91440" tIns="45720" rIns="91440" bIns="45720" rtlCol="0" anchor="b">
+            <a:normAutofit/>
           </a:bodyPr>
           <a:lstStyle/>
           <a:p>
             <a:r>
-              <a:rPr lang="en-US" sz="9600" dirty="0"/>
+              <a:rPr lang="en-US" sz="8000" dirty="0">
+                <a:solidFill>
+                  <a:schemeClr val="tx1">
+                    <a:lumMod val="85000"/>
+                    <a:lumOff val="15000"/>
+                  </a:schemeClr>
+                </a:solidFill>
+              </a:rPr>
               <a:t>The End</a:t>
             </a:r>
           </a:p>
@@ -11353,13 +11786,13 @@
         </p:nvSpPr>
         <p:spPr>
           <a:xfrm>
-            <a:off x="3916188" y="2921273"/>
-            <a:ext cx="4359623" cy="1015453"/>
+            <a:off x="5289753" y="4455621"/>
+            <a:ext cx="6269347" cy="1238616"/>
           </a:xfrm>
         </p:spPr>
         <p:txBody>
-          <a:bodyPr>
-            <a:noAutofit/>
+          <a:bodyPr vert="horz" lIns="91440" tIns="45720" rIns="91440" bIns="45720" rtlCol="0">
+            <a:normAutofit/>
           </a:bodyPr>
           <a:lstStyle/>
           <a:p>
@@ -11367,16 +11800,107 @@
               <a:buNone/>
             </a:pPr>
             <a:r>
-              <a:rPr lang="en-US" sz="7200" dirty="0"/>
+              <a:rPr lang="en-US" sz="2400" cap="all" spc="200">
+                <a:solidFill>
+                  <a:schemeClr val="tx1">
+                    <a:lumMod val="85000"/>
+                    <a:lumOff val="15000"/>
+                  </a:schemeClr>
+                </a:solidFill>
+                <a:latin typeface="+mj-lt"/>
+              </a:rPr>
               <a:t>Questions?</a:t>
             </a:r>
           </a:p>
         </p:txBody>
       </p:sp>
+      <p:pic>
+        <p:nvPicPr>
+          <p:cNvPr id="7" name="Picture 6" descr="Question marks in a line and one question mark is lit">
+            <a:extLst>
+              <a:ext uri="{FF2B5EF4-FFF2-40B4-BE49-F238E27FC236}">
+                <a16:creationId xmlns:a16="http://schemas.microsoft.com/office/drawing/2014/main" id="{994872B3-928A-3ADC-6174-B1F99040063D}"/>
+              </a:ext>
+            </a:extLst>
+          </p:cNvPr>
+          <p:cNvPicPr>
+            <a:picLocks noChangeAspect="1"/>
+          </p:cNvPicPr>
+          <p:nvPr/>
+        </p:nvPicPr>
+        <p:blipFill rotWithShape="1">
+          <a:blip r:embed="rId2"/>
+          <a:srcRect l="4984" r="49899" b="-1"/>
+          <a:stretch/>
+        </p:blipFill>
+        <p:spPr>
+          <a:xfrm>
+            <a:off x="-1" y="10"/>
+            <a:ext cx="4635315" cy="6857989"/>
+          </a:xfrm>
+          <a:prstGeom prst="rect">
+            <a:avLst/>
+          </a:prstGeom>
+        </p:spPr>
+      </p:pic>
+      <p:cxnSp>
+        <p:nvCxnSpPr>
+          <p:cNvPr id="19" name="Straight Connector 18">
+            <a:extLst>
+              <a:ext uri="{FF2B5EF4-FFF2-40B4-BE49-F238E27FC236}">
+                <a16:creationId xmlns:a16="http://schemas.microsoft.com/office/drawing/2014/main" id="{E7A7CD63-7EC3-44F3-95D0-595C4019FF24}"/>
+              </a:ext>
+              <a:ext uri="{C183D7F6-B498-43B3-948B-1728B52AA6E4}">
+                <adec:decorative xmlns:adec="http://schemas.microsoft.com/office/drawing/2017/decorative" val="1"/>
+              </a:ext>
+            </a:extLst>
+          </p:cNvPr>
+          <p:cNvCxnSpPr>
+            <a:cxnSpLocks noGrp="1" noRot="1" noChangeAspect="1" noMove="1" noResize="1" noEditPoints="1" noAdjustHandles="1" noChangeArrowheads="1" noChangeShapeType="1"/>
+          </p:cNvCxnSpPr>
+          <p:nvPr>
+            <p:extLst>
+              <p:ext uri="{386F3935-93C4-4BCD-93E2-E3B085C9AB24}">
+                <p16:designElem xmlns:p16="http://schemas.microsoft.com/office/powerpoint/2015/main" val="1"/>
+              </p:ext>
+            </p:extLst>
+          </p:nvPr>
+        </p:nvCxnSpPr>
+        <p:spPr>
+          <a:xfrm>
+            <a:off x="5447071" y="4343400"/>
+            <a:ext cx="5636107" cy="0"/>
+          </a:xfrm>
+          <a:prstGeom prst="line">
+            <a:avLst/>
+          </a:prstGeom>
+          <a:ln w="6350">
+            <a:solidFill>
+              <a:schemeClr val="tx2">
+                <a:alpha val="90000"/>
+              </a:schemeClr>
+            </a:solidFill>
+          </a:ln>
+        </p:spPr>
+        <p:style>
+          <a:lnRef idx="1">
+            <a:schemeClr val="accent1"/>
+          </a:lnRef>
+          <a:fillRef idx="0">
+            <a:schemeClr val="accent1"/>
+          </a:fillRef>
+          <a:effectRef idx="0">
+            <a:schemeClr val="accent1"/>
+          </a:effectRef>
+          <a:fontRef idx="minor">
+            <a:schemeClr val="tx1"/>
+          </a:fontRef>
+        </p:style>
+      </p:cxnSp>
       <p:sp>
         <p:nvSpPr>
           <p:cNvPr id="5" name="Arrow: U-Turn 4">
-            <a:hlinkClick r:id="rId2" action="ppaction://hlinksldjump"/>
+            <a:hlinkClick r:id="" action="ppaction://noaction"/>
             <a:extLst>
               <a:ext uri="{FF2B5EF4-FFF2-40B4-BE49-F238E27FC236}">
                 <a16:creationId xmlns:a16="http://schemas.microsoft.com/office/drawing/2014/main" id="{16ACEDCB-BB55-C0A4-12A4-14FC4DA7606E}"/>
@@ -11436,12 +11960,12 @@
   </p:clrMapOvr>
   <mc:AlternateContent xmlns:mc="http://schemas.openxmlformats.org/markup-compatibility/2006" xmlns:p15="http://schemas.microsoft.com/office/powerpoint/2012/main">
     <mc:Choice Requires="p15">
-      <p:transition xmlns:p14="http://schemas.microsoft.com/office/powerpoint/2010/main" spd="slow" p14:dur="2000">
+      <p:transition xmlns:p14="http://schemas.microsoft.com/office/powerpoint/2010/main" spd="slow" p14:dur="2000" advClick="0">
         <p15:prstTrans prst="fallOver"/>
       </p:transition>
     </mc:Choice>
     <mc:Fallback xmlns="">
-      <p:transition spd="slow">
+      <p:transition spd="slow" advClick="0">
         <p:fade/>
       </p:transition>
     </mc:Fallback>
@@ -11786,7 +12310,7 @@
             <p:ph idx="1"/>
             <p:extLst>
               <p:ext uri="{D42A27DB-BD31-4B8C-83A1-F6EECF244321}">
-                <p14:modId xmlns:p14="http://schemas.microsoft.com/office/powerpoint/2010/main" val="1960361674"/>
+                <p14:modId xmlns:p14="http://schemas.microsoft.com/office/powerpoint/2010/main" val="2934352038"/>
               </p:ext>
             </p:extLst>
           </p:nvPr>
